--- a/PCB_defect_detection/ppt/PCB_model.pptx
+++ b/PCB_defect_detection/ppt/PCB_model.pptx
@@ -18,6 +18,9 @@
     <p:sldId id="267" r:id="rId12"/>
     <p:sldId id="268" r:id="rId13"/>
     <p:sldId id="266" r:id="rId14"/>
+    <p:sldId id="269" r:id="rId15"/>
+    <p:sldId id="270" r:id="rId16"/>
+    <p:sldId id="271" r:id="rId17"/>
   </p:sldIdLst>
   <p:sldSz cx="12192000" cy="6858000"/>
   <p:notesSz cx="6858000" cy="9144000"/>
@@ -116,6 +119,11 @@
       </a:defRPr>
     </a:lvl9pPr>
   </p:defaultTextStyle>
+  <p:extLst>
+    <p:ext uri="{EFAFB233-063F-42B5-8137-9DF3F51BA10A}">
+      <p15:sldGuideLst xmlns:p15="http://schemas.microsoft.com/office/powerpoint/2012/main"/>
+    </p:ext>
+  </p:extLst>
 </p:presentation>
 </file>
 
@@ -250,7 +258,7 @@
           <a:p>
             <a:fld id="{B98CE1FE-7412-4C35-930A-3FC3E431D4D8}" type="datetimeFigureOut">
               <a:rPr lang="ko-KR" altLang="en-US" smtClean="0"/>
-              <a:t>2024-09-02</a:t>
+              <a:t>2024-09-03</a:t>
             </a:fld>
             <a:endParaRPr lang="ko-KR" altLang="en-US"/>
           </a:p>
@@ -420,7 +428,7 @@
           <a:p>
             <a:fld id="{B98CE1FE-7412-4C35-930A-3FC3E431D4D8}" type="datetimeFigureOut">
               <a:rPr lang="ko-KR" altLang="en-US" smtClean="0"/>
-              <a:t>2024-09-02</a:t>
+              <a:t>2024-09-03</a:t>
             </a:fld>
             <a:endParaRPr lang="ko-KR" altLang="en-US"/>
           </a:p>
@@ -600,7 +608,7 @@
           <a:p>
             <a:fld id="{B98CE1FE-7412-4C35-930A-3FC3E431D4D8}" type="datetimeFigureOut">
               <a:rPr lang="ko-KR" altLang="en-US" smtClean="0"/>
-              <a:t>2024-09-02</a:t>
+              <a:t>2024-09-03</a:t>
             </a:fld>
             <a:endParaRPr lang="ko-KR" altLang="en-US"/>
           </a:p>
@@ -770,7 +778,7 @@
           <a:p>
             <a:fld id="{B98CE1FE-7412-4C35-930A-3FC3E431D4D8}" type="datetimeFigureOut">
               <a:rPr lang="ko-KR" altLang="en-US" smtClean="0"/>
-              <a:t>2024-09-02</a:t>
+              <a:t>2024-09-03</a:t>
             </a:fld>
             <a:endParaRPr lang="ko-KR" altLang="en-US"/>
           </a:p>
@@ -1016,7 +1024,7 @@
           <a:p>
             <a:fld id="{B98CE1FE-7412-4C35-930A-3FC3E431D4D8}" type="datetimeFigureOut">
               <a:rPr lang="ko-KR" altLang="en-US" smtClean="0"/>
-              <a:t>2024-09-02</a:t>
+              <a:t>2024-09-03</a:t>
             </a:fld>
             <a:endParaRPr lang="ko-KR" altLang="en-US"/>
           </a:p>
@@ -1248,7 +1256,7 @@
           <a:p>
             <a:fld id="{B98CE1FE-7412-4C35-930A-3FC3E431D4D8}" type="datetimeFigureOut">
               <a:rPr lang="ko-KR" altLang="en-US" smtClean="0"/>
-              <a:t>2024-09-02</a:t>
+              <a:t>2024-09-03</a:t>
             </a:fld>
             <a:endParaRPr lang="ko-KR" altLang="en-US"/>
           </a:p>
@@ -1615,7 +1623,7 @@
           <a:p>
             <a:fld id="{B98CE1FE-7412-4C35-930A-3FC3E431D4D8}" type="datetimeFigureOut">
               <a:rPr lang="ko-KR" altLang="en-US" smtClean="0"/>
-              <a:t>2024-09-02</a:t>
+              <a:t>2024-09-03</a:t>
             </a:fld>
             <a:endParaRPr lang="ko-KR" altLang="en-US"/>
           </a:p>
@@ -1742,7 +1750,7 @@
           <a:p>
             <a:fld id="{B98CE1FE-7412-4C35-930A-3FC3E431D4D8}" type="datetimeFigureOut">
               <a:rPr lang="ko-KR" altLang="en-US" smtClean="0"/>
-              <a:t>2024-09-02</a:t>
+              <a:t>2024-09-03</a:t>
             </a:fld>
             <a:endParaRPr lang="ko-KR" altLang="en-US"/>
           </a:p>
@@ -1837,7 +1845,7 @@
           <a:p>
             <a:fld id="{B98CE1FE-7412-4C35-930A-3FC3E431D4D8}" type="datetimeFigureOut">
               <a:rPr lang="ko-KR" altLang="en-US" smtClean="0"/>
-              <a:t>2024-09-02</a:t>
+              <a:t>2024-09-03</a:t>
             </a:fld>
             <a:endParaRPr lang="ko-KR" altLang="en-US"/>
           </a:p>
@@ -2114,7 +2122,7 @@
           <a:p>
             <a:fld id="{B98CE1FE-7412-4C35-930A-3FC3E431D4D8}" type="datetimeFigureOut">
               <a:rPr lang="ko-KR" altLang="en-US" smtClean="0"/>
-              <a:t>2024-09-02</a:t>
+              <a:t>2024-09-03</a:t>
             </a:fld>
             <a:endParaRPr lang="ko-KR" altLang="en-US"/>
           </a:p>
@@ -2367,7 +2375,7 @@
           <a:p>
             <a:fld id="{B98CE1FE-7412-4C35-930A-3FC3E431D4D8}" type="datetimeFigureOut">
               <a:rPr lang="ko-KR" altLang="en-US" smtClean="0"/>
-              <a:t>2024-09-02</a:t>
+              <a:t>2024-09-03</a:t>
             </a:fld>
             <a:endParaRPr lang="ko-KR" altLang="en-US"/>
           </a:p>
@@ -2580,7 +2588,7 @@
           <a:p>
             <a:fld id="{B98CE1FE-7412-4C35-930A-3FC3E431D4D8}" type="datetimeFigureOut">
               <a:rPr lang="ko-KR" altLang="en-US" smtClean="0"/>
-              <a:t>2024-09-02</a:t>
+              <a:t>2024-09-03</a:t>
             </a:fld>
             <a:endParaRPr lang="ko-KR" altLang="en-US"/>
           </a:p>
@@ -3134,6 +3142,221 @@
           </a:p>
         </p:txBody>
       </p:sp>
+      <p:pic>
+        <p:nvPicPr>
+          <p:cNvPr id="6" name="그림 5"/>
+          <p:cNvPicPr>
+            <a:picLocks noChangeAspect="1"/>
+          </p:cNvPicPr>
+          <p:nvPr/>
+        </p:nvPicPr>
+        <p:blipFill>
+          <a:blip r:embed="rId2">
+            <a:extLst>
+              <a:ext uri="{28A0092B-C50C-407E-A947-70E740481C1C}">
+                <a14:useLocalDpi xmlns:a14="http://schemas.microsoft.com/office/drawing/2010/main" val="0"/>
+              </a:ext>
+            </a:extLst>
+          </a:blip>
+          <a:stretch>
+            <a:fillRect/>
+          </a:stretch>
+        </p:blipFill>
+        <p:spPr>
+          <a:xfrm>
+            <a:off x="1782305" y="2367123"/>
+            <a:ext cx="3240000" cy="3240000"/>
+          </a:xfrm>
+          <a:prstGeom prst="rect">
+            <a:avLst/>
+          </a:prstGeom>
+        </p:spPr>
+      </p:pic>
+      <p:sp>
+        <p:nvSpPr>
+          <p:cNvPr id="7" name="액자 6"/>
+          <p:cNvSpPr/>
+          <p:nvPr/>
+        </p:nvSpPr>
+        <p:spPr>
+          <a:xfrm>
+            <a:off x="3277034" y="3450372"/>
+            <a:ext cx="536751" cy="536751"/>
+          </a:xfrm>
+          <a:prstGeom prst="frame">
+            <a:avLst/>
+          </a:prstGeom>
+          <a:solidFill>
+            <a:srgbClr val="FF0000"/>
+          </a:solidFill>
+          <a:ln>
+            <a:noFill/>
+          </a:ln>
+        </p:spPr>
+        <p:style>
+          <a:lnRef idx="2">
+            <a:schemeClr val="accent1">
+              <a:shade val="50000"/>
+            </a:schemeClr>
+          </a:lnRef>
+          <a:fillRef idx="1">
+            <a:schemeClr val="accent1"/>
+          </a:fillRef>
+          <a:effectRef idx="0">
+            <a:schemeClr val="accent1"/>
+          </a:effectRef>
+          <a:fontRef idx="minor">
+            <a:schemeClr val="lt1"/>
+          </a:fontRef>
+        </p:style>
+        <p:txBody>
+          <a:bodyPr rtlCol="0" anchor="ctr"/>
+          <a:lstStyle/>
+          <a:p>
+            <a:pPr algn="ctr"/>
+            <a:endParaRPr lang="ko-KR" altLang="en-US">
+              <a:solidFill>
+                <a:schemeClr val="tx1"/>
+              </a:solidFill>
+            </a:endParaRPr>
+          </a:p>
+        </p:txBody>
+      </p:sp>
+      <p:grpSp>
+        <p:nvGrpSpPr>
+          <p:cNvPr id="14" name="그룹 13"/>
+          <p:cNvGrpSpPr/>
+          <p:nvPr/>
+        </p:nvGrpSpPr>
+        <p:grpSpPr>
+          <a:xfrm>
+            <a:off x="6894533" y="2153070"/>
+            <a:ext cx="3265466" cy="3189409"/>
+            <a:chOff x="7518648" y="2367123"/>
+            <a:chExt cx="3265466" cy="3189409"/>
+          </a:xfrm>
+        </p:grpSpPr>
+        <p:pic>
+          <p:nvPicPr>
+            <p:cNvPr id="2" name="그림 1"/>
+            <p:cNvPicPr>
+              <a:picLocks noChangeAspect="1"/>
+            </p:cNvPicPr>
+            <p:nvPr/>
+          </p:nvPicPr>
+          <p:blipFill>
+            <a:blip r:embed="rId3">
+              <a:extLst>
+                <a:ext uri="{28A0092B-C50C-407E-A947-70E740481C1C}">
+                  <a14:useLocalDpi xmlns:a14="http://schemas.microsoft.com/office/drawing/2010/main" val="0"/>
+                </a:ext>
+              </a:extLst>
+            </a:blip>
+            <a:stretch>
+              <a:fillRect/>
+            </a:stretch>
+          </p:blipFill>
+          <p:spPr>
+            <a:xfrm>
+              <a:off x="7518648" y="2367123"/>
+              <a:ext cx="1376363" cy="1459779"/>
+            </a:xfrm>
+            <a:prstGeom prst="rect">
+              <a:avLst/>
+            </a:prstGeom>
+          </p:spPr>
+        </p:pic>
+        <p:pic>
+          <p:nvPicPr>
+            <p:cNvPr id="11" name="그림 10"/>
+            <p:cNvPicPr>
+              <a:picLocks noChangeAspect="1"/>
+            </p:cNvPicPr>
+            <p:nvPr/>
+          </p:nvPicPr>
+          <p:blipFill>
+            <a:blip r:embed="rId4">
+              <a:extLst>
+                <a:ext uri="{28A0092B-C50C-407E-A947-70E740481C1C}">
+                  <a14:useLocalDpi xmlns:a14="http://schemas.microsoft.com/office/drawing/2010/main" val="0"/>
+                </a:ext>
+              </a:extLst>
+            </a:blip>
+            <a:stretch>
+              <a:fillRect/>
+            </a:stretch>
+          </p:blipFill>
+          <p:spPr>
+            <a:xfrm>
+              <a:off x="9355818" y="2879053"/>
+              <a:ext cx="1428296" cy="1142637"/>
+            </a:xfrm>
+            <a:prstGeom prst="rect">
+              <a:avLst/>
+            </a:prstGeom>
+          </p:spPr>
+        </p:pic>
+        <p:pic>
+          <p:nvPicPr>
+            <p:cNvPr id="12" name="그림 11"/>
+            <p:cNvPicPr>
+              <a:picLocks noChangeAspect="1"/>
+            </p:cNvPicPr>
+            <p:nvPr/>
+          </p:nvPicPr>
+          <p:blipFill>
+            <a:blip r:embed="rId5">
+              <a:extLst>
+                <a:ext uri="{28A0092B-C50C-407E-A947-70E740481C1C}">
+                  <a14:useLocalDpi xmlns:a14="http://schemas.microsoft.com/office/drawing/2010/main" val="0"/>
+                </a:ext>
+              </a:extLst>
+            </a:blip>
+            <a:stretch>
+              <a:fillRect/>
+            </a:stretch>
+          </p:blipFill>
+          <p:spPr>
+            <a:xfrm>
+              <a:off x="7637689" y="4134005"/>
+              <a:ext cx="1448254" cy="1172396"/>
+            </a:xfrm>
+            <a:prstGeom prst="rect">
+              <a:avLst/>
+            </a:prstGeom>
+          </p:spPr>
+        </p:pic>
+        <p:pic>
+          <p:nvPicPr>
+            <p:cNvPr id="13" name="그림 12"/>
+            <p:cNvPicPr>
+              <a:picLocks noChangeAspect="1"/>
+            </p:cNvPicPr>
+            <p:nvPr/>
+          </p:nvPicPr>
+          <p:blipFill>
+            <a:blip r:embed="rId6">
+              <a:extLst>
+                <a:ext uri="{28A0092B-C50C-407E-A947-70E740481C1C}">
+                  <a14:useLocalDpi xmlns:a14="http://schemas.microsoft.com/office/drawing/2010/main" val="0"/>
+                </a:ext>
+              </a:extLst>
+            </a:blip>
+            <a:stretch>
+              <a:fillRect/>
+            </a:stretch>
+          </p:blipFill>
+          <p:spPr>
+            <a:xfrm>
+              <a:off x="9506749" y="4213661"/>
+              <a:ext cx="1277365" cy="1342871"/>
+            </a:xfrm>
+            <a:prstGeom prst="rect">
+              <a:avLst/>
+            </a:prstGeom>
+          </p:spPr>
+        </p:pic>
+      </p:grpSp>
     </p:spTree>
     <p:extLst>
       <p:ext uri="{BB962C8B-B14F-4D97-AF65-F5344CB8AC3E}">
@@ -3181,7 +3404,11 @@
           <a:p>
             <a:r>
               <a:rPr lang="en-US" altLang="ko-KR" dirty="0" smtClean="0"/>
-              <a:t>Model History</a:t>
+              <a:t>Model </a:t>
+            </a:r>
+            <a:r>
+              <a:rPr lang="en-US" altLang="ko-KR" dirty="0" smtClean="0"/>
+              <a:t>History(VGG16)</a:t>
             </a:r>
             <a:endParaRPr lang="ko-KR" altLang="en-US" dirty="0"/>
           </a:p>
@@ -3764,10 +3991,353 @@
           </a:prstGeom>
         </p:spPr>
       </p:pic>
+      <p:sp>
+        <p:nvSpPr>
+          <p:cNvPr id="5" name="TextBox 4"/>
+          <p:cNvSpPr txBox="1"/>
+          <p:nvPr/>
+        </p:nvSpPr>
+        <p:spPr>
+          <a:xfrm>
+            <a:off x="798809" y="2261871"/>
+            <a:ext cx="5181077" cy="707886"/>
+          </a:xfrm>
+          <a:prstGeom prst="rect">
+            <a:avLst/>
+          </a:prstGeom>
+          <a:noFill/>
+        </p:spPr>
+        <p:txBody>
+          <a:bodyPr wrap="square" rtlCol="0">
+            <a:spAutoFit/>
+          </a:bodyPr>
+          <a:lstStyle/>
+          <a:p>
+            <a:r>
+              <a:rPr lang="en-US" altLang="ko-KR" sz="2000" dirty="0" smtClean="0"/>
+              <a:t>drag </a:t>
+            </a:r>
+            <a:r>
+              <a:rPr lang="en-US" altLang="ko-KR" sz="2000" dirty="0"/>
+              <a:t>and </a:t>
+            </a:r>
+            <a:r>
+              <a:rPr lang="en-US" altLang="ko-KR" sz="2000" dirty="0" smtClean="0"/>
+              <a:t>drop</a:t>
+            </a:r>
+            <a:r>
+              <a:rPr lang="ko-KR" altLang="en-US" sz="2000" dirty="0" smtClean="0"/>
+              <a:t>을 해서</a:t>
+            </a:r>
+            <a:r>
+              <a:rPr lang="en-US" altLang="ko-KR" sz="2000" dirty="0"/>
+              <a:t> </a:t>
+            </a:r>
+            <a:r>
+              <a:rPr lang="ko-KR" altLang="en-US" sz="2000" dirty="0" smtClean="0"/>
+              <a:t>영역을 지정</a:t>
+            </a:r>
+            <a:endParaRPr lang="en-US" altLang="ko-KR" sz="2000" dirty="0" smtClean="0"/>
+          </a:p>
+          <a:p>
+            <a:r>
+              <a:rPr lang="ko-KR" altLang="en-US" sz="2000" dirty="0" smtClean="0"/>
+              <a:t>지정한 영역에 대한 결함 예측 후</a:t>
+            </a:r>
+            <a:r>
+              <a:rPr lang="en-US" altLang="ko-KR" sz="2000" dirty="0"/>
+              <a:t> </a:t>
+            </a:r>
+            <a:r>
+              <a:rPr lang="ko-KR" altLang="en-US" sz="2000" dirty="0" smtClean="0"/>
+              <a:t>시각화</a:t>
+            </a:r>
+            <a:endParaRPr lang="ko-KR" altLang="en-US" sz="2000" dirty="0"/>
+          </a:p>
+        </p:txBody>
+      </p:sp>
     </p:spTree>
     <p:extLst>
       <p:ext uri="{BB962C8B-B14F-4D97-AF65-F5344CB8AC3E}">
         <p14:creationId xmlns:p14="http://schemas.microsoft.com/office/powerpoint/2010/main" val="3936269301"/>
+      </p:ext>
+    </p:extLst>
+  </p:cSld>
+  <p:clrMapOvr>
+    <a:masterClrMapping/>
+  </p:clrMapOvr>
+</p:sld>
+</file>
+
+<file path=ppt/slides/slide14.xml><?xml version="1.0" encoding="utf-8"?>
+<p:sld xmlns:a="http://schemas.openxmlformats.org/drawingml/2006/main" xmlns:r="http://schemas.openxmlformats.org/officeDocument/2006/relationships" xmlns:p="http://schemas.openxmlformats.org/presentationml/2006/main">
+  <p:cSld>
+    <p:spTree>
+      <p:nvGrpSpPr>
+        <p:cNvPr id="1" name=""/>
+        <p:cNvGrpSpPr/>
+        <p:nvPr/>
+      </p:nvGrpSpPr>
+      <p:grpSpPr>
+        <a:xfrm>
+          <a:off x="0" y="0"/>
+          <a:ext cx="0" cy="0"/>
+          <a:chOff x="0" y="0"/>
+          <a:chExt cx="0" cy="0"/>
+        </a:xfrm>
+      </p:grpSpPr>
+      <p:sp>
+        <p:nvSpPr>
+          <p:cNvPr id="3" name="제목 2"/>
+          <p:cNvSpPr>
+            <a:spLocks noGrp="1"/>
+          </p:cNvSpPr>
+          <p:nvPr>
+            <p:ph type="title"/>
+          </p:nvPr>
+        </p:nvSpPr>
+        <p:spPr/>
+        <p:txBody>
+          <a:bodyPr anchor="ctr" anchorCtr="0">
+            <a:normAutofit/>
+          </a:bodyPr>
+          <a:lstStyle/>
+          <a:p>
+            <a:pPr algn="ctr"/>
+            <a:r>
+              <a:rPr lang="ko-KR" altLang="en-US" sz="5400" dirty="0" smtClean="0"/>
+              <a:t>실물</a:t>
+            </a:r>
+            <a:r>
+              <a:rPr lang="ko-KR" altLang="en-US" sz="5400" dirty="0" smtClean="0"/>
+              <a:t> </a:t>
+            </a:r>
+            <a:r>
+              <a:rPr lang="ko-KR" altLang="en-US" sz="5400" dirty="0" err="1" smtClean="0"/>
+              <a:t>데이터셋을</a:t>
+            </a:r>
+            <a:r>
+              <a:rPr lang="ko-KR" altLang="en-US" sz="5400" dirty="0" smtClean="0"/>
+              <a:t> 이용한 </a:t>
+            </a:r>
+            <a:r>
+              <a:rPr lang="ko-KR" altLang="en-US" sz="5400" dirty="0" err="1" smtClean="0"/>
+              <a:t>불량검출</a:t>
+            </a:r>
+            <a:endParaRPr lang="ko-KR" altLang="en-US" sz="5400" dirty="0"/>
+          </a:p>
+        </p:txBody>
+      </p:sp>
+    </p:spTree>
+    <p:extLst>
+      <p:ext uri="{BB962C8B-B14F-4D97-AF65-F5344CB8AC3E}">
+        <p14:creationId xmlns:p14="http://schemas.microsoft.com/office/powerpoint/2010/main" val="1136590425"/>
+      </p:ext>
+    </p:extLst>
+  </p:cSld>
+  <p:clrMapOvr>
+    <a:masterClrMapping/>
+  </p:clrMapOvr>
+</p:sld>
+</file>
+
+<file path=ppt/slides/slide15.xml><?xml version="1.0" encoding="utf-8"?>
+<p:sld xmlns:a="http://schemas.openxmlformats.org/drawingml/2006/main" xmlns:r="http://schemas.openxmlformats.org/officeDocument/2006/relationships" xmlns:p="http://schemas.openxmlformats.org/presentationml/2006/main">
+  <p:cSld>
+    <p:spTree>
+      <p:nvGrpSpPr>
+        <p:cNvPr id="1" name=""/>
+        <p:cNvGrpSpPr/>
+        <p:nvPr/>
+      </p:nvGrpSpPr>
+      <p:grpSpPr>
+        <a:xfrm>
+          <a:off x="0" y="0"/>
+          <a:ext cx="0" cy="0"/>
+          <a:chOff x="0" y="0"/>
+          <a:chExt cx="0" cy="0"/>
+        </a:xfrm>
+      </p:grpSpPr>
+      <p:sp>
+        <p:nvSpPr>
+          <p:cNvPr id="2" name="제목 1"/>
+          <p:cNvSpPr>
+            <a:spLocks noGrp="1"/>
+          </p:cNvSpPr>
+          <p:nvPr>
+            <p:ph type="title"/>
+          </p:nvPr>
+        </p:nvSpPr>
+        <p:spPr/>
+        <p:txBody>
+          <a:bodyPr/>
+          <a:lstStyle/>
+          <a:p>
+            <a:r>
+              <a:rPr lang="ko-KR" altLang="en-US" dirty="0" smtClean="0"/>
+              <a:t>사용한 </a:t>
+            </a:r>
+            <a:r>
+              <a:rPr lang="ko-KR" altLang="en-US" dirty="0" err="1" smtClean="0"/>
+              <a:t>데이터셋</a:t>
+            </a:r>
+            <a:endParaRPr lang="ko-KR" altLang="en-US" dirty="0"/>
+          </a:p>
+        </p:txBody>
+      </p:sp>
+      <p:sp>
+        <p:nvSpPr>
+          <p:cNvPr id="3" name="TextBox 2"/>
+          <p:cNvSpPr txBox="1"/>
+          <p:nvPr/>
+        </p:nvSpPr>
+        <p:spPr>
+          <a:xfrm>
+            <a:off x="481740" y="6400800"/>
+            <a:ext cx="8679051" cy="307777"/>
+          </a:xfrm>
+          <a:prstGeom prst="rect">
+            <a:avLst/>
+          </a:prstGeom>
+          <a:noFill/>
+        </p:spPr>
+        <p:txBody>
+          <a:bodyPr wrap="square" rtlCol="0">
+            <a:spAutoFit/>
+          </a:bodyPr>
+          <a:lstStyle/>
+          <a:p>
+            <a:r>
+              <a:rPr lang="ko-KR" altLang="en-US" sz="1400" dirty="0" smtClean="0"/>
+              <a:t>출처 </a:t>
+            </a:r>
+            <a:r>
+              <a:rPr lang="en-US" altLang="ko-KR" sz="1400" dirty="0" smtClean="0"/>
+              <a:t>: </a:t>
+            </a:r>
+            <a:r>
+              <a:rPr lang="en-US" altLang="ko-KR" sz="1400" dirty="0"/>
+              <a:t>https://github.com/Ixiaohuihuihui/Tiny-Defect-Detection-for-PCB?tab=readme-ov-file</a:t>
+            </a:r>
+            <a:endParaRPr lang="ko-KR" altLang="en-US" sz="1400" dirty="0"/>
+          </a:p>
+        </p:txBody>
+      </p:sp>
+      <p:sp>
+        <p:nvSpPr>
+          <p:cNvPr id="12" name="TextBox 11"/>
+          <p:cNvSpPr txBox="1"/>
+          <p:nvPr/>
+        </p:nvSpPr>
+        <p:spPr>
+          <a:xfrm>
+            <a:off x="798809" y="1644194"/>
+            <a:ext cx="9680505" cy="400110"/>
+          </a:xfrm>
+          <a:prstGeom prst="rect">
+            <a:avLst/>
+          </a:prstGeom>
+          <a:noFill/>
+        </p:spPr>
+        <p:txBody>
+          <a:bodyPr wrap="square" rtlCol="0">
+            <a:spAutoFit/>
+          </a:bodyPr>
+          <a:lstStyle/>
+          <a:p>
+            <a:r>
+              <a:rPr lang="en-US" altLang="ko-KR" sz="2000" dirty="0" smtClean="0"/>
+              <a:t>12</a:t>
+            </a:r>
+            <a:r>
+              <a:rPr lang="ko-KR" altLang="en-US" sz="2000" dirty="0" smtClean="0"/>
+              <a:t>개의 정상 </a:t>
+            </a:r>
+            <a:r>
+              <a:rPr lang="en-US" altLang="ko-KR" sz="2000" dirty="0" smtClean="0"/>
+              <a:t>PCB</a:t>
+            </a:r>
+            <a:r>
+              <a:rPr lang="ko-KR" altLang="en-US" sz="2000" dirty="0" smtClean="0"/>
+              <a:t>와 </a:t>
+            </a:r>
+            <a:r>
+              <a:rPr lang="ko-KR" altLang="en-US" sz="2000" dirty="0" smtClean="0"/>
+              <a:t>총 </a:t>
+            </a:r>
+            <a:r>
+              <a:rPr lang="en-US" altLang="ko-KR" sz="2000" dirty="0" smtClean="0"/>
+              <a:t>1386</a:t>
+            </a:r>
+            <a:r>
+              <a:rPr lang="ko-KR" altLang="en-US" sz="2000" dirty="0" smtClean="0"/>
+              <a:t>개의 합성된 불량 </a:t>
+            </a:r>
+            <a:r>
+              <a:rPr lang="en-US" altLang="ko-KR" sz="2000" dirty="0" smtClean="0"/>
+              <a:t>PCB</a:t>
+            </a:r>
+            <a:endParaRPr lang="ko-KR" altLang="en-US" sz="2000" dirty="0"/>
+          </a:p>
+        </p:txBody>
+      </p:sp>
+    </p:spTree>
+    <p:extLst>
+      <p:ext uri="{BB962C8B-B14F-4D97-AF65-F5344CB8AC3E}">
+        <p14:creationId xmlns:p14="http://schemas.microsoft.com/office/powerpoint/2010/main" val="3111807578"/>
+      </p:ext>
+    </p:extLst>
+  </p:cSld>
+  <p:clrMapOvr>
+    <a:masterClrMapping/>
+  </p:clrMapOvr>
+</p:sld>
+</file>
+
+<file path=ppt/slides/slide16.xml><?xml version="1.0" encoding="utf-8"?>
+<p:sld xmlns:a="http://schemas.openxmlformats.org/drawingml/2006/main" xmlns:r="http://schemas.openxmlformats.org/officeDocument/2006/relationships" xmlns:p="http://schemas.openxmlformats.org/presentationml/2006/main">
+  <p:cSld>
+    <p:spTree>
+      <p:nvGrpSpPr>
+        <p:cNvPr id="1" name=""/>
+        <p:cNvGrpSpPr/>
+        <p:nvPr/>
+      </p:nvGrpSpPr>
+      <p:grpSpPr>
+        <a:xfrm>
+          <a:off x="0" y="0"/>
+          <a:ext cx="0" cy="0"/>
+          <a:chOff x="0" y="0"/>
+          <a:chExt cx="0" cy="0"/>
+        </a:xfrm>
+      </p:grpSpPr>
+      <p:sp>
+        <p:nvSpPr>
+          <p:cNvPr id="2" name="제목 1"/>
+          <p:cNvSpPr>
+            <a:spLocks noGrp="1"/>
+          </p:cNvSpPr>
+          <p:nvPr>
+            <p:ph type="title"/>
+          </p:nvPr>
+        </p:nvSpPr>
+        <p:spPr/>
+        <p:txBody>
+          <a:bodyPr/>
+          <a:lstStyle/>
+          <a:p>
+            <a:r>
+              <a:rPr lang="ko-KR" altLang="en-US" dirty="0" smtClean="0"/>
+              <a:t>향후 계획</a:t>
+            </a:r>
+            <a:endParaRPr lang="ko-KR" altLang="en-US" dirty="0"/>
+          </a:p>
+        </p:txBody>
+      </p:sp>
+    </p:spTree>
+    <p:extLst>
+      <p:ext uri="{BB962C8B-B14F-4D97-AF65-F5344CB8AC3E}">
+        <p14:creationId xmlns:p14="http://schemas.microsoft.com/office/powerpoint/2010/main" val="145706967"/>
       </p:ext>
     </p:extLst>
   </p:cSld>
@@ -4160,81 +4730,6 @@
           </a:p>
         </p:txBody>
       </p:sp>
-      <p:grpSp>
-        <p:nvGrpSpPr>
-          <p:cNvPr id="8" name="그룹 7"/>
-          <p:cNvGrpSpPr/>
-          <p:nvPr/>
-        </p:nvGrpSpPr>
-        <p:grpSpPr>
-          <a:xfrm>
-            <a:off x="2077460" y="1868202"/>
-            <a:ext cx="8037080" cy="3557023"/>
-            <a:chOff x="1767830" y="2158488"/>
-            <a:chExt cx="8037080" cy="3557023"/>
-          </a:xfrm>
-        </p:grpSpPr>
-        <p:pic>
-          <p:nvPicPr>
-            <p:cNvPr id="6" name="그림 5"/>
-            <p:cNvPicPr>
-              <a:picLocks noChangeAspect="1"/>
-            </p:cNvPicPr>
-            <p:nvPr/>
-          </p:nvPicPr>
-          <p:blipFill>
-            <a:blip r:embed="rId2">
-              <a:extLst>
-                <a:ext uri="{28A0092B-C50C-407E-A947-70E740481C1C}">
-                  <a14:useLocalDpi xmlns:a14="http://schemas.microsoft.com/office/drawing/2010/main" val="0"/>
-                </a:ext>
-              </a:extLst>
-            </a:blip>
-            <a:stretch>
-              <a:fillRect/>
-            </a:stretch>
-          </p:blipFill>
-          <p:spPr>
-            <a:xfrm>
-              <a:off x="6247887" y="2158488"/>
-              <a:ext cx="3557023" cy="3557023"/>
-            </a:xfrm>
-            <a:prstGeom prst="rect">
-              <a:avLst/>
-            </a:prstGeom>
-          </p:spPr>
-        </p:pic>
-        <p:pic>
-          <p:nvPicPr>
-            <p:cNvPr id="7" name="그림 6"/>
-            <p:cNvPicPr>
-              <a:picLocks noChangeAspect="1"/>
-            </p:cNvPicPr>
-            <p:nvPr/>
-          </p:nvPicPr>
-          <p:blipFill>
-            <a:blip r:embed="rId3">
-              <a:extLst>
-                <a:ext uri="{28A0092B-C50C-407E-A947-70E740481C1C}">
-                  <a14:useLocalDpi xmlns:a14="http://schemas.microsoft.com/office/drawing/2010/main" val="0"/>
-                </a:ext>
-              </a:extLst>
-            </a:blip>
-            <a:stretch>
-              <a:fillRect/>
-            </a:stretch>
-          </p:blipFill>
-          <p:spPr>
-            <a:xfrm>
-              <a:off x="1767830" y="2158488"/>
-              <a:ext cx="3557023" cy="3557023"/>
-            </a:xfrm>
-            <a:prstGeom prst="rect">
-              <a:avLst/>
-            </a:prstGeom>
-          </p:spPr>
-        </p:pic>
-      </p:grpSp>
       <p:sp>
         <p:nvSpPr>
           <p:cNvPr id="9" name="TextBox 8"/>
@@ -4281,6 +4776,66 @@
           </a:p>
         </p:txBody>
       </p:sp>
+      <p:pic>
+        <p:nvPicPr>
+          <p:cNvPr id="6" name="그림 5"/>
+          <p:cNvPicPr>
+            <a:picLocks noChangeAspect="1"/>
+          </p:cNvPicPr>
+          <p:nvPr/>
+        </p:nvPicPr>
+        <p:blipFill>
+          <a:blip r:embed="rId2">
+            <a:extLst>
+              <a:ext uri="{28A0092B-C50C-407E-A947-70E740481C1C}">
+                <a14:useLocalDpi xmlns:a14="http://schemas.microsoft.com/office/drawing/2010/main" val="0"/>
+              </a:ext>
+            </a:extLst>
+          </a:blip>
+          <a:stretch>
+            <a:fillRect/>
+          </a:stretch>
+        </p:blipFill>
+        <p:spPr>
+          <a:xfrm>
+            <a:off x="6346477" y="1774474"/>
+            <a:ext cx="3557023" cy="3557023"/>
+          </a:xfrm>
+          <a:prstGeom prst="rect">
+            <a:avLst/>
+          </a:prstGeom>
+        </p:spPr>
+      </p:pic>
+      <p:pic>
+        <p:nvPicPr>
+          <p:cNvPr id="11" name="그림 10"/>
+          <p:cNvPicPr>
+            <a:picLocks noChangeAspect="1"/>
+          </p:cNvPicPr>
+          <p:nvPr/>
+        </p:nvPicPr>
+        <p:blipFill>
+          <a:blip r:embed="rId3" cstate="print">
+            <a:extLst>
+              <a:ext uri="{28A0092B-C50C-407E-A947-70E740481C1C}">
+                <a14:useLocalDpi xmlns:a14="http://schemas.microsoft.com/office/drawing/2010/main" val="0"/>
+              </a:ext>
+            </a:extLst>
+          </a:blip>
+          <a:stretch>
+            <a:fillRect/>
+          </a:stretch>
+        </p:blipFill>
+        <p:spPr>
+          <a:xfrm>
+            <a:off x="2288500" y="1932985"/>
+            <a:ext cx="3240000" cy="3240000"/>
+          </a:xfrm>
+          <a:prstGeom prst="rect">
+            <a:avLst/>
+          </a:prstGeom>
+        </p:spPr>
+      </p:pic>
     </p:spTree>
     <p:extLst>
       <p:ext uri="{BB962C8B-B14F-4D97-AF65-F5344CB8AC3E}">
@@ -4809,6 +5364,221 @@
           </a:p>
         </p:txBody>
       </p:sp>
+      <p:grpSp>
+        <p:nvGrpSpPr>
+          <p:cNvPr id="9" name="그룹 8"/>
+          <p:cNvGrpSpPr/>
+          <p:nvPr/>
+        </p:nvGrpSpPr>
+        <p:grpSpPr>
+          <a:xfrm>
+            <a:off x="7111535" y="2367123"/>
+            <a:ext cx="3405358" cy="3145373"/>
+            <a:chOff x="7591982" y="2320629"/>
+            <a:chExt cx="3405358" cy="3145373"/>
+          </a:xfrm>
+        </p:grpSpPr>
+        <p:pic>
+          <p:nvPicPr>
+            <p:cNvPr id="2" name="그림 1"/>
+            <p:cNvPicPr>
+              <a:picLocks noChangeAspect="1"/>
+            </p:cNvPicPr>
+            <p:nvPr/>
+          </p:nvPicPr>
+          <p:blipFill>
+            <a:blip r:embed="rId2">
+              <a:extLst>
+                <a:ext uri="{28A0092B-C50C-407E-A947-70E740481C1C}">
+                  <a14:useLocalDpi xmlns:a14="http://schemas.microsoft.com/office/drawing/2010/main" val="0"/>
+                </a:ext>
+              </a:extLst>
+            </a:blip>
+            <a:stretch>
+              <a:fillRect/>
+            </a:stretch>
+          </p:blipFill>
+          <p:spPr>
+            <a:xfrm>
+              <a:off x="7765987" y="2320629"/>
+              <a:ext cx="1422725" cy="1530101"/>
+            </a:xfrm>
+            <a:prstGeom prst="rect">
+              <a:avLst/>
+            </a:prstGeom>
+          </p:spPr>
+        </p:pic>
+        <p:pic>
+          <p:nvPicPr>
+            <p:cNvPr id="3" name="그림 2"/>
+            <p:cNvPicPr>
+              <a:picLocks noChangeAspect="1"/>
+            </p:cNvPicPr>
+            <p:nvPr/>
+          </p:nvPicPr>
+          <p:blipFill>
+            <a:blip r:embed="rId3">
+              <a:extLst>
+                <a:ext uri="{28A0092B-C50C-407E-A947-70E740481C1C}">
+                  <a14:useLocalDpi xmlns:a14="http://schemas.microsoft.com/office/drawing/2010/main" val="0"/>
+                </a:ext>
+              </a:extLst>
+            </a:blip>
+            <a:stretch>
+              <a:fillRect/>
+            </a:stretch>
+          </p:blipFill>
+          <p:spPr>
+            <a:xfrm>
+              <a:off x="9873625" y="2320629"/>
+              <a:ext cx="1123715" cy="1600442"/>
+            </a:xfrm>
+            <a:prstGeom prst="rect">
+              <a:avLst/>
+            </a:prstGeom>
+          </p:spPr>
+        </p:pic>
+        <p:pic>
+          <p:nvPicPr>
+            <p:cNvPr id="6" name="그림 5"/>
+            <p:cNvPicPr>
+              <a:picLocks noChangeAspect="1"/>
+            </p:cNvPicPr>
+            <p:nvPr/>
+          </p:nvPicPr>
+          <p:blipFill>
+            <a:blip r:embed="rId4">
+              <a:extLst>
+                <a:ext uri="{28A0092B-C50C-407E-A947-70E740481C1C}">
+                  <a14:useLocalDpi xmlns:a14="http://schemas.microsoft.com/office/drawing/2010/main" val="0"/>
+                </a:ext>
+              </a:extLst>
+            </a:blip>
+            <a:stretch>
+              <a:fillRect/>
+            </a:stretch>
+          </p:blipFill>
+          <p:spPr>
+            <a:xfrm>
+              <a:off x="7591982" y="4350825"/>
+              <a:ext cx="1596730" cy="1115177"/>
+            </a:xfrm>
+            <a:prstGeom prst="rect">
+              <a:avLst/>
+            </a:prstGeom>
+          </p:spPr>
+        </p:pic>
+        <p:pic>
+          <p:nvPicPr>
+            <p:cNvPr id="7" name="그림 6"/>
+            <p:cNvPicPr>
+              <a:picLocks noChangeAspect="1"/>
+            </p:cNvPicPr>
+            <p:nvPr/>
+          </p:nvPicPr>
+          <p:blipFill>
+            <a:blip r:embed="rId5">
+              <a:extLst>
+                <a:ext uri="{28A0092B-C50C-407E-A947-70E740481C1C}">
+                  <a14:useLocalDpi xmlns:a14="http://schemas.microsoft.com/office/drawing/2010/main" val="0"/>
+                </a:ext>
+              </a:extLst>
+            </a:blip>
+            <a:stretch>
+              <a:fillRect/>
+            </a:stretch>
+          </p:blipFill>
+          <p:spPr>
+            <a:xfrm>
+              <a:off x="9559145" y="4347052"/>
+              <a:ext cx="1438195" cy="1096928"/>
+            </a:xfrm>
+            <a:prstGeom prst="rect">
+              <a:avLst/>
+            </a:prstGeom>
+          </p:spPr>
+        </p:pic>
+      </p:grpSp>
+      <p:pic>
+        <p:nvPicPr>
+          <p:cNvPr id="8" name="그림 7"/>
+          <p:cNvPicPr>
+            <a:picLocks noChangeAspect="1"/>
+          </p:cNvPicPr>
+          <p:nvPr/>
+        </p:nvPicPr>
+        <p:blipFill>
+          <a:blip r:embed="rId6">
+            <a:extLst>
+              <a:ext uri="{28A0092B-C50C-407E-A947-70E740481C1C}">
+                <a14:useLocalDpi xmlns:a14="http://schemas.microsoft.com/office/drawing/2010/main" val="0"/>
+              </a:ext>
+            </a:extLst>
+          </a:blip>
+          <a:stretch>
+            <a:fillRect/>
+          </a:stretch>
+        </p:blipFill>
+        <p:spPr>
+          <a:xfrm>
+            <a:off x="1782305" y="2367123"/>
+            <a:ext cx="3240000" cy="3240000"/>
+          </a:xfrm>
+          <a:prstGeom prst="rect">
+            <a:avLst/>
+          </a:prstGeom>
+        </p:spPr>
+      </p:pic>
+      <p:sp>
+        <p:nvSpPr>
+          <p:cNvPr id="10" name="액자 9"/>
+          <p:cNvSpPr/>
+          <p:nvPr/>
+        </p:nvSpPr>
+        <p:spPr>
+          <a:xfrm>
+            <a:off x="4361569" y="3582354"/>
+            <a:ext cx="536751" cy="536751"/>
+          </a:xfrm>
+          <a:prstGeom prst="frame">
+            <a:avLst/>
+          </a:prstGeom>
+          <a:solidFill>
+            <a:srgbClr val="FF0000"/>
+          </a:solidFill>
+          <a:ln>
+            <a:noFill/>
+          </a:ln>
+        </p:spPr>
+        <p:style>
+          <a:lnRef idx="2">
+            <a:schemeClr val="accent1">
+              <a:shade val="50000"/>
+            </a:schemeClr>
+          </a:lnRef>
+          <a:fillRef idx="1">
+            <a:schemeClr val="accent1"/>
+          </a:fillRef>
+          <a:effectRef idx="0">
+            <a:schemeClr val="accent1"/>
+          </a:effectRef>
+          <a:fontRef idx="minor">
+            <a:schemeClr val="lt1"/>
+          </a:fontRef>
+        </p:style>
+        <p:txBody>
+          <a:bodyPr rtlCol="0" anchor="ctr"/>
+          <a:lstStyle/>
+          <a:p>
+            <a:pPr algn="ctr"/>
+            <a:endParaRPr lang="ko-KR" altLang="en-US">
+              <a:solidFill>
+                <a:schemeClr val="tx1"/>
+              </a:solidFill>
+            </a:endParaRPr>
+          </a:p>
+        </p:txBody>
+      </p:sp>
     </p:spTree>
     <p:extLst>
       <p:ext uri="{BB962C8B-B14F-4D97-AF65-F5344CB8AC3E}">
@@ -4928,6 +5698,221 @@
           </a:p>
         </p:txBody>
       </p:sp>
+      <p:pic>
+        <p:nvPicPr>
+          <p:cNvPr id="6" name="그림 5"/>
+          <p:cNvPicPr>
+            <a:picLocks noChangeAspect="1"/>
+          </p:cNvPicPr>
+          <p:nvPr/>
+        </p:nvPicPr>
+        <p:blipFill>
+          <a:blip r:embed="rId2">
+            <a:extLst>
+              <a:ext uri="{28A0092B-C50C-407E-A947-70E740481C1C}">
+                <a14:useLocalDpi xmlns:a14="http://schemas.microsoft.com/office/drawing/2010/main" val="0"/>
+              </a:ext>
+            </a:extLst>
+          </a:blip>
+          <a:stretch>
+            <a:fillRect/>
+          </a:stretch>
+        </p:blipFill>
+        <p:spPr>
+          <a:xfrm>
+            <a:off x="1782305" y="2367123"/>
+            <a:ext cx="3240000" cy="3240000"/>
+          </a:xfrm>
+          <a:prstGeom prst="rect">
+            <a:avLst/>
+          </a:prstGeom>
+        </p:spPr>
+      </p:pic>
+      <p:sp>
+        <p:nvSpPr>
+          <p:cNvPr id="7" name="액자 6"/>
+          <p:cNvSpPr/>
+          <p:nvPr/>
+        </p:nvSpPr>
+        <p:spPr>
+          <a:xfrm>
+            <a:off x="3913894" y="3782379"/>
+            <a:ext cx="534281" cy="751521"/>
+          </a:xfrm>
+          <a:prstGeom prst="frame">
+            <a:avLst/>
+          </a:prstGeom>
+          <a:solidFill>
+            <a:srgbClr val="FF0000"/>
+          </a:solidFill>
+          <a:ln>
+            <a:noFill/>
+          </a:ln>
+        </p:spPr>
+        <p:style>
+          <a:lnRef idx="2">
+            <a:schemeClr val="accent1">
+              <a:shade val="50000"/>
+            </a:schemeClr>
+          </a:lnRef>
+          <a:fillRef idx="1">
+            <a:schemeClr val="accent1"/>
+          </a:fillRef>
+          <a:effectRef idx="0">
+            <a:schemeClr val="accent1"/>
+          </a:effectRef>
+          <a:fontRef idx="minor">
+            <a:schemeClr val="lt1"/>
+          </a:fontRef>
+        </p:style>
+        <p:txBody>
+          <a:bodyPr rtlCol="0" anchor="ctr"/>
+          <a:lstStyle/>
+          <a:p>
+            <a:pPr algn="ctr"/>
+            <a:endParaRPr lang="ko-KR" altLang="en-US">
+              <a:solidFill>
+                <a:schemeClr val="tx1"/>
+              </a:solidFill>
+            </a:endParaRPr>
+          </a:p>
+        </p:txBody>
+      </p:sp>
+      <p:grpSp>
+        <p:nvGrpSpPr>
+          <p:cNvPr id="10" name="그룹 9"/>
+          <p:cNvGrpSpPr/>
+          <p:nvPr/>
+        </p:nvGrpSpPr>
+        <p:grpSpPr>
+          <a:xfrm>
+            <a:off x="7016670" y="2621144"/>
+            <a:ext cx="3386469" cy="2731957"/>
+            <a:chOff x="7335984" y="2596635"/>
+            <a:chExt cx="3386469" cy="2731957"/>
+          </a:xfrm>
+        </p:grpSpPr>
+        <p:pic>
+          <p:nvPicPr>
+            <p:cNvPr id="2" name="그림 1"/>
+            <p:cNvPicPr>
+              <a:picLocks noChangeAspect="1"/>
+            </p:cNvPicPr>
+            <p:nvPr/>
+          </p:nvPicPr>
+          <p:blipFill>
+            <a:blip r:embed="rId3">
+              <a:extLst>
+                <a:ext uri="{28A0092B-C50C-407E-A947-70E740481C1C}">
+                  <a14:useLocalDpi xmlns:a14="http://schemas.microsoft.com/office/drawing/2010/main" val="0"/>
+                </a:ext>
+              </a:extLst>
+            </a:blip>
+            <a:stretch>
+              <a:fillRect/>
+            </a:stretch>
+          </p:blipFill>
+          <p:spPr>
+            <a:xfrm>
+              <a:off x="7335984" y="4288556"/>
+              <a:ext cx="1604055" cy="1000378"/>
+            </a:xfrm>
+            <a:prstGeom prst="rect">
+              <a:avLst/>
+            </a:prstGeom>
+          </p:spPr>
+        </p:pic>
+        <p:pic>
+          <p:nvPicPr>
+            <p:cNvPr id="3" name="그림 2"/>
+            <p:cNvPicPr>
+              <a:picLocks noChangeAspect="1"/>
+            </p:cNvPicPr>
+            <p:nvPr/>
+          </p:nvPicPr>
+          <p:blipFill>
+            <a:blip r:embed="rId4">
+              <a:extLst>
+                <a:ext uri="{28A0092B-C50C-407E-A947-70E740481C1C}">
+                  <a14:useLocalDpi xmlns:a14="http://schemas.microsoft.com/office/drawing/2010/main" val="0"/>
+                </a:ext>
+              </a:extLst>
+            </a:blip>
+            <a:stretch>
+              <a:fillRect/>
+            </a:stretch>
+          </p:blipFill>
+          <p:spPr>
+            <a:xfrm>
+              <a:off x="7460632" y="2621010"/>
+              <a:ext cx="677379" cy="1537129"/>
+            </a:xfrm>
+            <a:prstGeom prst="rect">
+              <a:avLst/>
+            </a:prstGeom>
+          </p:spPr>
+        </p:pic>
+        <p:pic>
+          <p:nvPicPr>
+            <p:cNvPr id="8" name="그림 7"/>
+            <p:cNvPicPr>
+              <a:picLocks noChangeAspect="1"/>
+            </p:cNvPicPr>
+            <p:nvPr/>
+          </p:nvPicPr>
+          <p:blipFill>
+            <a:blip r:embed="rId5">
+              <a:extLst>
+                <a:ext uri="{28A0092B-C50C-407E-A947-70E740481C1C}">
+                  <a14:useLocalDpi xmlns:a14="http://schemas.microsoft.com/office/drawing/2010/main" val="0"/>
+                </a:ext>
+              </a:extLst>
+            </a:blip>
+            <a:stretch>
+              <a:fillRect/>
+            </a:stretch>
+          </p:blipFill>
+          <p:spPr>
+            <a:xfrm>
+              <a:off x="9270185" y="3904252"/>
+              <a:ext cx="1452268" cy="1424340"/>
+            </a:xfrm>
+            <a:prstGeom prst="rect">
+              <a:avLst/>
+            </a:prstGeom>
+          </p:spPr>
+        </p:pic>
+        <p:pic>
+          <p:nvPicPr>
+            <p:cNvPr id="9" name="그림 8"/>
+            <p:cNvPicPr>
+              <a:picLocks noChangeAspect="1"/>
+            </p:cNvPicPr>
+            <p:nvPr/>
+          </p:nvPicPr>
+          <p:blipFill>
+            <a:blip r:embed="rId6">
+              <a:extLst>
+                <a:ext uri="{28A0092B-C50C-407E-A947-70E740481C1C}">
+                  <a14:useLocalDpi xmlns:a14="http://schemas.microsoft.com/office/drawing/2010/main" val="0"/>
+                </a:ext>
+              </a:extLst>
+            </a:blip>
+            <a:stretch>
+              <a:fillRect/>
+            </a:stretch>
+          </p:blipFill>
+          <p:spPr>
+            <a:xfrm>
+              <a:off x="9044377" y="2596635"/>
+              <a:ext cx="1678076" cy="917348"/>
+            </a:xfrm>
+            <a:prstGeom prst="rect">
+              <a:avLst/>
+            </a:prstGeom>
+          </p:spPr>
+        </p:pic>
+      </p:grpSp>
     </p:spTree>
     <p:extLst>
       <p:ext uri="{BB962C8B-B14F-4D97-AF65-F5344CB8AC3E}">
@@ -5047,6 +6032,271 @@
           </a:p>
         </p:txBody>
       </p:sp>
+      <p:pic>
+        <p:nvPicPr>
+          <p:cNvPr id="6" name="그림 5"/>
+          <p:cNvPicPr>
+            <a:picLocks noChangeAspect="1"/>
+          </p:cNvPicPr>
+          <p:nvPr/>
+        </p:nvPicPr>
+        <p:blipFill>
+          <a:blip r:embed="rId2">
+            <a:extLst>
+              <a:ext uri="{28A0092B-C50C-407E-A947-70E740481C1C}">
+                <a14:useLocalDpi xmlns:a14="http://schemas.microsoft.com/office/drawing/2010/main" val="0"/>
+              </a:ext>
+            </a:extLst>
+          </a:blip>
+          <a:stretch>
+            <a:fillRect/>
+          </a:stretch>
+        </p:blipFill>
+        <p:spPr>
+          <a:xfrm>
+            <a:off x="1782305" y="2367123"/>
+            <a:ext cx="3240000" cy="3240000"/>
+          </a:xfrm>
+          <a:prstGeom prst="rect">
+            <a:avLst/>
+          </a:prstGeom>
+        </p:spPr>
+      </p:pic>
+      <p:sp>
+        <p:nvSpPr>
+          <p:cNvPr id="7" name="액자 6"/>
+          <p:cNvSpPr/>
+          <p:nvPr/>
+        </p:nvSpPr>
+        <p:spPr>
+          <a:xfrm>
+            <a:off x="2344085" y="2934040"/>
+            <a:ext cx="536751" cy="536751"/>
+          </a:xfrm>
+          <a:prstGeom prst="frame">
+            <a:avLst/>
+          </a:prstGeom>
+          <a:solidFill>
+            <a:srgbClr val="FF0000"/>
+          </a:solidFill>
+          <a:ln>
+            <a:noFill/>
+          </a:ln>
+        </p:spPr>
+        <p:style>
+          <a:lnRef idx="2">
+            <a:schemeClr val="accent1">
+              <a:shade val="50000"/>
+            </a:schemeClr>
+          </a:lnRef>
+          <a:fillRef idx="1">
+            <a:schemeClr val="accent1"/>
+          </a:fillRef>
+          <a:effectRef idx="0">
+            <a:schemeClr val="accent1"/>
+          </a:effectRef>
+          <a:fontRef idx="minor">
+            <a:schemeClr val="lt1"/>
+          </a:fontRef>
+        </p:style>
+        <p:txBody>
+          <a:bodyPr rtlCol="0" anchor="ctr"/>
+          <a:lstStyle/>
+          <a:p>
+            <a:pPr algn="ctr"/>
+            <a:endParaRPr lang="ko-KR" altLang="en-US">
+              <a:solidFill>
+                <a:schemeClr val="tx1"/>
+              </a:solidFill>
+            </a:endParaRPr>
+          </a:p>
+        </p:txBody>
+      </p:sp>
+      <p:grpSp>
+        <p:nvGrpSpPr>
+          <p:cNvPr id="12" name="그룹 11"/>
+          <p:cNvGrpSpPr/>
+          <p:nvPr/>
+        </p:nvGrpSpPr>
+        <p:grpSpPr>
+          <a:xfrm>
+            <a:off x="6838224" y="2313674"/>
+            <a:ext cx="3980221" cy="3074110"/>
+            <a:chOff x="7128509" y="2118076"/>
+            <a:chExt cx="3980221" cy="3074110"/>
+          </a:xfrm>
+        </p:grpSpPr>
+        <p:pic>
+          <p:nvPicPr>
+            <p:cNvPr id="2" name="그림 1"/>
+            <p:cNvPicPr>
+              <a:picLocks noChangeAspect="1"/>
+            </p:cNvPicPr>
+            <p:nvPr/>
+          </p:nvPicPr>
+          <p:blipFill>
+            <a:blip r:embed="rId3">
+              <a:extLst>
+                <a:ext uri="{28A0092B-C50C-407E-A947-70E740481C1C}">
+                  <a14:useLocalDpi xmlns:a14="http://schemas.microsoft.com/office/drawing/2010/main" val="0"/>
+                </a:ext>
+              </a:extLst>
+            </a:blip>
+            <a:stretch>
+              <a:fillRect/>
+            </a:stretch>
+          </p:blipFill>
+          <p:spPr>
+            <a:xfrm>
+              <a:off x="7435128" y="3607361"/>
+              <a:ext cx="1251178" cy="1584825"/>
+            </a:xfrm>
+            <a:prstGeom prst="rect">
+              <a:avLst/>
+            </a:prstGeom>
+          </p:spPr>
+        </p:pic>
+        <p:pic>
+          <p:nvPicPr>
+            <p:cNvPr id="3" name="그림 2"/>
+            <p:cNvPicPr>
+              <a:picLocks noChangeAspect="1"/>
+            </p:cNvPicPr>
+            <p:nvPr/>
+          </p:nvPicPr>
+          <p:blipFill>
+            <a:blip r:embed="rId4">
+              <a:extLst>
+                <a:ext uri="{28A0092B-C50C-407E-A947-70E740481C1C}">
+                  <a14:useLocalDpi xmlns:a14="http://schemas.microsoft.com/office/drawing/2010/main" val="0"/>
+                </a:ext>
+              </a:extLst>
+            </a:blip>
+            <a:stretch>
+              <a:fillRect/>
+            </a:stretch>
+          </p:blipFill>
+          <p:spPr>
+            <a:xfrm>
+              <a:off x="8444320" y="2313298"/>
+              <a:ext cx="2664410" cy="1040785"/>
+            </a:xfrm>
+            <a:prstGeom prst="rect">
+              <a:avLst/>
+            </a:prstGeom>
+          </p:spPr>
+        </p:pic>
+        <p:pic>
+          <p:nvPicPr>
+            <p:cNvPr id="10" name="그림 9"/>
+            <p:cNvPicPr>
+              <a:picLocks noChangeAspect="1"/>
+            </p:cNvPicPr>
+            <p:nvPr/>
+          </p:nvPicPr>
+          <p:blipFill>
+            <a:blip r:embed="rId5">
+              <a:extLst>
+                <a:ext uri="{28A0092B-C50C-407E-A947-70E740481C1C}">
+                  <a14:useLocalDpi xmlns:a14="http://schemas.microsoft.com/office/drawing/2010/main" val="0"/>
+                </a:ext>
+              </a:extLst>
+            </a:blip>
+            <a:stretch>
+              <a:fillRect/>
+            </a:stretch>
+          </p:blipFill>
+          <p:spPr>
+            <a:xfrm>
+              <a:off x="7128509" y="2118076"/>
+              <a:ext cx="1557797" cy="1473592"/>
+            </a:xfrm>
+            <a:prstGeom prst="rect">
+              <a:avLst/>
+            </a:prstGeom>
+          </p:spPr>
+        </p:pic>
+        <p:pic>
+          <p:nvPicPr>
+            <p:cNvPr id="11" name="그림 10"/>
+            <p:cNvPicPr>
+              <a:picLocks noChangeAspect="1"/>
+            </p:cNvPicPr>
+            <p:nvPr/>
+          </p:nvPicPr>
+          <p:blipFill>
+            <a:blip r:embed="rId6">
+              <a:extLst>
+                <a:ext uri="{28A0092B-C50C-407E-A947-70E740481C1C}">
+                  <a14:useLocalDpi xmlns:a14="http://schemas.microsoft.com/office/drawing/2010/main" val="0"/>
+                </a:ext>
+              </a:extLst>
+            </a:blip>
+            <a:stretch>
+              <a:fillRect/>
+            </a:stretch>
+          </p:blipFill>
+          <p:spPr>
+            <a:xfrm>
+              <a:off x="9162639" y="3582354"/>
+              <a:ext cx="1227772" cy="1227772"/>
+            </a:xfrm>
+            <a:prstGeom prst="rect">
+              <a:avLst/>
+            </a:prstGeom>
+          </p:spPr>
+        </p:pic>
+      </p:grpSp>
+      <p:sp>
+        <p:nvSpPr>
+          <p:cNvPr id="13" name="액자 12"/>
+          <p:cNvSpPr/>
+          <p:nvPr/>
+        </p:nvSpPr>
+        <p:spPr>
+          <a:xfrm>
+            <a:off x="2061195" y="4539784"/>
+            <a:ext cx="536751" cy="536751"/>
+          </a:xfrm>
+          <a:prstGeom prst="frame">
+            <a:avLst/>
+          </a:prstGeom>
+          <a:solidFill>
+            <a:srgbClr val="FF0000"/>
+          </a:solidFill>
+          <a:ln>
+            <a:noFill/>
+          </a:ln>
+        </p:spPr>
+        <p:style>
+          <a:lnRef idx="2">
+            <a:schemeClr val="accent1">
+              <a:shade val="50000"/>
+            </a:schemeClr>
+          </a:lnRef>
+          <a:fillRef idx="1">
+            <a:schemeClr val="accent1"/>
+          </a:fillRef>
+          <a:effectRef idx="0">
+            <a:schemeClr val="accent1"/>
+          </a:effectRef>
+          <a:fontRef idx="minor">
+            <a:schemeClr val="lt1"/>
+          </a:fontRef>
+        </p:style>
+        <p:txBody>
+          <a:bodyPr rtlCol="0" anchor="ctr"/>
+          <a:lstStyle/>
+          <a:p>
+            <a:pPr algn="ctr"/>
+            <a:endParaRPr lang="ko-KR" altLang="en-US">
+              <a:solidFill>
+                <a:schemeClr val="tx1"/>
+              </a:solidFill>
+            </a:endParaRPr>
+          </a:p>
+        </p:txBody>
+      </p:sp>
     </p:spTree>
     <p:extLst>
       <p:ext uri="{BB962C8B-B14F-4D97-AF65-F5344CB8AC3E}">
@@ -5173,6 +6423,221 @@
           </a:p>
         </p:txBody>
       </p:sp>
+      <p:pic>
+        <p:nvPicPr>
+          <p:cNvPr id="6" name="그림 5"/>
+          <p:cNvPicPr>
+            <a:picLocks noChangeAspect="1"/>
+          </p:cNvPicPr>
+          <p:nvPr/>
+        </p:nvPicPr>
+        <p:blipFill>
+          <a:blip r:embed="rId2">
+            <a:extLst>
+              <a:ext uri="{28A0092B-C50C-407E-A947-70E740481C1C}">
+                <a14:useLocalDpi xmlns:a14="http://schemas.microsoft.com/office/drawing/2010/main" val="0"/>
+              </a:ext>
+            </a:extLst>
+          </a:blip>
+          <a:stretch>
+            <a:fillRect/>
+          </a:stretch>
+        </p:blipFill>
+        <p:spPr>
+          <a:xfrm>
+            <a:off x="1782305" y="2367123"/>
+            <a:ext cx="3240000" cy="3240000"/>
+          </a:xfrm>
+          <a:prstGeom prst="rect">
+            <a:avLst/>
+          </a:prstGeom>
+        </p:spPr>
+      </p:pic>
+      <p:sp>
+        <p:nvSpPr>
+          <p:cNvPr id="7" name="액자 6"/>
+          <p:cNvSpPr/>
+          <p:nvPr/>
+        </p:nvSpPr>
+        <p:spPr>
+          <a:xfrm>
+            <a:off x="3926141" y="4424183"/>
+            <a:ext cx="536751" cy="536751"/>
+          </a:xfrm>
+          <a:prstGeom prst="frame">
+            <a:avLst/>
+          </a:prstGeom>
+          <a:solidFill>
+            <a:srgbClr val="FF0000"/>
+          </a:solidFill>
+          <a:ln>
+            <a:noFill/>
+          </a:ln>
+        </p:spPr>
+        <p:style>
+          <a:lnRef idx="2">
+            <a:schemeClr val="accent1">
+              <a:shade val="50000"/>
+            </a:schemeClr>
+          </a:lnRef>
+          <a:fillRef idx="1">
+            <a:schemeClr val="accent1"/>
+          </a:fillRef>
+          <a:effectRef idx="0">
+            <a:schemeClr val="accent1"/>
+          </a:effectRef>
+          <a:fontRef idx="minor">
+            <a:schemeClr val="lt1"/>
+          </a:fontRef>
+        </p:style>
+        <p:txBody>
+          <a:bodyPr rtlCol="0" anchor="ctr"/>
+          <a:lstStyle/>
+          <a:p>
+            <a:pPr algn="ctr"/>
+            <a:endParaRPr lang="ko-KR" altLang="en-US">
+              <a:solidFill>
+                <a:schemeClr val="tx1"/>
+              </a:solidFill>
+            </a:endParaRPr>
+          </a:p>
+        </p:txBody>
+      </p:sp>
+      <p:grpSp>
+        <p:nvGrpSpPr>
+          <p:cNvPr id="10" name="그룹 9"/>
+          <p:cNvGrpSpPr/>
+          <p:nvPr/>
+        </p:nvGrpSpPr>
+        <p:grpSpPr>
+          <a:xfrm>
+            <a:off x="7166141" y="2494183"/>
+            <a:ext cx="3069384" cy="2869424"/>
+            <a:chOff x="7185821" y="2494183"/>
+            <a:chExt cx="3069384" cy="2869424"/>
+          </a:xfrm>
+        </p:grpSpPr>
+        <p:pic>
+          <p:nvPicPr>
+            <p:cNvPr id="2" name="그림 1"/>
+            <p:cNvPicPr>
+              <a:picLocks noChangeAspect="1"/>
+            </p:cNvPicPr>
+            <p:nvPr/>
+          </p:nvPicPr>
+          <p:blipFill>
+            <a:blip r:embed="rId3">
+              <a:extLst>
+                <a:ext uri="{28A0092B-C50C-407E-A947-70E740481C1C}">
+                  <a14:useLocalDpi xmlns:a14="http://schemas.microsoft.com/office/drawing/2010/main" val="0"/>
+                </a:ext>
+              </a:extLst>
+            </a:blip>
+            <a:stretch>
+              <a:fillRect/>
+            </a:stretch>
+          </p:blipFill>
+          <p:spPr>
+            <a:xfrm>
+              <a:off x="7185821" y="2514847"/>
+              <a:ext cx="1217779" cy="1296345"/>
+            </a:xfrm>
+            <a:prstGeom prst="rect">
+              <a:avLst/>
+            </a:prstGeom>
+          </p:spPr>
+        </p:pic>
+        <p:pic>
+          <p:nvPicPr>
+            <p:cNvPr id="3" name="그림 2"/>
+            <p:cNvPicPr>
+              <a:picLocks noChangeAspect="1"/>
+            </p:cNvPicPr>
+            <p:nvPr/>
+          </p:nvPicPr>
+          <p:blipFill>
+            <a:blip r:embed="rId4">
+              <a:extLst>
+                <a:ext uri="{28A0092B-C50C-407E-A947-70E740481C1C}">
+                  <a14:useLocalDpi xmlns:a14="http://schemas.microsoft.com/office/drawing/2010/main" val="0"/>
+                </a:ext>
+              </a:extLst>
+            </a:blip>
+            <a:stretch>
+              <a:fillRect/>
+            </a:stretch>
+          </p:blipFill>
+          <p:spPr>
+            <a:xfrm>
+              <a:off x="7345408" y="4079567"/>
+              <a:ext cx="1251116" cy="1284040"/>
+            </a:xfrm>
+            <a:prstGeom prst="rect">
+              <a:avLst/>
+            </a:prstGeom>
+          </p:spPr>
+        </p:pic>
+        <p:pic>
+          <p:nvPicPr>
+            <p:cNvPr id="8" name="그림 7"/>
+            <p:cNvPicPr>
+              <a:picLocks noChangeAspect="1"/>
+            </p:cNvPicPr>
+            <p:nvPr/>
+          </p:nvPicPr>
+          <p:blipFill>
+            <a:blip r:embed="rId5">
+              <a:extLst>
+                <a:ext uri="{28A0092B-C50C-407E-A947-70E740481C1C}">
+                  <a14:useLocalDpi xmlns:a14="http://schemas.microsoft.com/office/drawing/2010/main" val="0"/>
+                </a:ext>
+              </a:extLst>
+            </a:blip>
+            <a:stretch>
+              <a:fillRect/>
+            </a:stretch>
+          </p:blipFill>
+          <p:spPr>
+            <a:xfrm>
+              <a:off x="9010060" y="3881089"/>
+              <a:ext cx="1216422" cy="1184411"/>
+            </a:xfrm>
+            <a:prstGeom prst="rect">
+              <a:avLst/>
+            </a:prstGeom>
+          </p:spPr>
+        </p:pic>
+        <p:pic>
+          <p:nvPicPr>
+            <p:cNvPr id="9" name="그림 8"/>
+            <p:cNvPicPr>
+              <a:picLocks noChangeAspect="1"/>
+            </p:cNvPicPr>
+            <p:nvPr/>
+          </p:nvPicPr>
+          <p:blipFill>
+            <a:blip r:embed="rId6">
+              <a:extLst>
+                <a:ext uri="{28A0092B-C50C-407E-A947-70E740481C1C}">
+                  <a14:useLocalDpi xmlns:a14="http://schemas.microsoft.com/office/drawing/2010/main" val="0"/>
+                </a:ext>
+              </a:extLst>
+            </a:blip>
+            <a:stretch>
+              <a:fillRect/>
+            </a:stretch>
+          </p:blipFill>
+          <p:spPr>
+            <a:xfrm>
+              <a:off x="9010060" y="2494183"/>
+              <a:ext cx="1245145" cy="1106796"/>
+            </a:xfrm>
+            <a:prstGeom prst="rect">
+              <a:avLst/>
+            </a:prstGeom>
+          </p:spPr>
+        </p:pic>
+      </p:grpSp>
     </p:spTree>
     <p:extLst>
       <p:ext uri="{BB962C8B-B14F-4D97-AF65-F5344CB8AC3E}">
@@ -5288,6 +6753,321 @@
           </a:p>
         </p:txBody>
       </p:sp>
+      <p:pic>
+        <p:nvPicPr>
+          <p:cNvPr id="6" name="그림 5"/>
+          <p:cNvPicPr>
+            <a:picLocks noChangeAspect="1"/>
+          </p:cNvPicPr>
+          <p:nvPr/>
+        </p:nvPicPr>
+        <p:blipFill>
+          <a:blip r:embed="rId2">
+            <a:extLst>
+              <a:ext uri="{28A0092B-C50C-407E-A947-70E740481C1C}">
+                <a14:useLocalDpi xmlns:a14="http://schemas.microsoft.com/office/drawing/2010/main" val="0"/>
+              </a:ext>
+            </a:extLst>
+          </a:blip>
+          <a:stretch>
+            <a:fillRect/>
+          </a:stretch>
+        </p:blipFill>
+        <p:spPr>
+          <a:xfrm>
+            <a:off x="1782305" y="2367123"/>
+            <a:ext cx="3240000" cy="3240000"/>
+          </a:xfrm>
+          <a:prstGeom prst="rect">
+            <a:avLst/>
+          </a:prstGeom>
+        </p:spPr>
+      </p:pic>
+      <p:sp>
+        <p:nvSpPr>
+          <p:cNvPr id="7" name="액자 6"/>
+          <p:cNvSpPr/>
+          <p:nvPr/>
+        </p:nvSpPr>
+        <p:spPr>
+          <a:xfrm>
+            <a:off x="3827759" y="2398873"/>
+            <a:ext cx="335311" cy="335311"/>
+          </a:xfrm>
+          <a:prstGeom prst="frame">
+            <a:avLst/>
+          </a:prstGeom>
+          <a:solidFill>
+            <a:srgbClr val="FF0000"/>
+          </a:solidFill>
+          <a:ln>
+            <a:noFill/>
+          </a:ln>
+        </p:spPr>
+        <p:style>
+          <a:lnRef idx="2">
+            <a:schemeClr val="accent1">
+              <a:shade val="50000"/>
+            </a:schemeClr>
+          </a:lnRef>
+          <a:fillRef idx="1">
+            <a:schemeClr val="accent1"/>
+          </a:fillRef>
+          <a:effectRef idx="0">
+            <a:schemeClr val="accent1"/>
+          </a:effectRef>
+          <a:fontRef idx="minor">
+            <a:schemeClr val="lt1"/>
+          </a:fontRef>
+        </p:style>
+        <p:txBody>
+          <a:bodyPr rtlCol="0" anchor="ctr"/>
+          <a:lstStyle/>
+          <a:p>
+            <a:pPr algn="ctr"/>
+            <a:endParaRPr lang="ko-KR" altLang="en-US">
+              <a:solidFill>
+                <a:schemeClr val="tx1"/>
+              </a:solidFill>
+            </a:endParaRPr>
+          </a:p>
+        </p:txBody>
+      </p:sp>
+      <p:sp>
+        <p:nvSpPr>
+          <p:cNvPr id="8" name="액자 7"/>
+          <p:cNvSpPr/>
+          <p:nvPr/>
+        </p:nvSpPr>
+        <p:spPr>
+          <a:xfrm>
+            <a:off x="4192239" y="2373473"/>
+            <a:ext cx="335311" cy="335311"/>
+          </a:xfrm>
+          <a:prstGeom prst="frame">
+            <a:avLst/>
+          </a:prstGeom>
+          <a:solidFill>
+            <a:srgbClr val="FF0000"/>
+          </a:solidFill>
+          <a:ln>
+            <a:noFill/>
+          </a:ln>
+        </p:spPr>
+        <p:style>
+          <a:lnRef idx="2">
+            <a:schemeClr val="accent1">
+              <a:shade val="50000"/>
+            </a:schemeClr>
+          </a:lnRef>
+          <a:fillRef idx="1">
+            <a:schemeClr val="accent1"/>
+          </a:fillRef>
+          <a:effectRef idx="0">
+            <a:schemeClr val="accent1"/>
+          </a:effectRef>
+          <a:fontRef idx="minor">
+            <a:schemeClr val="lt1"/>
+          </a:fontRef>
+        </p:style>
+        <p:txBody>
+          <a:bodyPr rtlCol="0" anchor="ctr"/>
+          <a:lstStyle/>
+          <a:p>
+            <a:pPr algn="ctr"/>
+            <a:endParaRPr lang="ko-KR" altLang="en-US">
+              <a:solidFill>
+                <a:schemeClr val="tx1"/>
+              </a:solidFill>
+            </a:endParaRPr>
+          </a:p>
+        </p:txBody>
+      </p:sp>
+      <p:sp>
+        <p:nvSpPr>
+          <p:cNvPr id="9" name="액자 8"/>
+          <p:cNvSpPr/>
+          <p:nvPr/>
+        </p:nvSpPr>
+        <p:spPr>
+          <a:xfrm>
+            <a:off x="2865554" y="3890216"/>
+            <a:ext cx="536751" cy="536751"/>
+          </a:xfrm>
+          <a:prstGeom prst="frame">
+            <a:avLst/>
+          </a:prstGeom>
+          <a:solidFill>
+            <a:srgbClr val="FF0000"/>
+          </a:solidFill>
+          <a:ln>
+            <a:noFill/>
+          </a:ln>
+        </p:spPr>
+        <p:style>
+          <a:lnRef idx="2">
+            <a:schemeClr val="accent1">
+              <a:shade val="50000"/>
+            </a:schemeClr>
+          </a:lnRef>
+          <a:fillRef idx="1">
+            <a:schemeClr val="accent1"/>
+          </a:fillRef>
+          <a:effectRef idx="0">
+            <a:schemeClr val="accent1"/>
+          </a:effectRef>
+          <a:fontRef idx="minor">
+            <a:schemeClr val="lt1"/>
+          </a:fontRef>
+        </p:style>
+        <p:txBody>
+          <a:bodyPr rtlCol="0" anchor="ctr"/>
+          <a:lstStyle/>
+          <a:p>
+            <a:pPr algn="ctr"/>
+            <a:endParaRPr lang="ko-KR" altLang="en-US">
+              <a:solidFill>
+                <a:schemeClr val="tx1"/>
+              </a:solidFill>
+            </a:endParaRPr>
+          </a:p>
+        </p:txBody>
+      </p:sp>
+      <p:grpSp>
+        <p:nvGrpSpPr>
+          <p:cNvPr id="12" name="그룹 11"/>
+          <p:cNvGrpSpPr/>
+          <p:nvPr/>
+        </p:nvGrpSpPr>
+        <p:grpSpPr>
+          <a:xfrm>
+            <a:off x="6946419" y="2398873"/>
+            <a:ext cx="2917425" cy="2806271"/>
+            <a:chOff x="6946419" y="2398873"/>
+            <a:chExt cx="2917425" cy="2806271"/>
+          </a:xfrm>
+        </p:grpSpPr>
+        <p:pic>
+          <p:nvPicPr>
+            <p:cNvPr id="2" name="그림 1"/>
+            <p:cNvPicPr>
+              <a:picLocks noChangeAspect="1"/>
+            </p:cNvPicPr>
+            <p:nvPr/>
+          </p:nvPicPr>
+          <p:blipFill>
+            <a:blip r:embed="rId3">
+              <a:extLst>
+                <a:ext uri="{28A0092B-C50C-407E-A947-70E740481C1C}">
+                  <a14:useLocalDpi xmlns:a14="http://schemas.microsoft.com/office/drawing/2010/main" val="0"/>
+                </a:ext>
+              </a:extLst>
+            </a:blip>
+            <a:stretch>
+              <a:fillRect/>
+            </a:stretch>
+          </p:blipFill>
+          <p:spPr>
+            <a:xfrm>
+              <a:off x="7029304" y="4100244"/>
+              <a:ext cx="1147972" cy="899762"/>
+            </a:xfrm>
+            <a:prstGeom prst="rect">
+              <a:avLst/>
+            </a:prstGeom>
+          </p:spPr>
+        </p:pic>
+        <p:pic>
+          <p:nvPicPr>
+            <p:cNvPr id="3" name="그림 2"/>
+            <p:cNvPicPr>
+              <a:picLocks noChangeAspect="1"/>
+            </p:cNvPicPr>
+            <p:nvPr/>
+          </p:nvPicPr>
+          <p:blipFill>
+            <a:blip r:embed="rId4">
+              <a:extLst>
+                <a:ext uri="{28A0092B-C50C-407E-A947-70E740481C1C}">
+                  <a14:useLocalDpi xmlns:a14="http://schemas.microsoft.com/office/drawing/2010/main" val="0"/>
+                </a:ext>
+              </a:extLst>
+            </a:blip>
+            <a:stretch>
+              <a:fillRect/>
+            </a:stretch>
+          </p:blipFill>
+          <p:spPr>
+            <a:xfrm>
+              <a:off x="8758944" y="4100244"/>
+              <a:ext cx="1104900" cy="1104900"/>
+            </a:xfrm>
+            <a:prstGeom prst="rect">
+              <a:avLst/>
+            </a:prstGeom>
+          </p:spPr>
+        </p:pic>
+        <p:pic>
+          <p:nvPicPr>
+            <p:cNvPr id="10" name="그림 9"/>
+            <p:cNvPicPr>
+              <a:picLocks noChangeAspect="1"/>
+            </p:cNvPicPr>
+            <p:nvPr/>
+          </p:nvPicPr>
+          <p:blipFill>
+            <a:blip r:embed="rId5">
+              <a:extLst>
+                <a:ext uri="{28A0092B-C50C-407E-A947-70E740481C1C}">
+                  <a14:useLocalDpi xmlns:a14="http://schemas.microsoft.com/office/drawing/2010/main" val="0"/>
+                </a:ext>
+              </a:extLst>
+            </a:blip>
+            <a:stretch>
+              <a:fillRect/>
+            </a:stretch>
+          </p:blipFill>
+          <p:spPr>
+            <a:xfrm>
+              <a:off x="6946419" y="2578439"/>
+              <a:ext cx="1230857" cy="1081662"/>
+            </a:xfrm>
+            <a:prstGeom prst="rect">
+              <a:avLst/>
+            </a:prstGeom>
+          </p:spPr>
+        </p:pic>
+        <p:pic>
+          <p:nvPicPr>
+            <p:cNvPr id="11" name="그림 10"/>
+            <p:cNvPicPr>
+              <a:picLocks noChangeAspect="1"/>
+            </p:cNvPicPr>
+            <p:nvPr/>
+          </p:nvPicPr>
+          <p:blipFill>
+            <a:blip r:embed="rId6">
+              <a:extLst>
+                <a:ext uri="{28A0092B-C50C-407E-A947-70E740481C1C}">
+                  <a14:useLocalDpi xmlns:a14="http://schemas.microsoft.com/office/drawing/2010/main" val="0"/>
+                </a:ext>
+              </a:extLst>
+            </a:blip>
+            <a:stretch>
+              <a:fillRect/>
+            </a:stretch>
+          </p:blipFill>
+          <p:spPr>
+            <a:xfrm>
+              <a:off x="8758944" y="2398873"/>
+              <a:ext cx="1003300" cy="1003300"/>
+            </a:xfrm>
+            <a:prstGeom prst="rect">
+              <a:avLst/>
+            </a:prstGeom>
+          </p:spPr>
+        </p:pic>
+      </p:grpSp>
     </p:spTree>
     <p:extLst>
       <p:ext uri="{BB962C8B-B14F-4D97-AF65-F5344CB8AC3E}">

--- a/PCB_defect_detection/ppt/PCB_model.pptx
+++ b/PCB_defect_detection/ppt/PCB_model.pptx
@@ -8,19 +8,31 @@
     <p:sldId id="265" r:id="rId2"/>
     <p:sldId id="257" r:id="rId3"/>
     <p:sldId id="258" r:id="rId4"/>
-    <p:sldId id="256" r:id="rId5"/>
-    <p:sldId id="259" r:id="rId6"/>
-    <p:sldId id="260" r:id="rId7"/>
-    <p:sldId id="261" r:id="rId8"/>
-    <p:sldId id="262" r:id="rId9"/>
-    <p:sldId id="263" r:id="rId10"/>
-    <p:sldId id="264" r:id="rId11"/>
-    <p:sldId id="267" r:id="rId12"/>
-    <p:sldId id="268" r:id="rId13"/>
-    <p:sldId id="266" r:id="rId14"/>
-    <p:sldId id="269" r:id="rId15"/>
-    <p:sldId id="270" r:id="rId16"/>
-    <p:sldId id="271" r:id="rId17"/>
+    <p:sldId id="273" r:id="rId5"/>
+    <p:sldId id="256" r:id="rId6"/>
+    <p:sldId id="259" r:id="rId7"/>
+    <p:sldId id="260" r:id="rId8"/>
+    <p:sldId id="261" r:id="rId9"/>
+    <p:sldId id="262" r:id="rId10"/>
+    <p:sldId id="263" r:id="rId11"/>
+    <p:sldId id="264" r:id="rId12"/>
+    <p:sldId id="272" r:id="rId13"/>
+    <p:sldId id="283" r:id="rId14"/>
+    <p:sldId id="267" r:id="rId15"/>
+    <p:sldId id="268" r:id="rId16"/>
+    <p:sldId id="266" r:id="rId17"/>
+    <p:sldId id="269" r:id="rId18"/>
+    <p:sldId id="270" r:id="rId19"/>
+    <p:sldId id="275" r:id="rId20"/>
+    <p:sldId id="271" r:id="rId21"/>
+    <p:sldId id="281" r:id="rId22"/>
+    <p:sldId id="278" r:id="rId23"/>
+    <p:sldId id="276" r:id="rId24"/>
+    <p:sldId id="282" r:id="rId25"/>
+    <p:sldId id="285" r:id="rId26"/>
+    <p:sldId id="280" r:id="rId27"/>
+    <p:sldId id="279" r:id="rId28"/>
+    <p:sldId id="284" r:id="rId29"/>
   </p:sldIdLst>
   <p:sldSz cx="12192000" cy="6858000"/>
   <p:notesSz cx="6858000" cy="9144000"/>
@@ -258,7 +270,7 @@
           <a:p>
             <a:fld id="{B98CE1FE-7412-4C35-930A-3FC3E431D4D8}" type="datetimeFigureOut">
               <a:rPr lang="ko-KR" altLang="en-US" smtClean="0"/>
-              <a:t>2024-09-03</a:t>
+              <a:t>2024-09-04</a:t>
             </a:fld>
             <a:endParaRPr lang="ko-KR" altLang="en-US"/>
           </a:p>
@@ -428,7 +440,7 @@
           <a:p>
             <a:fld id="{B98CE1FE-7412-4C35-930A-3FC3E431D4D8}" type="datetimeFigureOut">
               <a:rPr lang="ko-KR" altLang="en-US" smtClean="0"/>
-              <a:t>2024-09-03</a:t>
+              <a:t>2024-09-04</a:t>
             </a:fld>
             <a:endParaRPr lang="ko-KR" altLang="en-US"/>
           </a:p>
@@ -608,7 +620,7 @@
           <a:p>
             <a:fld id="{B98CE1FE-7412-4C35-930A-3FC3E431D4D8}" type="datetimeFigureOut">
               <a:rPr lang="ko-KR" altLang="en-US" smtClean="0"/>
-              <a:t>2024-09-03</a:t>
+              <a:t>2024-09-04</a:t>
             </a:fld>
             <a:endParaRPr lang="ko-KR" altLang="en-US"/>
           </a:p>
@@ -778,7 +790,7 @@
           <a:p>
             <a:fld id="{B98CE1FE-7412-4C35-930A-3FC3E431D4D8}" type="datetimeFigureOut">
               <a:rPr lang="ko-KR" altLang="en-US" smtClean="0"/>
-              <a:t>2024-09-03</a:t>
+              <a:t>2024-09-04</a:t>
             </a:fld>
             <a:endParaRPr lang="ko-KR" altLang="en-US"/>
           </a:p>
@@ -1024,7 +1036,7 @@
           <a:p>
             <a:fld id="{B98CE1FE-7412-4C35-930A-3FC3E431D4D8}" type="datetimeFigureOut">
               <a:rPr lang="ko-KR" altLang="en-US" smtClean="0"/>
-              <a:t>2024-09-03</a:t>
+              <a:t>2024-09-04</a:t>
             </a:fld>
             <a:endParaRPr lang="ko-KR" altLang="en-US"/>
           </a:p>
@@ -1256,7 +1268,7 @@
           <a:p>
             <a:fld id="{B98CE1FE-7412-4C35-930A-3FC3E431D4D8}" type="datetimeFigureOut">
               <a:rPr lang="ko-KR" altLang="en-US" smtClean="0"/>
-              <a:t>2024-09-03</a:t>
+              <a:t>2024-09-04</a:t>
             </a:fld>
             <a:endParaRPr lang="ko-KR" altLang="en-US"/>
           </a:p>
@@ -1623,7 +1635,7 @@
           <a:p>
             <a:fld id="{B98CE1FE-7412-4C35-930A-3FC3E431D4D8}" type="datetimeFigureOut">
               <a:rPr lang="ko-KR" altLang="en-US" smtClean="0"/>
-              <a:t>2024-09-03</a:t>
+              <a:t>2024-09-04</a:t>
             </a:fld>
             <a:endParaRPr lang="ko-KR" altLang="en-US"/>
           </a:p>
@@ -1750,7 +1762,7 @@
           <a:p>
             <a:fld id="{B98CE1FE-7412-4C35-930A-3FC3E431D4D8}" type="datetimeFigureOut">
               <a:rPr lang="ko-KR" altLang="en-US" smtClean="0"/>
-              <a:t>2024-09-03</a:t>
+              <a:t>2024-09-04</a:t>
             </a:fld>
             <a:endParaRPr lang="ko-KR" altLang="en-US"/>
           </a:p>
@@ -1845,7 +1857,7 @@
           <a:p>
             <a:fld id="{B98CE1FE-7412-4C35-930A-3FC3E431D4D8}" type="datetimeFigureOut">
               <a:rPr lang="ko-KR" altLang="en-US" smtClean="0"/>
-              <a:t>2024-09-03</a:t>
+              <a:t>2024-09-04</a:t>
             </a:fld>
             <a:endParaRPr lang="ko-KR" altLang="en-US"/>
           </a:p>
@@ -2122,7 +2134,7 @@
           <a:p>
             <a:fld id="{B98CE1FE-7412-4C35-930A-3FC3E431D4D8}" type="datetimeFigureOut">
               <a:rPr lang="ko-KR" altLang="en-US" smtClean="0"/>
-              <a:t>2024-09-03</a:t>
+              <a:t>2024-09-04</a:t>
             </a:fld>
             <a:endParaRPr lang="ko-KR" altLang="en-US"/>
           </a:p>
@@ -2375,7 +2387,7 @@
           <a:p>
             <a:fld id="{B98CE1FE-7412-4C35-930A-3FC3E431D4D8}" type="datetimeFigureOut">
               <a:rPr lang="ko-KR" altLang="en-US" smtClean="0"/>
-              <a:t>2024-09-03</a:t>
+              <a:t>2024-09-04</a:t>
             </a:fld>
             <a:endParaRPr lang="ko-KR" altLang="en-US"/>
           </a:p>
@@ -2588,7 +2600,7 @@
           <a:p>
             <a:fld id="{B98CE1FE-7412-4C35-930A-3FC3E431D4D8}" type="datetimeFigureOut">
               <a:rPr lang="ko-KR" altLang="en-US" smtClean="0"/>
-              <a:t>2024-09-03</a:t>
+              <a:t>2024-09-04</a:t>
             </a:fld>
             <a:endParaRPr lang="ko-KR" altLang="en-US"/>
           </a:p>
@@ -3100,6 +3112,436 @@
         </p:nvSpPr>
         <p:spPr>
           <a:xfrm>
+            <a:off x="1115878" y="1690688"/>
+            <a:ext cx="8338088" cy="369332"/>
+          </a:xfrm>
+          <a:prstGeom prst="rect">
+            <a:avLst/>
+          </a:prstGeom>
+          <a:noFill/>
+        </p:spPr>
+        <p:txBody>
+          <a:bodyPr wrap="square" rtlCol="0">
+            <a:spAutoFit/>
+          </a:bodyPr>
+          <a:lstStyle/>
+          <a:p>
+            <a:r>
+              <a:rPr lang="en-US" altLang="ko-KR" b="1" dirty="0" smtClean="0">
+                <a:solidFill>
+                  <a:srgbClr val="FF0000"/>
+                </a:solidFill>
+              </a:rPr>
+              <a:t>Pin-hole</a:t>
+            </a:r>
+            <a:r>
+              <a:rPr lang="en-US" altLang="ko-KR" dirty="0" smtClean="0"/>
+              <a:t>(</a:t>
+            </a:r>
+            <a:r>
+              <a:rPr lang="ko-KR" altLang="en-US" dirty="0" smtClean="0"/>
+              <a:t>핀 홀</a:t>
+            </a:r>
+            <a:r>
+              <a:rPr lang="en-US" altLang="ko-KR" dirty="0" smtClean="0"/>
+              <a:t>) : </a:t>
+            </a:r>
+            <a:r>
+              <a:rPr lang="ko-KR" altLang="en-US" dirty="0" err="1" smtClean="0"/>
+              <a:t>금속층에</a:t>
+            </a:r>
+            <a:r>
+              <a:rPr lang="ko-KR" altLang="en-US" dirty="0" smtClean="0"/>
+              <a:t> 미세한 구멍이 생기는 것</a:t>
+            </a:r>
+            <a:endParaRPr lang="ko-KR" altLang="en-US" dirty="0"/>
+          </a:p>
+        </p:txBody>
+      </p:sp>
+      <p:pic>
+        <p:nvPicPr>
+          <p:cNvPr id="6" name="그림 5"/>
+          <p:cNvPicPr>
+            <a:picLocks noChangeAspect="1"/>
+          </p:cNvPicPr>
+          <p:nvPr/>
+        </p:nvPicPr>
+        <p:blipFill>
+          <a:blip r:embed="rId2">
+            <a:extLst>
+              <a:ext uri="{28A0092B-C50C-407E-A947-70E740481C1C}">
+                <a14:useLocalDpi xmlns:a14="http://schemas.microsoft.com/office/drawing/2010/main" val="0"/>
+              </a:ext>
+            </a:extLst>
+          </a:blip>
+          <a:stretch>
+            <a:fillRect/>
+          </a:stretch>
+        </p:blipFill>
+        <p:spPr>
+          <a:xfrm>
+            <a:off x="1782305" y="2367123"/>
+            <a:ext cx="3240000" cy="3240000"/>
+          </a:xfrm>
+          <a:prstGeom prst="rect">
+            <a:avLst/>
+          </a:prstGeom>
+        </p:spPr>
+      </p:pic>
+      <p:sp>
+        <p:nvSpPr>
+          <p:cNvPr id="7" name="액자 6"/>
+          <p:cNvSpPr/>
+          <p:nvPr/>
+        </p:nvSpPr>
+        <p:spPr>
+          <a:xfrm>
+            <a:off x="3827759" y="2398873"/>
+            <a:ext cx="335311" cy="335311"/>
+          </a:xfrm>
+          <a:prstGeom prst="frame">
+            <a:avLst/>
+          </a:prstGeom>
+          <a:solidFill>
+            <a:srgbClr val="FF0000"/>
+          </a:solidFill>
+          <a:ln>
+            <a:noFill/>
+          </a:ln>
+        </p:spPr>
+        <p:style>
+          <a:lnRef idx="2">
+            <a:schemeClr val="accent1">
+              <a:shade val="50000"/>
+            </a:schemeClr>
+          </a:lnRef>
+          <a:fillRef idx="1">
+            <a:schemeClr val="accent1"/>
+          </a:fillRef>
+          <a:effectRef idx="0">
+            <a:schemeClr val="accent1"/>
+          </a:effectRef>
+          <a:fontRef idx="minor">
+            <a:schemeClr val="lt1"/>
+          </a:fontRef>
+        </p:style>
+        <p:txBody>
+          <a:bodyPr rtlCol="0" anchor="ctr"/>
+          <a:lstStyle/>
+          <a:p>
+            <a:pPr algn="ctr"/>
+            <a:endParaRPr lang="ko-KR" altLang="en-US">
+              <a:solidFill>
+                <a:schemeClr val="tx1"/>
+              </a:solidFill>
+            </a:endParaRPr>
+          </a:p>
+        </p:txBody>
+      </p:sp>
+      <p:sp>
+        <p:nvSpPr>
+          <p:cNvPr id="8" name="액자 7"/>
+          <p:cNvSpPr/>
+          <p:nvPr/>
+        </p:nvSpPr>
+        <p:spPr>
+          <a:xfrm>
+            <a:off x="4192239" y="2373473"/>
+            <a:ext cx="335311" cy="335311"/>
+          </a:xfrm>
+          <a:prstGeom prst="frame">
+            <a:avLst/>
+          </a:prstGeom>
+          <a:solidFill>
+            <a:srgbClr val="FF0000"/>
+          </a:solidFill>
+          <a:ln>
+            <a:noFill/>
+          </a:ln>
+        </p:spPr>
+        <p:style>
+          <a:lnRef idx="2">
+            <a:schemeClr val="accent1">
+              <a:shade val="50000"/>
+            </a:schemeClr>
+          </a:lnRef>
+          <a:fillRef idx="1">
+            <a:schemeClr val="accent1"/>
+          </a:fillRef>
+          <a:effectRef idx="0">
+            <a:schemeClr val="accent1"/>
+          </a:effectRef>
+          <a:fontRef idx="minor">
+            <a:schemeClr val="lt1"/>
+          </a:fontRef>
+        </p:style>
+        <p:txBody>
+          <a:bodyPr rtlCol="0" anchor="ctr"/>
+          <a:lstStyle/>
+          <a:p>
+            <a:pPr algn="ctr"/>
+            <a:endParaRPr lang="ko-KR" altLang="en-US">
+              <a:solidFill>
+                <a:schemeClr val="tx1"/>
+              </a:solidFill>
+            </a:endParaRPr>
+          </a:p>
+        </p:txBody>
+      </p:sp>
+      <p:sp>
+        <p:nvSpPr>
+          <p:cNvPr id="9" name="액자 8"/>
+          <p:cNvSpPr/>
+          <p:nvPr/>
+        </p:nvSpPr>
+        <p:spPr>
+          <a:xfrm>
+            <a:off x="2865554" y="3890216"/>
+            <a:ext cx="536751" cy="536751"/>
+          </a:xfrm>
+          <a:prstGeom prst="frame">
+            <a:avLst/>
+          </a:prstGeom>
+          <a:solidFill>
+            <a:srgbClr val="FF0000"/>
+          </a:solidFill>
+          <a:ln>
+            <a:noFill/>
+          </a:ln>
+        </p:spPr>
+        <p:style>
+          <a:lnRef idx="2">
+            <a:schemeClr val="accent1">
+              <a:shade val="50000"/>
+            </a:schemeClr>
+          </a:lnRef>
+          <a:fillRef idx="1">
+            <a:schemeClr val="accent1"/>
+          </a:fillRef>
+          <a:effectRef idx="0">
+            <a:schemeClr val="accent1"/>
+          </a:effectRef>
+          <a:fontRef idx="minor">
+            <a:schemeClr val="lt1"/>
+          </a:fontRef>
+        </p:style>
+        <p:txBody>
+          <a:bodyPr rtlCol="0" anchor="ctr"/>
+          <a:lstStyle/>
+          <a:p>
+            <a:pPr algn="ctr"/>
+            <a:endParaRPr lang="ko-KR" altLang="en-US">
+              <a:solidFill>
+                <a:schemeClr val="tx1"/>
+              </a:solidFill>
+            </a:endParaRPr>
+          </a:p>
+        </p:txBody>
+      </p:sp>
+      <p:grpSp>
+        <p:nvGrpSpPr>
+          <p:cNvPr id="12" name="그룹 11"/>
+          <p:cNvGrpSpPr/>
+          <p:nvPr/>
+        </p:nvGrpSpPr>
+        <p:grpSpPr>
+          <a:xfrm>
+            <a:off x="6946419" y="2398873"/>
+            <a:ext cx="2917425" cy="2806271"/>
+            <a:chOff x="6946419" y="2398873"/>
+            <a:chExt cx="2917425" cy="2806271"/>
+          </a:xfrm>
+        </p:grpSpPr>
+        <p:pic>
+          <p:nvPicPr>
+            <p:cNvPr id="2" name="그림 1"/>
+            <p:cNvPicPr>
+              <a:picLocks noChangeAspect="1"/>
+            </p:cNvPicPr>
+            <p:nvPr/>
+          </p:nvPicPr>
+          <p:blipFill>
+            <a:blip r:embed="rId3">
+              <a:extLst>
+                <a:ext uri="{28A0092B-C50C-407E-A947-70E740481C1C}">
+                  <a14:useLocalDpi xmlns:a14="http://schemas.microsoft.com/office/drawing/2010/main" val="0"/>
+                </a:ext>
+              </a:extLst>
+            </a:blip>
+            <a:stretch>
+              <a:fillRect/>
+            </a:stretch>
+          </p:blipFill>
+          <p:spPr>
+            <a:xfrm>
+              <a:off x="7029304" y="4100244"/>
+              <a:ext cx="1147972" cy="899762"/>
+            </a:xfrm>
+            <a:prstGeom prst="rect">
+              <a:avLst/>
+            </a:prstGeom>
+          </p:spPr>
+        </p:pic>
+        <p:pic>
+          <p:nvPicPr>
+            <p:cNvPr id="3" name="그림 2"/>
+            <p:cNvPicPr>
+              <a:picLocks noChangeAspect="1"/>
+            </p:cNvPicPr>
+            <p:nvPr/>
+          </p:nvPicPr>
+          <p:blipFill>
+            <a:blip r:embed="rId4">
+              <a:extLst>
+                <a:ext uri="{28A0092B-C50C-407E-A947-70E740481C1C}">
+                  <a14:useLocalDpi xmlns:a14="http://schemas.microsoft.com/office/drawing/2010/main" val="0"/>
+                </a:ext>
+              </a:extLst>
+            </a:blip>
+            <a:stretch>
+              <a:fillRect/>
+            </a:stretch>
+          </p:blipFill>
+          <p:spPr>
+            <a:xfrm>
+              <a:off x="8758944" y="4100244"/>
+              <a:ext cx="1104900" cy="1104900"/>
+            </a:xfrm>
+            <a:prstGeom prst="rect">
+              <a:avLst/>
+            </a:prstGeom>
+          </p:spPr>
+        </p:pic>
+        <p:pic>
+          <p:nvPicPr>
+            <p:cNvPr id="10" name="그림 9"/>
+            <p:cNvPicPr>
+              <a:picLocks noChangeAspect="1"/>
+            </p:cNvPicPr>
+            <p:nvPr/>
+          </p:nvPicPr>
+          <p:blipFill>
+            <a:blip r:embed="rId5">
+              <a:extLst>
+                <a:ext uri="{28A0092B-C50C-407E-A947-70E740481C1C}">
+                  <a14:useLocalDpi xmlns:a14="http://schemas.microsoft.com/office/drawing/2010/main" val="0"/>
+                </a:ext>
+              </a:extLst>
+            </a:blip>
+            <a:stretch>
+              <a:fillRect/>
+            </a:stretch>
+          </p:blipFill>
+          <p:spPr>
+            <a:xfrm>
+              <a:off x="6946419" y="2578439"/>
+              <a:ext cx="1230857" cy="1081662"/>
+            </a:xfrm>
+            <a:prstGeom prst="rect">
+              <a:avLst/>
+            </a:prstGeom>
+          </p:spPr>
+        </p:pic>
+        <p:pic>
+          <p:nvPicPr>
+            <p:cNvPr id="11" name="그림 10"/>
+            <p:cNvPicPr>
+              <a:picLocks noChangeAspect="1"/>
+            </p:cNvPicPr>
+            <p:nvPr/>
+          </p:nvPicPr>
+          <p:blipFill>
+            <a:blip r:embed="rId6">
+              <a:extLst>
+                <a:ext uri="{28A0092B-C50C-407E-A947-70E740481C1C}">
+                  <a14:useLocalDpi xmlns:a14="http://schemas.microsoft.com/office/drawing/2010/main" val="0"/>
+                </a:ext>
+              </a:extLst>
+            </a:blip>
+            <a:stretch>
+              <a:fillRect/>
+            </a:stretch>
+          </p:blipFill>
+          <p:spPr>
+            <a:xfrm>
+              <a:off x="8758944" y="2398873"/>
+              <a:ext cx="1003300" cy="1003300"/>
+            </a:xfrm>
+            <a:prstGeom prst="rect">
+              <a:avLst/>
+            </a:prstGeom>
+          </p:spPr>
+        </p:pic>
+      </p:grpSp>
+    </p:spTree>
+    <p:extLst>
+      <p:ext uri="{BB962C8B-B14F-4D97-AF65-F5344CB8AC3E}">
+        <p14:creationId xmlns:p14="http://schemas.microsoft.com/office/powerpoint/2010/main" val="1940623521"/>
+      </p:ext>
+    </p:extLst>
+  </p:cSld>
+  <p:clrMapOvr>
+    <a:masterClrMapping/>
+  </p:clrMapOvr>
+</p:sld>
+</file>
+
+<file path=ppt/slides/slide11.xml><?xml version="1.0" encoding="utf-8"?>
+<p:sld xmlns:a="http://schemas.openxmlformats.org/drawingml/2006/main" xmlns:r="http://schemas.openxmlformats.org/officeDocument/2006/relationships" xmlns:p="http://schemas.openxmlformats.org/presentationml/2006/main">
+  <p:cSld>
+    <p:spTree>
+      <p:nvGrpSpPr>
+        <p:cNvPr id="1" name=""/>
+        <p:cNvGrpSpPr/>
+        <p:nvPr/>
+      </p:nvGrpSpPr>
+      <p:grpSpPr>
+        <a:xfrm>
+          <a:off x="0" y="0"/>
+          <a:ext cx="0" cy="0"/>
+          <a:chOff x="0" y="0"/>
+          <a:chExt cx="0" cy="0"/>
+        </a:xfrm>
+      </p:grpSpPr>
+      <p:sp>
+        <p:nvSpPr>
+          <p:cNvPr id="4" name="제목 3"/>
+          <p:cNvSpPr>
+            <a:spLocks noGrp="1"/>
+          </p:cNvSpPr>
+          <p:nvPr>
+            <p:ph type="title"/>
+          </p:nvPr>
+        </p:nvSpPr>
+        <p:spPr/>
+        <p:txBody>
+          <a:bodyPr/>
+          <a:lstStyle/>
+          <a:p>
+            <a:r>
+              <a:rPr lang="ko-KR" altLang="en-US" dirty="0" smtClean="0"/>
+              <a:t>학습시킨</a:t>
+            </a:r>
+            <a:r>
+              <a:rPr lang="en-US" altLang="ko-KR" dirty="0" smtClean="0"/>
+              <a:t> PCB </a:t>
+            </a:r>
+            <a:r>
+              <a:rPr lang="ko-KR" altLang="en-US" dirty="0" smtClean="0"/>
+              <a:t>결함 종류</a:t>
+            </a:r>
+            <a:endParaRPr lang="ko-KR" altLang="en-US" dirty="0"/>
+          </a:p>
+        </p:txBody>
+      </p:sp>
+      <p:sp>
+        <p:nvSpPr>
+          <p:cNvPr id="5" name="TextBox 4"/>
+          <p:cNvSpPr txBox="1"/>
+          <p:nvPr/>
+        </p:nvSpPr>
+        <p:spPr>
+          <a:xfrm>
             <a:off x="1115877" y="1690688"/>
             <a:ext cx="10335893" cy="369332"/>
           </a:xfrm>
@@ -3370,7 +3812,7 @@
 </p:sld>
 </file>
 
-<file path=ppt/slides/slide11.xml><?xml version="1.0" encoding="utf-8"?>
+<file path=ppt/slides/slide12.xml><?xml version="1.0" encoding="utf-8"?>
 <p:sld xmlns:a="http://schemas.openxmlformats.org/drawingml/2006/main" xmlns:r="http://schemas.openxmlformats.org/officeDocument/2006/relationships" xmlns:p="http://schemas.openxmlformats.org/presentationml/2006/main">
   <p:cSld>
     <p:spTree>
@@ -3403,12 +3845,836 @@
           <a:lstStyle/>
           <a:p>
             <a:r>
+              <a:rPr lang="ko-KR" altLang="en-US" dirty="0" smtClean="0"/>
+              <a:t>데이터 </a:t>
+            </a:r>
+            <a:r>
+              <a:rPr lang="ko-KR" altLang="en-US" dirty="0" smtClean="0"/>
+              <a:t>증강</a:t>
+            </a:r>
+            <a:endParaRPr lang="ko-KR" altLang="en-US" dirty="0"/>
+          </a:p>
+        </p:txBody>
+      </p:sp>
+      <p:grpSp>
+        <p:nvGrpSpPr>
+          <p:cNvPr id="22" name="그룹 21"/>
+          <p:cNvGrpSpPr/>
+          <p:nvPr/>
+        </p:nvGrpSpPr>
+        <p:grpSpPr>
+          <a:xfrm>
+            <a:off x="910876" y="2224068"/>
+            <a:ext cx="2158160" cy="2898110"/>
+            <a:chOff x="910876" y="2224068"/>
+            <a:chExt cx="2158160" cy="2898110"/>
+          </a:xfrm>
+        </p:grpSpPr>
+        <p:pic>
+          <p:nvPicPr>
+            <p:cNvPr id="3" name="그림 2"/>
+            <p:cNvPicPr>
+              <a:picLocks noChangeAspect="1"/>
+            </p:cNvPicPr>
+            <p:nvPr/>
+          </p:nvPicPr>
+          <p:blipFill>
+            <a:blip r:embed="rId2">
+              <a:extLst>
+                <a:ext uri="{28A0092B-C50C-407E-A947-70E740481C1C}">
+                  <a14:useLocalDpi xmlns:a14="http://schemas.microsoft.com/office/drawing/2010/main" val="0"/>
+                </a:ext>
+              </a:extLst>
+            </a:blip>
+            <a:stretch>
+              <a:fillRect/>
+            </a:stretch>
+          </p:blipFill>
+          <p:spPr>
+            <a:xfrm>
+              <a:off x="910876" y="2224069"/>
+              <a:ext cx="1003192" cy="1449055"/>
+            </a:xfrm>
+            <a:prstGeom prst="rect">
+              <a:avLst/>
+            </a:prstGeom>
+          </p:spPr>
+        </p:pic>
+        <p:pic>
+          <p:nvPicPr>
+            <p:cNvPr id="8" name="그림 7"/>
+            <p:cNvPicPr>
+              <a:picLocks noChangeAspect="1"/>
+            </p:cNvPicPr>
+            <p:nvPr/>
+          </p:nvPicPr>
+          <p:blipFill>
+            <a:blip r:embed="rId2">
+              <a:extLst>
+                <a:ext uri="{28A0092B-C50C-407E-A947-70E740481C1C}">
+                  <a14:useLocalDpi xmlns:a14="http://schemas.microsoft.com/office/drawing/2010/main" val="0"/>
+                </a:ext>
+              </a:extLst>
+            </a:blip>
+            <a:stretch>
+              <a:fillRect/>
+            </a:stretch>
+          </p:blipFill>
+          <p:spPr>
+            <a:xfrm flipV="1">
+              <a:off x="910876" y="3673123"/>
+              <a:ext cx="1003192" cy="1449055"/>
+            </a:xfrm>
+            <a:prstGeom prst="rect">
+              <a:avLst/>
+            </a:prstGeom>
+          </p:spPr>
+        </p:pic>
+        <p:pic>
+          <p:nvPicPr>
+            <p:cNvPr id="9" name="그림 8"/>
+            <p:cNvPicPr>
+              <a:picLocks noChangeAspect="1"/>
+            </p:cNvPicPr>
+            <p:nvPr/>
+          </p:nvPicPr>
+          <p:blipFill>
+            <a:blip r:embed="rId2">
+              <a:extLst>
+                <a:ext uri="{28A0092B-C50C-407E-A947-70E740481C1C}">
+                  <a14:useLocalDpi xmlns:a14="http://schemas.microsoft.com/office/drawing/2010/main" val="0"/>
+                </a:ext>
+              </a:extLst>
+            </a:blip>
+            <a:stretch>
+              <a:fillRect/>
+            </a:stretch>
+          </p:blipFill>
+          <p:spPr>
+            <a:xfrm flipH="1">
+              <a:off x="2065844" y="2224068"/>
+              <a:ext cx="1003192" cy="1449055"/>
+            </a:xfrm>
+            <a:prstGeom prst="rect">
+              <a:avLst/>
+            </a:prstGeom>
+          </p:spPr>
+        </p:pic>
+        <p:sp>
+          <p:nvSpPr>
+            <p:cNvPr id="18" name="오른쪽 화살표 17"/>
+            <p:cNvSpPr/>
+            <p:nvPr/>
+          </p:nvSpPr>
+          <p:spPr>
+            <a:xfrm>
+              <a:off x="1815165" y="2869771"/>
+              <a:ext cx="402672" cy="157648"/>
+            </a:xfrm>
+            <a:prstGeom prst="rightArrow">
+              <a:avLst/>
+            </a:prstGeom>
+            <a:solidFill>
+              <a:srgbClr val="FF0000"/>
+            </a:solidFill>
+            <a:ln>
+              <a:noFill/>
+            </a:ln>
+          </p:spPr>
+          <p:style>
+            <a:lnRef idx="2">
+              <a:schemeClr val="accent1">
+                <a:shade val="50000"/>
+              </a:schemeClr>
+            </a:lnRef>
+            <a:fillRef idx="1">
+              <a:schemeClr val="accent1"/>
+            </a:fillRef>
+            <a:effectRef idx="0">
+              <a:schemeClr val="accent1"/>
+            </a:effectRef>
+            <a:fontRef idx="minor">
+              <a:schemeClr val="lt1"/>
+            </a:fontRef>
+          </p:style>
+          <p:txBody>
+            <a:bodyPr rtlCol="0" anchor="ctr"/>
+            <a:lstStyle/>
+            <a:p>
+              <a:pPr algn="ctr"/>
+              <a:endParaRPr lang="ko-KR" altLang="en-US"/>
+            </a:p>
+          </p:txBody>
+        </p:sp>
+        <p:sp>
+          <p:nvSpPr>
+            <p:cNvPr id="19" name="오른쪽 화살표 18"/>
+            <p:cNvSpPr/>
+            <p:nvPr/>
+          </p:nvSpPr>
+          <p:spPr>
+            <a:xfrm rot="5400000">
+              <a:off x="1211136" y="3624001"/>
+              <a:ext cx="402672" cy="157648"/>
+            </a:xfrm>
+            <a:prstGeom prst="rightArrow">
+              <a:avLst/>
+            </a:prstGeom>
+            <a:solidFill>
+              <a:srgbClr val="FF0000"/>
+            </a:solidFill>
+            <a:ln>
+              <a:noFill/>
+            </a:ln>
+          </p:spPr>
+          <p:style>
+            <a:lnRef idx="2">
+              <a:schemeClr val="accent1">
+                <a:shade val="50000"/>
+              </a:schemeClr>
+            </a:lnRef>
+            <a:fillRef idx="1">
+              <a:schemeClr val="accent1"/>
+            </a:fillRef>
+            <a:effectRef idx="0">
+              <a:schemeClr val="accent1"/>
+            </a:effectRef>
+            <a:fontRef idx="minor">
+              <a:schemeClr val="lt1"/>
+            </a:fontRef>
+          </p:style>
+          <p:txBody>
+            <a:bodyPr rtlCol="0" anchor="ctr"/>
+            <a:lstStyle/>
+            <a:p>
+              <a:pPr algn="ctr"/>
+              <a:endParaRPr lang="ko-KR" altLang="en-US"/>
+            </a:p>
+          </p:txBody>
+        </p:sp>
+      </p:grpSp>
+      <p:grpSp>
+        <p:nvGrpSpPr>
+          <p:cNvPr id="23" name="그룹 22"/>
+          <p:cNvGrpSpPr/>
+          <p:nvPr/>
+        </p:nvGrpSpPr>
+        <p:grpSpPr>
+          <a:xfrm>
+            <a:off x="4138814" y="2438934"/>
+            <a:ext cx="3678286" cy="1873968"/>
+            <a:chOff x="4138814" y="2438934"/>
+            <a:chExt cx="3678286" cy="1873968"/>
+          </a:xfrm>
+        </p:grpSpPr>
+        <p:pic>
+          <p:nvPicPr>
+            <p:cNvPr id="4" name="그림 3"/>
+            <p:cNvPicPr>
+              <a:picLocks noChangeAspect="1"/>
+            </p:cNvPicPr>
+            <p:nvPr/>
+          </p:nvPicPr>
+          <p:blipFill>
+            <a:blip r:embed="rId2">
+              <a:extLst>
+                <a:ext uri="{28A0092B-C50C-407E-A947-70E740481C1C}">
+                  <a14:useLocalDpi xmlns:a14="http://schemas.microsoft.com/office/drawing/2010/main" val="0"/>
+                </a:ext>
+              </a:extLst>
+            </a:blip>
+            <a:stretch>
+              <a:fillRect/>
+            </a:stretch>
+          </p:blipFill>
+          <p:spPr>
+            <a:xfrm rot="5400000">
+              <a:off x="6590977" y="2863848"/>
+              <a:ext cx="1003192" cy="1449055"/>
+            </a:xfrm>
+            <a:prstGeom prst="rect">
+              <a:avLst/>
+            </a:prstGeom>
+          </p:spPr>
+        </p:pic>
+        <p:pic>
+          <p:nvPicPr>
+            <p:cNvPr id="6" name="그림 5"/>
+            <p:cNvPicPr>
+              <a:picLocks noChangeAspect="1"/>
+            </p:cNvPicPr>
+            <p:nvPr/>
+          </p:nvPicPr>
+          <p:blipFill>
+            <a:blip r:embed="rId2">
+              <a:extLst>
+                <a:ext uri="{28A0092B-C50C-407E-A947-70E740481C1C}">
+                  <a14:useLocalDpi xmlns:a14="http://schemas.microsoft.com/office/drawing/2010/main" val="0"/>
+                </a:ext>
+              </a:extLst>
+            </a:blip>
+            <a:stretch>
+              <a:fillRect/>
+            </a:stretch>
+          </p:blipFill>
+          <p:spPr>
+            <a:xfrm rot="16200000">
+              <a:off x="4361746" y="3021496"/>
+              <a:ext cx="1003192" cy="1449055"/>
+            </a:xfrm>
+            <a:prstGeom prst="rect">
+              <a:avLst/>
+            </a:prstGeom>
+          </p:spPr>
+        </p:pic>
+        <p:pic>
+          <p:nvPicPr>
+            <p:cNvPr id="10" name="그림 9"/>
+            <p:cNvPicPr>
+              <a:picLocks noChangeAspect="1"/>
+            </p:cNvPicPr>
+            <p:nvPr/>
+          </p:nvPicPr>
+          <p:blipFill>
+            <a:blip r:embed="rId2">
+              <a:extLst>
+                <a:ext uri="{28A0092B-C50C-407E-A947-70E740481C1C}">
+                  <a14:useLocalDpi xmlns:a14="http://schemas.microsoft.com/office/drawing/2010/main" val="0"/>
+                </a:ext>
+              </a:extLst>
+            </a:blip>
+            <a:stretch>
+              <a:fillRect/>
+            </a:stretch>
+          </p:blipFill>
+          <p:spPr>
+            <a:xfrm>
+              <a:off x="5476362" y="2863847"/>
+              <a:ext cx="1003192" cy="1449055"/>
+            </a:xfrm>
+            <a:prstGeom prst="rect">
+              <a:avLst/>
+            </a:prstGeom>
+          </p:spPr>
+        </p:pic>
+        <p:sp>
+          <p:nvSpPr>
+            <p:cNvPr id="20" name="원형 화살표 19"/>
+            <p:cNvSpPr/>
+            <p:nvPr/>
+          </p:nvSpPr>
+          <p:spPr>
+            <a:xfrm>
+              <a:off x="5977958" y="2438934"/>
+              <a:ext cx="1216404" cy="1216404"/>
+            </a:xfrm>
+            <a:prstGeom prst="circularArrow">
+              <a:avLst/>
+            </a:prstGeom>
+            <a:solidFill>
+              <a:srgbClr val="FF0000"/>
+            </a:solidFill>
+            <a:ln>
+              <a:noFill/>
+            </a:ln>
+          </p:spPr>
+          <p:style>
+            <a:lnRef idx="2">
+              <a:schemeClr val="accent1">
+                <a:shade val="50000"/>
+              </a:schemeClr>
+            </a:lnRef>
+            <a:fillRef idx="1">
+              <a:schemeClr val="accent1"/>
+            </a:fillRef>
+            <a:effectRef idx="0">
+              <a:schemeClr val="accent1"/>
+            </a:effectRef>
+            <a:fontRef idx="minor">
+              <a:schemeClr val="lt1"/>
+            </a:fontRef>
+          </p:style>
+          <p:txBody>
+            <a:bodyPr rtlCol="0" anchor="ctr"/>
+            <a:lstStyle/>
+            <a:p>
+              <a:pPr algn="ctr"/>
+              <a:endParaRPr lang="ko-KR" altLang="en-US">
+                <a:solidFill>
+                  <a:schemeClr val="tx1"/>
+                </a:solidFill>
+              </a:endParaRPr>
+            </a:p>
+          </p:txBody>
+        </p:sp>
+        <p:sp>
+          <p:nvSpPr>
+            <p:cNvPr id="21" name="원형 화살표 20"/>
+            <p:cNvSpPr/>
+            <p:nvPr/>
+          </p:nvSpPr>
+          <p:spPr>
+            <a:xfrm flipH="1">
+              <a:off x="4607747" y="2438934"/>
+              <a:ext cx="1216404" cy="1216404"/>
+            </a:xfrm>
+            <a:prstGeom prst="circularArrow">
+              <a:avLst/>
+            </a:prstGeom>
+            <a:solidFill>
+              <a:srgbClr val="FF0000"/>
+            </a:solidFill>
+            <a:ln>
+              <a:noFill/>
+            </a:ln>
+          </p:spPr>
+          <p:style>
+            <a:lnRef idx="2">
+              <a:schemeClr val="accent1">
+                <a:shade val="50000"/>
+              </a:schemeClr>
+            </a:lnRef>
+            <a:fillRef idx="1">
+              <a:schemeClr val="accent1"/>
+            </a:fillRef>
+            <a:effectRef idx="0">
+              <a:schemeClr val="accent1"/>
+            </a:effectRef>
+            <a:fontRef idx="minor">
+              <a:schemeClr val="lt1"/>
+            </a:fontRef>
+          </p:style>
+          <p:txBody>
+            <a:bodyPr rtlCol="0" anchor="ctr"/>
+            <a:lstStyle/>
+            <a:p>
+              <a:pPr algn="ctr"/>
+              <a:endParaRPr lang="ko-KR" altLang="en-US">
+                <a:solidFill>
+                  <a:schemeClr val="tx1"/>
+                </a:solidFill>
+              </a:endParaRPr>
+            </a:p>
+          </p:txBody>
+        </p:sp>
+      </p:grpSp>
+      <p:sp>
+        <p:nvSpPr>
+          <p:cNvPr id="11" name="TextBox 10"/>
+          <p:cNvSpPr txBox="1"/>
+          <p:nvPr/>
+        </p:nvSpPr>
+        <p:spPr>
+          <a:xfrm>
+            <a:off x="893970" y="5593185"/>
+            <a:ext cx="2214552" cy="369332"/>
+          </a:xfrm>
+          <a:prstGeom prst="rect">
+            <a:avLst/>
+          </a:prstGeom>
+          <a:noFill/>
+        </p:spPr>
+        <p:txBody>
+          <a:bodyPr wrap="square" rtlCol="0">
+            <a:spAutoFit/>
+          </a:bodyPr>
+          <a:lstStyle/>
+          <a:p>
+            <a:pPr algn="ctr"/>
+            <a:r>
+              <a:rPr lang="ko-KR" altLang="en-US" dirty="0" smtClean="0"/>
+              <a:t>상하</a:t>
+            </a:r>
+            <a:r>
               <a:rPr lang="en-US" altLang="ko-KR" dirty="0" smtClean="0"/>
-              <a:t>Model </a:t>
+              <a:t>, </a:t>
+            </a:r>
+            <a:r>
+              <a:rPr lang="ko-KR" altLang="en-US" dirty="0" smtClean="0"/>
+              <a:t>좌우 대칭</a:t>
+            </a:r>
+            <a:endParaRPr lang="ko-KR" altLang="en-US" dirty="0"/>
+          </a:p>
+        </p:txBody>
+      </p:sp>
+      <mc:AlternateContent xmlns:mc="http://schemas.openxmlformats.org/markup-compatibility/2006" xmlns:a14="http://schemas.microsoft.com/office/drawing/2010/main">
+        <mc:Choice Requires="a14">
+          <p:sp>
+            <p:nvSpPr>
+              <p:cNvPr id="12" name="TextBox 11"/>
+              <p:cNvSpPr txBox="1"/>
+              <p:nvPr/>
+            </p:nvSpPr>
+            <p:spPr>
+              <a:xfrm>
+                <a:off x="4988724" y="5593185"/>
+                <a:ext cx="2214552" cy="369332"/>
+              </a:xfrm>
+              <a:prstGeom prst="rect">
+                <a:avLst/>
+              </a:prstGeom>
+              <a:noFill/>
+            </p:spPr>
+            <p:txBody>
+              <a:bodyPr wrap="square" rtlCol="0">
+                <a:spAutoFit/>
+              </a:bodyPr>
+              <a:lstStyle/>
+              <a:p>
+                <a:pPr algn="ctr"/>
+                <a:r>
+                  <a:rPr lang="en-US" altLang="ko-KR" dirty="0" smtClean="0"/>
+                  <a:t>90</a:t>
+                </a:r>
+                <a14:m>
+                  <m:oMath xmlns:m="http://schemas.openxmlformats.org/officeDocument/2006/math">
+                    <m:r>
+                      <a:rPr lang="en-US" altLang="ko-KR" i="1" smtClean="0">
+                        <a:latin typeface="Cambria Math" panose="02040503050406030204" pitchFamily="18" charset="0"/>
+                        <a:ea typeface="Cambria Math" panose="02040503050406030204" pitchFamily="18" charset="0"/>
+                      </a:rPr>
+                      <m:t>°</m:t>
+                    </m:r>
+                    <m:r>
+                      <a:rPr lang="en-US" altLang="ko-KR" b="0" i="1" smtClean="0">
+                        <a:latin typeface="Cambria Math" panose="02040503050406030204" pitchFamily="18" charset="0"/>
+                        <a:ea typeface="Cambria Math" panose="02040503050406030204" pitchFamily="18" charset="0"/>
+                      </a:rPr>
+                      <m:t> </m:t>
+                    </m:r>
+                  </m:oMath>
+                </a14:m>
+                <a:r>
+                  <a:rPr lang="ko-KR" altLang="en-US" dirty="0" smtClean="0"/>
+                  <a:t>회전</a:t>
+                </a:r>
+                <a:endParaRPr lang="ko-KR" altLang="en-US" dirty="0"/>
+              </a:p>
+            </p:txBody>
+          </p:sp>
+        </mc:Choice>
+        <mc:Fallback xmlns="">
+          <p:sp>
+            <p:nvSpPr>
+              <p:cNvPr id="12" name="TextBox 11"/>
+              <p:cNvSpPr txBox="1">
+                <a:spLocks noRot="1" noChangeAspect="1" noMove="1" noResize="1" noEditPoints="1" noAdjustHandles="1" noChangeArrowheads="1" noChangeShapeType="1" noTextEdit="1"/>
+              </p:cNvSpPr>
+              <p:nvPr/>
+            </p:nvSpPr>
+            <p:spPr>
+              <a:xfrm>
+                <a:off x="4988724" y="5593185"/>
+                <a:ext cx="2214552" cy="369332"/>
+              </a:xfrm>
+              <a:prstGeom prst="rect">
+                <a:avLst/>
+              </a:prstGeom>
+              <a:blipFill>
+                <a:blip r:embed="rId3"/>
+                <a:stretch>
+                  <a:fillRect t="-10000" b="-26667"/>
+                </a:stretch>
+              </a:blipFill>
+            </p:spPr>
+            <p:txBody>
+              <a:bodyPr/>
+              <a:lstStyle/>
+              <a:p>
+                <a:r>
+                  <a:rPr lang="ko-KR" altLang="en-US">
+                    <a:noFill/>
+                  </a:rPr>
+                  <a:t> </a:t>
+                </a:r>
+              </a:p>
+            </p:txBody>
+          </p:sp>
+        </mc:Fallback>
+      </mc:AlternateContent>
+      <p:sp>
+        <p:nvSpPr>
+          <p:cNvPr id="24" name="TextBox 23"/>
+          <p:cNvSpPr txBox="1"/>
+          <p:nvPr/>
+        </p:nvSpPr>
+        <p:spPr>
+          <a:xfrm>
+            <a:off x="9083478" y="5593185"/>
+            <a:ext cx="2214552" cy="369332"/>
+          </a:xfrm>
+          <a:prstGeom prst="rect">
+            <a:avLst/>
+          </a:prstGeom>
+          <a:noFill/>
+        </p:spPr>
+        <p:txBody>
+          <a:bodyPr wrap="square" rtlCol="0">
+            <a:spAutoFit/>
+          </a:bodyPr>
+          <a:lstStyle/>
+          <a:p>
+            <a:pPr algn="ctr"/>
+            <a:r>
+              <a:rPr lang="ko-KR" altLang="en-US" dirty="0" smtClean="0"/>
+              <a:t>크기 조절</a:t>
+            </a:r>
+            <a:endParaRPr lang="ko-KR" altLang="en-US" dirty="0"/>
+          </a:p>
+        </p:txBody>
+      </p:sp>
+      <p:grpSp>
+        <p:nvGrpSpPr>
+          <p:cNvPr id="29" name="그룹 28"/>
+          <p:cNvGrpSpPr/>
+          <p:nvPr/>
+        </p:nvGrpSpPr>
+        <p:grpSpPr>
+          <a:xfrm>
+            <a:off x="8468188" y="2151495"/>
+            <a:ext cx="2922121" cy="2427900"/>
+            <a:chOff x="8127438" y="2151495"/>
+            <a:chExt cx="2922121" cy="2427900"/>
+          </a:xfrm>
+        </p:grpSpPr>
+        <p:pic>
+          <p:nvPicPr>
+            <p:cNvPr id="26" name="그림 25"/>
+            <p:cNvPicPr>
+              <a:picLocks noChangeAspect="1"/>
+            </p:cNvPicPr>
+            <p:nvPr/>
+          </p:nvPicPr>
+          <p:blipFill>
+            <a:blip r:embed="rId2">
+              <a:extLst>
+                <a:ext uri="{28A0092B-C50C-407E-A947-70E740481C1C}">
+                  <a14:useLocalDpi xmlns:a14="http://schemas.microsoft.com/office/drawing/2010/main" val="0"/>
+                </a:ext>
+              </a:extLst>
+            </a:blip>
+            <a:stretch>
+              <a:fillRect/>
+            </a:stretch>
+          </p:blipFill>
+          <p:spPr>
+            <a:xfrm>
+              <a:off x="8127438" y="2151495"/>
+              <a:ext cx="1680854" cy="2427900"/>
+            </a:xfrm>
+            <a:prstGeom prst="rect">
+              <a:avLst/>
+            </a:prstGeom>
+          </p:spPr>
+        </p:pic>
+        <p:pic>
+          <p:nvPicPr>
+            <p:cNvPr id="25" name="그림 24"/>
+            <p:cNvPicPr>
+              <a:picLocks noChangeAspect="1"/>
+            </p:cNvPicPr>
+            <p:nvPr/>
+          </p:nvPicPr>
+          <p:blipFill>
+            <a:blip r:embed="rId2">
+              <a:extLst>
+                <a:ext uri="{28A0092B-C50C-407E-A947-70E740481C1C}">
+                  <a14:useLocalDpi xmlns:a14="http://schemas.microsoft.com/office/drawing/2010/main" val="0"/>
+                </a:ext>
+              </a:extLst>
+            </a:blip>
+            <a:stretch>
+              <a:fillRect/>
+            </a:stretch>
+          </p:blipFill>
+          <p:spPr>
+            <a:xfrm>
+              <a:off x="9540252" y="2640917"/>
+              <a:ext cx="1003192" cy="1449055"/>
+            </a:xfrm>
+            <a:prstGeom prst="rect">
+              <a:avLst/>
+            </a:prstGeom>
+          </p:spPr>
+        </p:pic>
+        <p:pic>
+          <p:nvPicPr>
+            <p:cNvPr id="28" name="그림 27"/>
+            <p:cNvPicPr>
+              <a:picLocks noChangeAspect="1"/>
+            </p:cNvPicPr>
+            <p:nvPr/>
+          </p:nvPicPr>
+          <p:blipFill>
+            <a:blip r:embed="rId2">
+              <a:extLst>
+                <a:ext uri="{28A0092B-C50C-407E-A947-70E740481C1C}">
+                  <a14:useLocalDpi xmlns:a14="http://schemas.microsoft.com/office/drawing/2010/main" val="0"/>
+                </a:ext>
+              </a:extLst>
+            </a:blip>
+            <a:stretch>
+              <a:fillRect/>
+            </a:stretch>
+          </p:blipFill>
+          <p:spPr>
+            <a:xfrm>
+              <a:off x="10433176" y="2920278"/>
+              <a:ext cx="616383" cy="890331"/>
+            </a:xfrm>
+            <a:prstGeom prst="rect">
+              <a:avLst/>
+            </a:prstGeom>
+          </p:spPr>
+        </p:pic>
+      </p:grpSp>
+      <p:sp>
+        <p:nvSpPr>
+          <p:cNvPr id="27" name="TextBox 26"/>
+          <p:cNvSpPr txBox="1"/>
+          <p:nvPr/>
+        </p:nvSpPr>
+        <p:spPr>
+          <a:xfrm>
+            <a:off x="893969" y="1459528"/>
+            <a:ext cx="2293847" cy="369332"/>
+          </a:xfrm>
+          <a:prstGeom prst="rect">
+            <a:avLst/>
+          </a:prstGeom>
+          <a:noFill/>
+        </p:spPr>
+        <p:txBody>
+          <a:bodyPr wrap="square" rtlCol="0">
+            <a:spAutoFit/>
+          </a:bodyPr>
+          <a:lstStyle/>
+          <a:p>
+            <a:r>
+              <a:rPr lang="en-US" altLang="ko-KR" dirty="0"/>
+              <a:t>D</a:t>
             </a:r>
             <a:r>
               <a:rPr lang="en-US" altLang="ko-KR" dirty="0" smtClean="0"/>
-              <a:t>History(VGG16)</a:t>
+              <a:t>ata</a:t>
+            </a:r>
+            <a:r>
+              <a:rPr lang="ko-KR" altLang="en-US" dirty="0" smtClean="0"/>
+              <a:t> </a:t>
+            </a:r>
+            <a:r>
+              <a:rPr lang="en-US" altLang="ko-KR" dirty="0" smtClean="0"/>
+              <a:t>Augmentation</a:t>
+            </a:r>
+            <a:endParaRPr lang="ko-KR" altLang="en-US" dirty="0"/>
+          </a:p>
+        </p:txBody>
+      </p:sp>
+    </p:spTree>
+    <p:extLst>
+      <p:ext uri="{BB962C8B-B14F-4D97-AF65-F5344CB8AC3E}">
+        <p14:creationId xmlns:p14="http://schemas.microsoft.com/office/powerpoint/2010/main" val="2241524063"/>
+      </p:ext>
+    </p:extLst>
+  </p:cSld>
+  <p:clrMapOvr>
+    <a:masterClrMapping/>
+  </p:clrMapOvr>
+</p:sld>
+</file>
+
+<file path=ppt/slides/slide13.xml><?xml version="1.0" encoding="utf-8"?>
+<p:sld xmlns:a="http://schemas.openxmlformats.org/drawingml/2006/main" xmlns:r="http://schemas.openxmlformats.org/officeDocument/2006/relationships" xmlns:p="http://schemas.openxmlformats.org/presentationml/2006/main">
+  <p:cSld>
+    <p:spTree>
+      <p:nvGrpSpPr>
+        <p:cNvPr id="1" name=""/>
+        <p:cNvGrpSpPr/>
+        <p:nvPr/>
+      </p:nvGrpSpPr>
+      <p:grpSpPr>
+        <a:xfrm>
+          <a:off x="0" y="0"/>
+          <a:ext cx="0" cy="0"/>
+          <a:chOff x="0" y="0"/>
+          <a:chExt cx="0" cy="0"/>
+        </a:xfrm>
+      </p:grpSpPr>
+      <p:sp>
+        <p:nvSpPr>
+          <p:cNvPr id="2" name="제목 1"/>
+          <p:cNvSpPr>
+            <a:spLocks noGrp="1"/>
+          </p:cNvSpPr>
+          <p:nvPr>
+            <p:ph type="title"/>
+          </p:nvPr>
+        </p:nvSpPr>
+        <p:spPr/>
+        <p:txBody>
+          <a:bodyPr/>
+          <a:lstStyle/>
+          <a:p>
+            <a:r>
+              <a:rPr lang="ko-KR" altLang="en-US" dirty="0" smtClean="0"/>
+              <a:t>데이터 </a:t>
+            </a:r>
+            <a:r>
+              <a:rPr lang="ko-KR" altLang="en-US" dirty="0" smtClean="0"/>
+              <a:t>증강</a:t>
+            </a:r>
+            <a:endParaRPr lang="ko-KR" altLang="en-US" dirty="0"/>
+          </a:p>
+        </p:txBody>
+      </p:sp>
+    </p:spTree>
+    <p:extLst>
+      <p:ext uri="{BB962C8B-B14F-4D97-AF65-F5344CB8AC3E}">
+        <p14:creationId xmlns:p14="http://schemas.microsoft.com/office/powerpoint/2010/main" val="2170028463"/>
+      </p:ext>
+    </p:extLst>
+  </p:cSld>
+  <p:clrMapOvr>
+    <a:masterClrMapping/>
+  </p:clrMapOvr>
+</p:sld>
+</file>
+
+<file path=ppt/slides/slide14.xml><?xml version="1.0" encoding="utf-8"?>
+<p:sld xmlns:a="http://schemas.openxmlformats.org/drawingml/2006/main" xmlns:r="http://schemas.openxmlformats.org/officeDocument/2006/relationships" xmlns:p="http://schemas.openxmlformats.org/presentationml/2006/main">
+  <p:cSld>
+    <p:spTree>
+      <p:nvGrpSpPr>
+        <p:cNvPr id="1" name=""/>
+        <p:cNvGrpSpPr/>
+        <p:nvPr/>
+      </p:nvGrpSpPr>
+      <p:grpSpPr>
+        <a:xfrm>
+          <a:off x="0" y="0"/>
+          <a:ext cx="0" cy="0"/>
+          <a:chOff x="0" y="0"/>
+          <a:chExt cx="0" cy="0"/>
+        </a:xfrm>
+      </p:grpSpPr>
+      <p:sp>
+        <p:nvSpPr>
+          <p:cNvPr id="2" name="제목 1"/>
+          <p:cNvSpPr>
+            <a:spLocks noGrp="1"/>
+          </p:cNvSpPr>
+          <p:nvPr>
+            <p:ph type="title"/>
+          </p:nvPr>
+        </p:nvSpPr>
+        <p:spPr/>
+        <p:txBody>
+          <a:bodyPr/>
+          <a:lstStyle/>
+          <a:p>
+            <a:r>
+              <a:rPr lang="en-US" altLang="ko-KR" dirty="0" smtClean="0"/>
+              <a:t>Model History(VGG16)</a:t>
             </a:r>
             <a:endParaRPr lang="ko-KR" altLang="en-US" dirty="0"/>
           </a:p>
@@ -3647,7 +4913,7 @@
 </p:sld>
 </file>
 
-<file path=ppt/slides/slide12.xml><?xml version="1.0" encoding="utf-8"?>
+<file path=ppt/slides/slide15.xml><?xml version="1.0" encoding="utf-8"?>
 <p:sld xmlns:a="http://schemas.openxmlformats.org/drawingml/2006/main" xmlns:r="http://schemas.openxmlformats.org/officeDocument/2006/relationships" xmlns:p="http://schemas.openxmlformats.org/presentationml/2006/main">
   <p:cSld>
     <p:spTree>
@@ -3888,7 +5154,7 @@
 </p:sld>
 </file>
 
-<file path=ppt/slides/slide13.xml><?xml version="1.0" encoding="utf-8"?>
+<file path=ppt/slides/slide16.xml><?xml version="1.0" encoding="utf-8"?>
 <p:sld xmlns:a="http://schemas.openxmlformats.org/drawingml/2006/main" xmlns:r="http://schemas.openxmlformats.org/officeDocument/2006/relationships" xmlns:p="http://schemas.openxmlformats.org/presentationml/2006/main">
   <p:cSld>
     <p:spTree>
@@ -3983,8 +5249,8 @@
         </p:blipFill>
         <p:spPr>
           <a:xfrm>
-            <a:off x="5428342" y="318631"/>
-            <a:ext cx="6023428" cy="6119390"/>
+            <a:off x="5618674" y="453004"/>
+            <a:ext cx="5849874" cy="5943071"/>
           </a:xfrm>
           <a:prstGeom prst="rect">
             <a:avLst/>
@@ -4027,10 +5293,14 @@
             </a:r>
             <a:r>
               <a:rPr lang="ko-KR" altLang="en-US" sz="2000" dirty="0" smtClean="0"/>
-              <a:t>을 해서</a:t>
-            </a:r>
-            <a:r>
-              <a:rPr lang="en-US" altLang="ko-KR" sz="2000" dirty="0"/>
+              <a:t>을 </a:t>
+            </a:r>
+            <a:r>
+              <a:rPr lang="ko-KR" altLang="en-US" sz="2000" dirty="0" smtClean="0"/>
+              <a:t>통해</a:t>
+            </a:r>
+            <a:r>
+              <a:rPr lang="en-US" altLang="ko-KR" sz="2000" dirty="0" smtClean="0"/>
               <a:t> </a:t>
             </a:r>
             <a:r>
@@ -4069,7 +5339,7 @@
 </p:sld>
 </file>
 
-<file path=ppt/slides/slide14.xml><?xml version="1.0" encoding="utf-8"?>
+<file path=ppt/slides/slide17.xml><?xml version="1.0" encoding="utf-8"?>
 <p:sld xmlns:a="http://schemas.openxmlformats.org/drawingml/2006/main" xmlns:r="http://schemas.openxmlformats.org/officeDocument/2006/relationships" xmlns:p="http://schemas.openxmlformats.org/presentationml/2006/main">
   <p:cSld>
     <p:spTree>
@@ -4106,11 +5376,7 @@
             <a:pPr algn="ctr"/>
             <a:r>
               <a:rPr lang="ko-KR" altLang="en-US" sz="5400" dirty="0" smtClean="0"/>
-              <a:t>실물</a:t>
-            </a:r>
-            <a:r>
-              <a:rPr lang="ko-KR" altLang="en-US" sz="5400" dirty="0" smtClean="0"/>
-              <a:t> </a:t>
+              <a:t>실물 </a:t>
             </a:r>
             <a:r>
               <a:rPr lang="ko-KR" altLang="en-US" sz="5400" dirty="0" err="1" smtClean="0"/>
@@ -4141,7 +5407,7 @@
 </p:sld>
 </file>
 
-<file path=ppt/slides/slide15.xml><?xml version="1.0" encoding="utf-8"?>
+<file path=ppt/slides/slide18.xml><?xml version="1.0" encoding="utf-8"?>
 <p:sld xmlns:a="http://schemas.openxmlformats.org/drawingml/2006/main" xmlns:r="http://schemas.openxmlformats.org/officeDocument/2006/relationships" xmlns:p="http://schemas.openxmlformats.org/presentationml/2006/main">
   <p:cSld>
     <p:spTree>
@@ -4259,11 +5525,7 @@
             </a:r>
             <a:r>
               <a:rPr lang="ko-KR" altLang="en-US" sz="2000" dirty="0" smtClean="0"/>
-              <a:t>와 </a:t>
-            </a:r>
-            <a:r>
-              <a:rPr lang="ko-KR" altLang="en-US" sz="2000" dirty="0" smtClean="0"/>
-              <a:t>총 </a:t>
+              <a:t>와 총 </a:t>
             </a:r>
             <a:r>
               <a:rPr lang="en-US" altLang="ko-KR" sz="2000" dirty="0" smtClean="0"/>
@@ -4294,7 +5556,7 @@
 </p:sld>
 </file>
 
-<file path=ppt/slides/slide16.xml><?xml version="1.0" encoding="utf-8"?>
+<file path=ppt/slides/slide19.xml><?xml version="1.0" encoding="utf-8"?>
 <p:sld xmlns:a="http://schemas.openxmlformats.org/drawingml/2006/main" xmlns:r="http://schemas.openxmlformats.org/officeDocument/2006/relationships" xmlns:p="http://schemas.openxmlformats.org/presentationml/2006/main">
   <p:cSld>
     <p:spTree>
@@ -4328,7 +5590,7 @@
           <a:p>
             <a:r>
               <a:rPr lang="ko-KR" altLang="en-US" dirty="0" smtClean="0"/>
-              <a:t>향후 계획</a:t>
+              <a:t>결과</a:t>
             </a:r>
             <a:endParaRPr lang="ko-KR" altLang="en-US" dirty="0"/>
           </a:p>
@@ -4337,7 +5599,7 @@
     </p:spTree>
     <p:extLst>
       <p:ext uri="{BB962C8B-B14F-4D97-AF65-F5344CB8AC3E}">
-        <p14:creationId xmlns:p14="http://schemas.microsoft.com/office/powerpoint/2010/main" val="145706967"/>
+        <p14:creationId xmlns:p14="http://schemas.microsoft.com/office/powerpoint/2010/main" val="3357485271"/>
       </p:ext>
     </p:extLst>
   </p:cSld>
@@ -4686,6 +5948,1761 @@
 </p:sld>
 </file>
 
+<file path=ppt/slides/slide20.xml><?xml version="1.0" encoding="utf-8"?>
+<p:sld xmlns:a="http://schemas.openxmlformats.org/drawingml/2006/main" xmlns:r="http://schemas.openxmlformats.org/officeDocument/2006/relationships" xmlns:p="http://schemas.openxmlformats.org/presentationml/2006/main">
+  <p:cSld>
+    <p:spTree>
+      <p:nvGrpSpPr>
+        <p:cNvPr id="1" name=""/>
+        <p:cNvGrpSpPr/>
+        <p:nvPr/>
+      </p:nvGrpSpPr>
+      <p:grpSpPr>
+        <a:xfrm>
+          <a:off x="0" y="0"/>
+          <a:ext cx="0" cy="0"/>
+          <a:chOff x="0" y="0"/>
+          <a:chExt cx="0" cy="0"/>
+        </a:xfrm>
+      </p:grpSpPr>
+      <p:sp>
+        <p:nvSpPr>
+          <p:cNvPr id="2" name="제목 1"/>
+          <p:cNvSpPr>
+            <a:spLocks noGrp="1"/>
+          </p:cNvSpPr>
+          <p:nvPr>
+            <p:ph type="title"/>
+          </p:nvPr>
+        </p:nvSpPr>
+        <p:spPr/>
+        <p:txBody>
+          <a:bodyPr/>
+          <a:lstStyle/>
+          <a:p>
+            <a:r>
+              <a:rPr lang="ko-KR" altLang="en-US" dirty="0" smtClean="0"/>
+              <a:t>향후 계획</a:t>
+            </a:r>
+            <a:endParaRPr lang="ko-KR" altLang="en-US" dirty="0"/>
+          </a:p>
+        </p:txBody>
+      </p:sp>
+      <p:sp>
+        <p:nvSpPr>
+          <p:cNvPr id="3" name="TextBox 2"/>
+          <p:cNvSpPr txBox="1"/>
+          <p:nvPr/>
+        </p:nvSpPr>
+        <p:spPr>
+          <a:xfrm>
+            <a:off x="893969" y="1845421"/>
+            <a:ext cx="5162882" cy="369332"/>
+          </a:xfrm>
+          <a:prstGeom prst="rect">
+            <a:avLst/>
+          </a:prstGeom>
+          <a:noFill/>
+        </p:spPr>
+        <p:txBody>
+          <a:bodyPr wrap="square" rtlCol="0">
+            <a:spAutoFit/>
+          </a:bodyPr>
+          <a:lstStyle/>
+          <a:p>
+            <a:r>
+              <a:rPr lang="ko-KR" altLang="en-US" dirty="0" smtClean="0"/>
+              <a:t>데이터 수집</a:t>
+            </a:r>
+            <a:endParaRPr lang="ko-KR" altLang="en-US" dirty="0"/>
+          </a:p>
+        </p:txBody>
+      </p:sp>
+      <p:sp>
+        <p:nvSpPr>
+          <p:cNvPr id="4" name="TextBox 3"/>
+          <p:cNvSpPr txBox="1"/>
+          <p:nvPr/>
+        </p:nvSpPr>
+        <p:spPr>
+          <a:xfrm>
+            <a:off x="893969" y="3204546"/>
+            <a:ext cx="6177950" cy="369332"/>
+          </a:xfrm>
+          <a:prstGeom prst="rect">
+            <a:avLst/>
+          </a:prstGeom>
+          <a:noFill/>
+        </p:spPr>
+        <p:txBody>
+          <a:bodyPr wrap="square" rtlCol="0">
+            <a:spAutoFit/>
+          </a:bodyPr>
+          <a:lstStyle/>
+          <a:p>
+            <a:r>
+              <a:rPr lang="ko-KR" altLang="en-US" dirty="0" smtClean="0"/>
+              <a:t>결함 검출을 위한</a:t>
+            </a:r>
+            <a:r>
+              <a:rPr lang="ko-KR" altLang="en-US" dirty="0" smtClean="0"/>
+              <a:t> 데이터 전처리</a:t>
+            </a:r>
+            <a:endParaRPr lang="ko-KR" altLang="en-US" dirty="0"/>
+          </a:p>
+        </p:txBody>
+      </p:sp>
+      <p:sp>
+        <p:nvSpPr>
+          <p:cNvPr id="7" name="TextBox 6"/>
+          <p:cNvSpPr txBox="1"/>
+          <p:nvPr/>
+        </p:nvSpPr>
+        <p:spPr>
+          <a:xfrm>
+            <a:off x="893969" y="2524983"/>
+            <a:ext cx="5162882" cy="369332"/>
+          </a:xfrm>
+          <a:prstGeom prst="rect">
+            <a:avLst/>
+          </a:prstGeom>
+          <a:noFill/>
+        </p:spPr>
+        <p:txBody>
+          <a:bodyPr wrap="square" rtlCol="0">
+            <a:spAutoFit/>
+          </a:bodyPr>
+          <a:lstStyle/>
+          <a:p>
+            <a:r>
+              <a:rPr lang="ko-KR" altLang="en-US" dirty="0" smtClean="0"/>
+              <a:t>분류할 결함의 종류 추가</a:t>
+            </a:r>
+            <a:endParaRPr lang="ko-KR" altLang="en-US" dirty="0"/>
+          </a:p>
+        </p:txBody>
+      </p:sp>
+      <p:sp>
+        <p:nvSpPr>
+          <p:cNvPr id="8" name="TextBox 7"/>
+          <p:cNvSpPr txBox="1"/>
+          <p:nvPr/>
+        </p:nvSpPr>
+        <p:spPr>
+          <a:xfrm>
+            <a:off x="893969" y="3884108"/>
+            <a:ext cx="6177950" cy="369332"/>
+          </a:xfrm>
+          <a:prstGeom prst="rect">
+            <a:avLst/>
+          </a:prstGeom>
+          <a:noFill/>
+        </p:spPr>
+        <p:txBody>
+          <a:bodyPr wrap="square" rtlCol="0">
+            <a:spAutoFit/>
+          </a:bodyPr>
+          <a:lstStyle/>
+          <a:p>
+            <a:r>
+              <a:rPr lang="ko-KR" altLang="en-US" dirty="0" smtClean="0"/>
+              <a:t>더 효율적인 알고리즘 및 향상된 모델 사용</a:t>
+            </a:r>
+            <a:endParaRPr lang="ko-KR" altLang="en-US" dirty="0"/>
+          </a:p>
+        </p:txBody>
+      </p:sp>
+    </p:spTree>
+    <p:extLst>
+      <p:ext uri="{BB962C8B-B14F-4D97-AF65-F5344CB8AC3E}">
+        <p14:creationId xmlns:p14="http://schemas.microsoft.com/office/powerpoint/2010/main" val="145706967"/>
+      </p:ext>
+    </p:extLst>
+  </p:cSld>
+  <p:clrMapOvr>
+    <a:masterClrMapping/>
+  </p:clrMapOvr>
+</p:sld>
+</file>
+
+<file path=ppt/slides/slide21.xml><?xml version="1.0" encoding="utf-8"?>
+<p:sld xmlns:a="http://schemas.openxmlformats.org/drawingml/2006/main" xmlns:r="http://schemas.openxmlformats.org/officeDocument/2006/relationships" xmlns:p="http://schemas.openxmlformats.org/presentationml/2006/main">
+  <p:cSld>
+    <p:spTree>
+      <p:nvGrpSpPr>
+        <p:cNvPr id="1" name=""/>
+        <p:cNvGrpSpPr/>
+        <p:nvPr/>
+      </p:nvGrpSpPr>
+      <p:grpSpPr>
+        <a:xfrm>
+          <a:off x="0" y="0"/>
+          <a:ext cx="0" cy="0"/>
+          <a:chOff x="0" y="0"/>
+          <a:chExt cx="0" cy="0"/>
+        </a:xfrm>
+      </p:grpSpPr>
+      <p:sp>
+        <p:nvSpPr>
+          <p:cNvPr id="2" name="제목 1"/>
+          <p:cNvSpPr>
+            <a:spLocks noGrp="1"/>
+          </p:cNvSpPr>
+          <p:nvPr>
+            <p:ph type="title"/>
+          </p:nvPr>
+        </p:nvSpPr>
+        <p:spPr/>
+        <p:txBody>
+          <a:bodyPr/>
+          <a:lstStyle/>
+          <a:p>
+            <a:r>
+              <a:rPr lang="ko-KR" altLang="en-US" dirty="0"/>
+              <a:t>향후 </a:t>
+            </a:r>
+            <a:r>
+              <a:rPr lang="ko-KR" altLang="en-US" dirty="0" smtClean="0"/>
+              <a:t>계획</a:t>
+            </a:r>
+            <a:r>
+              <a:rPr lang="en-US" altLang="ko-KR" dirty="0" smtClean="0"/>
+              <a:t>(</a:t>
+            </a:r>
+            <a:r>
+              <a:rPr lang="ko-KR" altLang="en-US" dirty="0" smtClean="0"/>
+              <a:t>데이터 전처리</a:t>
+            </a:r>
+            <a:r>
+              <a:rPr lang="en-US" altLang="ko-KR" dirty="0" smtClean="0"/>
+              <a:t>)</a:t>
+            </a:r>
+            <a:endParaRPr lang="ko-KR" altLang="en-US" dirty="0"/>
+          </a:p>
+        </p:txBody>
+      </p:sp>
+      <p:sp>
+        <p:nvSpPr>
+          <p:cNvPr id="7" name="TextBox 6"/>
+          <p:cNvSpPr txBox="1"/>
+          <p:nvPr/>
+        </p:nvSpPr>
+        <p:spPr>
+          <a:xfrm>
+            <a:off x="892249" y="1459528"/>
+            <a:ext cx="4434760" cy="461665"/>
+          </a:xfrm>
+          <a:prstGeom prst="rect">
+            <a:avLst/>
+          </a:prstGeom>
+          <a:noFill/>
+        </p:spPr>
+        <p:txBody>
+          <a:bodyPr wrap="square" rtlCol="0">
+            <a:spAutoFit/>
+          </a:bodyPr>
+          <a:lstStyle/>
+          <a:p>
+            <a:r>
+              <a:rPr lang="ko-KR" altLang="en-US" sz="2400" dirty="0" smtClean="0"/>
+              <a:t>회전 및 크기 변환</a:t>
+            </a:r>
+            <a:r>
+              <a:rPr lang="en-US" altLang="ko-KR" sz="2400" dirty="0" smtClean="0"/>
+              <a:t>(</a:t>
+            </a:r>
+            <a:r>
+              <a:rPr lang="ko-KR" altLang="en-US" sz="2400" dirty="0" smtClean="0"/>
+              <a:t>데이터 증강</a:t>
+            </a:r>
+            <a:r>
+              <a:rPr lang="en-US" altLang="ko-KR" sz="2400" dirty="0" smtClean="0"/>
+              <a:t>)</a:t>
+            </a:r>
+            <a:endParaRPr lang="ko-KR" altLang="en-US" sz="2400" dirty="0"/>
+          </a:p>
+        </p:txBody>
+      </p:sp>
+    </p:spTree>
+    <p:extLst>
+      <p:ext uri="{BB962C8B-B14F-4D97-AF65-F5344CB8AC3E}">
+        <p14:creationId xmlns:p14="http://schemas.microsoft.com/office/powerpoint/2010/main" val="1003429245"/>
+      </p:ext>
+    </p:extLst>
+  </p:cSld>
+  <p:clrMapOvr>
+    <a:masterClrMapping/>
+  </p:clrMapOvr>
+</p:sld>
+</file>
+
+<file path=ppt/slides/slide22.xml><?xml version="1.0" encoding="utf-8"?>
+<p:sld xmlns:a="http://schemas.openxmlformats.org/drawingml/2006/main" xmlns:r="http://schemas.openxmlformats.org/officeDocument/2006/relationships" xmlns:p="http://schemas.openxmlformats.org/presentationml/2006/main">
+  <p:cSld>
+    <p:spTree>
+      <p:nvGrpSpPr>
+        <p:cNvPr id="1" name=""/>
+        <p:cNvGrpSpPr/>
+        <p:nvPr/>
+      </p:nvGrpSpPr>
+      <p:grpSpPr>
+        <a:xfrm>
+          <a:off x="0" y="0"/>
+          <a:ext cx="0" cy="0"/>
+          <a:chOff x="0" y="0"/>
+          <a:chExt cx="0" cy="0"/>
+        </a:xfrm>
+      </p:grpSpPr>
+      <p:sp>
+        <p:nvSpPr>
+          <p:cNvPr id="2" name="제목 1"/>
+          <p:cNvSpPr>
+            <a:spLocks noGrp="1"/>
+          </p:cNvSpPr>
+          <p:nvPr>
+            <p:ph type="title"/>
+          </p:nvPr>
+        </p:nvSpPr>
+        <p:spPr/>
+        <p:txBody>
+          <a:bodyPr/>
+          <a:lstStyle/>
+          <a:p>
+            <a:r>
+              <a:rPr lang="ko-KR" altLang="en-US" dirty="0"/>
+              <a:t>향후 </a:t>
+            </a:r>
+            <a:r>
+              <a:rPr lang="ko-KR" altLang="en-US" dirty="0" smtClean="0"/>
+              <a:t>계획</a:t>
+            </a:r>
+            <a:r>
+              <a:rPr lang="en-US" altLang="ko-KR" dirty="0" smtClean="0"/>
+              <a:t>(</a:t>
+            </a:r>
+            <a:r>
+              <a:rPr lang="ko-KR" altLang="en-US" dirty="0" smtClean="0"/>
+              <a:t>데이터 전처리</a:t>
+            </a:r>
+            <a:r>
+              <a:rPr lang="en-US" altLang="ko-KR" dirty="0" smtClean="0"/>
+              <a:t>)</a:t>
+            </a:r>
+            <a:endParaRPr lang="ko-KR" altLang="en-US" dirty="0"/>
+          </a:p>
+        </p:txBody>
+      </p:sp>
+      <p:pic>
+        <p:nvPicPr>
+          <p:cNvPr id="3" name="그림 2"/>
+          <p:cNvPicPr>
+            <a:picLocks noChangeAspect="1"/>
+          </p:cNvPicPr>
+          <p:nvPr/>
+        </p:nvPicPr>
+        <p:blipFill rotWithShape="1">
+          <a:blip r:embed="rId2">
+            <a:extLst>
+              <a:ext uri="{28A0092B-C50C-407E-A947-70E740481C1C}">
+                <a14:useLocalDpi xmlns:a14="http://schemas.microsoft.com/office/drawing/2010/main" val="0"/>
+              </a:ext>
+            </a:extLst>
+          </a:blip>
+          <a:srcRect l="57329"/>
+          <a:stretch/>
+        </p:blipFill>
+        <p:spPr>
+          <a:xfrm>
+            <a:off x="8222847" y="872407"/>
+            <a:ext cx="2774493" cy="5750134"/>
+          </a:xfrm>
+          <a:prstGeom prst="rect">
+            <a:avLst/>
+          </a:prstGeom>
+        </p:spPr>
+      </p:pic>
+      <p:pic>
+        <p:nvPicPr>
+          <p:cNvPr id="4" name="그림 3"/>
+          <p:cNvPicPr>
+            <a:picLocks noChangeAspect="1"/>
+          </p:cNvPicPr>
+          <p:nvPr/>
+        </p:nvPicPr>
+        <p:blipFill rotWithShape="1">
+          <a:blip r:embed="rId2">
+            <a:extLst>
+              <a:ext uri="{28A0092B-C50C-407E-A947-70E740481C1C}">
+                <a14:useLocalDpi xmlns:a14="http://schemas.microsoft.com/office/drawing/2010/main" val="0"/>
+              </a:ext>
+            </a:extLst>
+          </a:blip>
+          <a:srcRect r="42836" b="63503"/>
+          <a:stretch/>
+        </p:blipFill>
+        <p:spPr>
+          <a:xfrm>
+            <a:off x="892249" y="3004349"/>
+            <a:ext cx="3716827" cy="2098645"/>
+          </a:xfrm>
+          <a:prstGeom prst="rect">
+            <a:avLst/>
+          </a:prstGeom>
+        </p:spPr>
+      </p:pic>
+      <p:pic>
+        <p:nvPicPr>
+          <p:cNvPr id="5" name="그림 4"/>
+          <p:cNvPicPr>
+            <a:picLocks noChangeAspect="1"/>
+          </p:cNvPicPr>
+          <p:nvPr/>
+        </p:nvPicPr>
+        <p:blipFill rotWithShape="1">
+          <a:blip r:embed="rId2">
+            <a:extLst>
+              <a:ext uri="{28A0092B-C50C-407E-A947-70E740481C1C}">
+                <a14:useLocalDpi xmlns:a14="http://schemas.microsoft.com/office/drawing/2010/main" val="0"/>
+              </a:ext>
+            </a:extLst>
+          </a:blip>
+          <a:srcRect l="26386" t="36871" r="43508" b="24971"/>
+          <a:stretch/>
+        </p:blipFill>
+        <p:spPr>
+          <a:xfrm>
+            <a:off x="5327009" y="2956611"/>
+            <a:ext cx="1957500" cy="2194120"/>
+          </a:xfrm>
+          <a:prstGeom prst="rect">
+            <a:avLst/>
+          </a:prstGeom>
+        </p:spPr>
+      </p:pic>
+      <p:sp>
+        <p:nvSpPr>
+          <p:cNvPr id="6" name="TextBox 5"/>
+          <p:cNvSpPr txBox="1"/>
+          <p:nvPr/>
+        </p:nvSpPr>
+        <p:spPr>
+          <a:xfrm>
+            <a:off x="892249" y="1459528"/>
+            <a:ext cx="4434760" cy="461665"/>
+          </a:xfrm>
+          <a:prstGeom prst="rect">
+            <a:avLst/>
+          </a:prstGeom>
+          <a:noFill/>
+        </p:spPr>
+        <p:txBody>
+          <a:bodyPr wrap="square" rtlCol="0">
+            <a:spAutoFit/>
+          </a:bodyPr>
+          <a:lstStyle/>
+          <a:p>
+            <a:r>
+              <a:rPr lang="ko-KR" altLang="en-US" sz="2400" dirty="0" smtClean="0"/>
+              <a:t>회전 및 크기 변환</a:t>
+            </a:r>
+            <a:r>
+              <a:rPr lang="en-US" altLang="ko-KR" sz="2400" dirty="0" smtClean="0"/>
+              <a:t>(</a:t>
+            </a:r>
+            <a:r>
+              <a:rPr lang="ko-KR" altLang="en-US" sz="2400" dirty="0" smtClean="0"/>
+              <a:t>데이터 증강</a:t>
+            </a:r>
+            <a:r>
+              <a:rPr lang="en-US" altLang="ko-KR" sz="2400" dirty="0" smtClean="0"/>
+              <a:t>)</a:t>
+            </a:r>
+            <a:endParaRPr lang="ko-KR" altLang="en-US" sz="2400" dirty="0"/>
+          </a:p>
+        </p:txBody>
+      </p:sp>
+      <mc:AlternateContent xmlns:mc="http://schemas.openxmlformats.org/markup-compatibility/2006">
+        <mc:Choice xmlns:a14="http://schemas.microsoft.com/office/drawing/2010/main" Requires="a14">
+          <p:sp>
+            <p:nvSpPr>
+              <p:cNvPr id="7" name="TextBox 6"/>
+              <p:cNvSpPr txBox="1"/>
+              <p:nvPr/>
+            </p:nvSpPr>
+            <p:spPr>
+              <a:xfrm>
+                <a:off x="893969" y="5416709"/>
+                <a:ext cx="3006911" cy="646331"/>
+              </a:xfrm>
+              <a:prstGeom prst="rect">
+                <a:avLst/>
+              </a:prstGeom>
+              <a:noFill/>
+            </p:spPr>
+            <p:txBody>
+              <a:bodyPr wrap="square" rtlCol="0">
+                <a:spAutoFit/>
+              </a:bodyPr>
+              <a:lstStyle/>
+              <a:p>
+                <a:r>
+                  <a:rPr lang="en-US" altLang="ko-KR" dirty="0" smtClean="0"/>
+                  <a:t>45</a:t>
+                </a:r>
+                <a14:m>
+                  <m:oMath xmlns:m="http://schemas.openxmlformats.org/officeDocument/2006/math">
+                    <m:r>
+                      <a:rPr lang="en-US" altLang="ko-KR" i="1" smtClean="0">
+                        <a:latin typeface="Cambria Math" panose="02040503050406030204" pitchFamily="18" charset="0"/>
+                        <a:ea typeface="Cambria Math" panose="02040503050406030204" pitchFamily="18" charset="0"/>
+                      </a:rPr>
+                      <m:t>°</m:t>
+                    </m:r>
+                  </m:oMath>
+                </a14:m>
+                <a:r>
+                  <a:rPr lang="en-US" altLang="ko-KR" dirty="0" smtClean="0"/>
+                  <a:t>, </a:t>
+                </a:r>
+                <a:r>
+                  <a:rPr lang="en-US" altLang="ko-KR" dirty="0"/>
+                  <a:t>90</a:t>
+                </a:r>
+                <a14:m>
+                  <m:oMath xmlns:m="http://schemas.openxmlformats.org/officeDocument/2006/math">
+                    <m:r>
+                      <a:rPr lang="en-US" altLang="ko-KR" i="1">
+                        <a:latin typeface="Cambria Math" panose="02040503050406030204" pitchFamily="18" charset="0"/>
+                        <a:ea typeface="Cambria Math" panose="02040503050406030204" pitchFamily="18" charset="0"/>
+                      </a:rPr>
+                      <m:t>° </m:t>
+                    </m:r>
+                  </m:oMath>
+                </a14:m>
+                <a:r>
+                  <a:rPr lang="ko-KR" altLang="en-US" dirty="0" smtClean="0"/>
+                  <a:t>회전</a:t>
+                </a:r>
+                <a:endParaRPr lang="en-US" altLang="ko-KR" dirty="0" smtClean="0"/>
+              </a:p>
+              <a:p>
+                <a:r>
+                  <a:rPr lang="en-US" altLang="ko-KR" dirty="0"/>
+                  <a:t>s</a:t>
+                </a:r>
+                <a:r>
+                  <a:rPr lang="en-US" altLang="ko-KR" dirty="0" smtClean="0"/>
+                  <a:t>cale 0.5</a:t>
+                </a:r>
+                <a:r>
+                  <a:rPr lang="ko-KR" altLang="en-US" dirty="0" smtClean="0"/>
+                  <a:t>배</a:t>
+                </a:r>
+                <a:r>
+                  <a:rPr lang="en-US" altLang="ko-KR" dirty="0" smtClean="0"/>
+                  <a:t>, 2</a:t>
+                </a:r>
+                <a:r>
+                  <a:rPr lang="ko-KR" altLang="en-US" dirty="0" smtClean="0"/>
+                  <a:t>배</a:t>
+                </a:r>
+                <a:endParaRPr lang="ko-KR" altLang="en-US" dirty="0"/>
+              </a:p>
+            </p:txBody>
+          </p:sp>
+        </mc:Choice>
+        <mc:Fallback>
+          <p:sp>
+            <p:nvSpPr>
+              <p:cNvPr id="7" name="TextBox 6"/>
+              <p:cNvSpPr txBox="1">
+                <a:spLocks noRot="1" noChangeAspect="1" noMove="1" noResize="1" noEditPoints="1" noAdjustHandles="1" noChangeArrowheads="1" noChangeShapeType="1" noTextEdit="1"/>
+              </p:cNvSpPr>
+              <p:nvPr/>
+            </p:nvSpPr>
+            <p:spPr>
+              <a:xfrm>
+                <a:off x="893969" y="5416709"/>
+                <a:ext cx="3006911" cy="646331"/>
+              </a:xfrm>
+              <a:prstGeom prst="rect">
+                <a:avLst/>
+              </a:prstGeom>
+              <a:blipFill>
+                <a:blip r:embed="rId3"/>
+                <a:stretch>
+                  <a:fillRect l="-1826" t="-5660" b="-14151"/>
+                </a:stretch>
+              </a:blipFill>
+            </p:spPr>
+            <p:txBody>
+              <a:bodyPr/>
+              <a:lstStyle/>
+              <a:p>
+                <a:r>
+                  <a:rPr lang="ko-KR" altLang="en-US">
+                    <a:noFill/>
+                  </a:rPr>
+                  <a:t> </a:t>
+                </a:r>
+              </a:p>
+            </p:txBody>
+          </p:sp>
+        </mc:Fallback>
+      </mc:AlternateContent>
+    </p:spTree>
+    <p:extLst>
+      <p:ext uri="{BB962C8B-B14F-4D97-AF65-F5344CB8AC3E}">
+        <p14:creationId xmlns:p14="http://schemas.microsoft.com/office/powerpoint/2010/main" val="3307567868"/>
+      </p:ext>
+    </p:extLst>
+  </p:cSld>
+  <p:clrMapOvr>
+    <a:masterClrMapping/>
+  </p:clrMapOvr>
+</p:sld>
+</file>
+
+<file path=ppt/slides/slide23.xml><?xml version="1.0" encoding="utf-8"?>
+<p:sld xmlns:a="http://schemas.openxmlformats.org/drawingml/2006/main" xmlns:r="http://schemas.openxmlformats.org/officeDocument/2006/relationships" xmlns:p="http://schemas.openxmlformats.org/presentationml/2006/main">
+  <p:cSld>
+    <p:spTree>
+      <p:nvGrpSpPr>
+        <p:cNvPr id="1" name=""/>
+        <p:cNvGrpSpPr/>
+        <p:nvPr/>
+      </p:nvGrpSpPr>
+      <p:grpSpPr>
+        <a:xfrm>
+          <a:off x="0" y="0"/>
+          <a:ext cx="0" cy="0"/>
+          <a:chOff x="0" y="0"/>
+          <a:chExt cx="0" cy="0"/>
+        </a:xfrm>
+      </p:grpSpPr>
+      <p:sp>
+        <p:nvSpPr>
+          <p:cNvPr id="2" name="제목 1"/>
+          <p:cNvSpPr>
+            <a:spLocks noGrp="1"/>
+          </p:cNvSpPr>
+          <p:nvPr>
+            <p:ph type="title"/>
+          </p:nvPr>
+        </p:nvSpPr>
+        <p:spPr/>
+        <p:txBody>
+          <a:bodyPr/>
+          <a:lstStyle/>
+          <a:p>
+            <a:r>
+              <a:rPr lang="ko-KR" altLang="en-US" dirty="0"/>
+              <a:t>향후 </a:t>
+            </a:r>
+            <a:r>
+              <a:rPr lang="ko-KR" altLang="en-US" dirty="0" smtClean="0"/>
+              <a:t>계획</a:t>
+            </a:r>
+            <a:r>
+              <a:rPr lang="en-US" altLang="ko-KR" dirty="0" smtClean="0"/>
+              <a:t>(</a:t>
+            </a:r>
+            <a:r>
+              <a:rPr lang="ko-KR" altLang="en-US" dirty="0" smtClean="0"/>
+              <a:t>데이터 전처리</a:t>
+            </a:r>
+            <a:r>
+              <a:rPr lang="en-US" altLang="ko-KR" dirty="0" smtClean="0"/>
+              <a:t>)</a:t>
+            </a:r>
+            <a:endParaRPr lang="ko-KR" altLang="en-US" dirty="0"/>
+          </a:p>
+        </p:txBody>
+      </p:sp>
+      <p:pic>
+        <p:nvPicPr>
+          <p:cNvPr id="4" name="그림 3"/>
+          <p:cNvPicPr>
+            <a:picLocks noChangeAspect="1"/>
+          </p:cNvPicPr>
+          <p:nvPr/>
+        </p:nvPicPr>
+        <p:blipFill rotWithShape="1">
+          <a:blip r:embed="rId2">
+            <a:extLst>
+              <a:ext uri="{28A0092B-C50C-407E-A947-70E740481C1C}">
+                <a14:useLocalDpi xmlns:a14="http://schemas.microsoft.com/office/drawing/2010/main" val="0"/>
+              </a:ext>
+            </a:extLst>
+          </a:blip>
+          <a:srcRect t="67290"/>
+          <a:stretch/>
+        </p:blipFill>
+        <p:spPr>
+          <a:xfrm>
+            <a:off x="5085814" y="3883193"/>
+            <a:ext cx="3993870" cy="2243271"/>
+          </a:xfrm>
+          <a:prstGeom prst="rect">
+            <a:avLst/>
+          </a:prstGeom>
+        </p:spPr>
+      </p:pic>
+      <p:pic>
+        <p:nvPicPr>
+          <p:cNvPr id="5" name="그림 4"/>
+          <p:cNvPicPr>
+            <a:picLocks noChangeAspect="1"/>
+          </p:cNvPicPr>
+          <p:nvPr/>
+        </p:nvPicPr>
+        <p:blipFill rotWithShape="1">
+          <a:blip r:embed="rId2">
+            <a:extLst>
+              <a:ext uri="{28A0092B-C50C-407E-A947-70E740481C1C}">
+                <a14:useLocalDpi xmlns:a14="http://schemas.microsoft.com/office/drawing/2010/main" val="0"/>
+              </a:ext>
+            </a:extLst>
+          </a:blip>
+          <a:srcRect t="33645" b="33707"/>
+          <a:stretch/>
+        </p:blipFill>
+        <p:spPr>
+          <a:xfrm>
+            <a:off x="5085814" y="1644194"/>
+            <a:ext cx="3993870" cy="2238999"/>
+          </a:xfrm>
+          <a:prstGeom prst="rect">
+            <a:avLst/>
+          </a:prstGeom>
+        </p:spPr>
+      </p:pic>
+      <p:pic>
+        <p:nvPicPr>
+          <p:cNvPr id="6" name="그림 5"/>
+          <p:cNvPicPr>
+            <a:picLocks noChangeAspect="1"/>
+          </p:cNvPicPr>
+          <p:nvPr/>
+        </p:nvPicPr>
+        <p:blipFill rotWithShape="1">
+          <a:blip r:embed="rId2">
+            <a:extLst>
+              <a:ext uri="{28A0092B-C50C-407E-A947-70E740481C1C}">
+                <a14:useLocalDpi xmlns:a14="http://schemas.microsoft.com/office/drawing/2010/main" val="0"/>
+              </a:ext>
+            </a:extLst>
+          </a:blip>
+          <a:srcRect b="67095"/>
+          <a:stretch/>
+        </p:blipFill>
+        <p:spPr>
+          <a:xfrm>
+            <a:off x="870732" y="2841868"/>
+            <a:ext cx="3993870" cy="2256639"/>
+          </a:xfrm>
+          <a:prstGeom prst="rect">
+            <a:avLst/>
+          </a:prstGeom>
+        </p:spPr>
+      </p:pic>
+      <p:sp>
+        <p:nvSpPr>
+          <p:cNvPr id="7" name="TextBox 6"/>
+          <p:cNvSpPr txBox="1"/>
+          <p:nvPr/>
+        </p:nvSpPr>
+        <p:spPr>
+          <a:xfrm>
+            <a:off x="892249" y="1459528"/>
+            <a:ext cx="4434760" cy="461665"/>
+          </a:xfrm>
+          <a:prstGeom prst="rect">
+            <a:avLst/>
+          </a:prstGeom>
+          <a:noFill/>
+        </p:spPr>
+        <p:txBody>
+          <a:bodyPr wrap="square" rtlCol="0">
+            <a:spAutoFit/>
+          </a:bodyPr>
+          <a:lstStyle/>
+          <a:p>
+            <a:r>
+              <a:rPr lang="ko-KR" altLang="en-US" sz="2400" dirty="0" smtClean="0"/>
+              <a:t>히스토그램 분석</a:t>
+            </a:r>
+            <a:endParaRPr lang="ko-KR" altLang="en-US" sz="2400" dirty="0"/>
+          </a:p>
+        </p:txBody>
+      </p:sp>
+      <p:grpSp>
+        <p:nvGrpSpPr>
+          <p:cNvPr id="12" name="그룹 11"/>
+          <p:cNvGrpSpPr/>
+          <p:nvPr/>
+        </p:nvGrpSpPr>
+        <p:grpSpPr>
+          <a:xfrm>
+            <a:off x="9159922" y="2087863"/>
+            <a:ext cx="2718889" cy="1351659"/>
+            <a:chOff x="9327702" y="1873699"/>
+            <a:chExt cx="2718889" cy="1351659"/>
+          </a:xfrm>
+        </p:grpSpPr>
+        <p:sp>
+          <p:nvSpPr>
+            <p:cNvPr id="8" name="TextBox 7"/>
+            <p:cNvSpPr txBox="1"/>
+            <p:nvPr/>
+          </p:nvSpPr>
+          <p:spPr>
+            <a:xfrm>
+              <a:off x="9327702" y="2302028"/>
+              <a:ext cx="2718889" cy="923330"/>
+            </a:xfrm>
+            <a:prstGeom prst="rect">
+              <a:avLst/>
+            </a:prstGeom>
+            <a:noFill/>
+          </p:spPr>
+          <p:txBody>
+            <a:bodyPr wrap="square" rtlCol="0">
+              <a:spAutoFit/>
+            </a:bodyPr>
+            <a:lstStyle/>
+            <a:p>
+              <a:r>
+                <a:rPr lang="ko-KR" altLang="en-US" dirty="0"/>
+                <a:t>이미지의 히스토그램을 </a:t>
+              </a:r>
+              <a:r>
+                <a:rPr lang="ko-KR" altLang="en-US" dirty="0" err="1"/>
+                <a:t>평활화하여</a:t>
+              </a:r>
+              <a:r>
+                <a:rPr lang="ko-KR" altLang="en-US" dirty="0"/>
+                <a:t> 이미지의 대비를 향상시키는 데 사용</a:t>
+              </a:r>
+              <a:endParaRPr lang="ko-KR" altLang="en-US" dirty="0"/>
+            </a:p>
+          </p:txBody>
+        </p:sp>
+        <p:sp>
+          <p:nvSpPr>
+            <p:cNvPr id="10" name="TextBox 9"/>
+            <p:cNvSpPr txBox="1"/>
+            <p:nvPr/>
+          </p:nvSpPr>
+          <p:spPr>
+            <a:xfrm>
+              <a:off x="9327702" y="1873699"/>
+              <a:ext cx="2718889" cy="369332"/>
+            </a:xfrm>
+            <a:prstGeom prst="rect">
+              <a:avLst/>
+            </a:prstGeom>
+            <a:noFill/>
+          </p:spPr>
+          <p:txBody>
+            <a:bodyPr wrap="square" rtlCol="0">
+              <a:spAutoFit/>
+            </a:bodyPr>
+            <a:lstStyle/>
+            <a:p>
+              <a:r>
+                <a:rPr lang="en-US" altLang="ko-KR" b="1" dirty="0" err="1"/>
+                <a:t>equalizeHist</a:t>
+              </a:r>
+              <a:endParaRPr lang="ko-KR" altLang="en-US" b="1" dirty="0"/>
+            </a:p>
+          </p:txBody>
+        </p:sp>
+      </p:grpSp>
+      <p:grpSp>
+        <p:nvGrpSpPr>
+          <p:cNvPr id="13" name="그룹 12"/>
+          <p:cNvGrpSpPr/>
+          <p:nvPr/>
+        </p:nvGrpSpPr>
+        <p:grpSpPr>
+          <a:xfrm>
+            <a:off x="9159922" y="4328998"/>
+            <a:ext cx="2718889" cy="1351659"/>
+            <a:chOff x="9327702" y="1873699"/>
+            <a:chExt cx="2718889" cy="1351659"/>
+          </a:xfrm>
+        </p:grpSpPr>
+        <p:sp>
+          <p:nvSpPr>
+            <p:cNvPr id="14" name="TextBox 13"/>
+            <p:cNvSpPr txBox="1"/>
+            <p:nvPr/>
+          </p:nvSpPr>
+          <p:spPr>
+            <a:xfrm>
+              <a:off x="9327702" y="2302028"/>
+              <a:ext cx="2718889" cy="923330"/>
+            </a:xfrm>
+            <a:prstGeom prst="rect">
+              <a:avLst/>
+            </a:prstGeom>
+            <a:noFill/>
+          </p:spPr>
+          <p:txBody>
+            <a:bodyPr wrap="square" rtlCol="0">
+              <a:spAutoFit/>
+            </a:bodyPr>
+            <a:lstStyle/>
+            <a:p>
+              <a:r>
+                <a:rPr lang="ko-KR" altLang="en-US" dirty="0"/>
+                <a:t>히스토그램 </a:t>
+              </a:r>
+              <a:r>
+                <a:rPr lang="ko-KR" altLang="en-US" dirty="0" err="1"/>
+                <a:t>평활화의</a:t>
+              </a:r>
+              <a:r>
+                <a:rPr lang="ko-KR" altLang="en-US" dirty="0"/>
+                <a:t> 변형된 방법으로</a:t>
+              </a:r>
+              <a:r>
+                <a:rPr lang="en-US" altLang="ko-KR" dirty="0"/>
+                <a:t>, </a:t>
+              </a:r>
+              <a:r>
+                <a:rPr lang="ko-KR" altLang="en-US" dirty="0"/>
+                <a:t>이미지의 대비를 개선하는 데 사용</a:t>
+              </a:r>
+              <a:endParaRPr lang="ko-KR" altLang="en-US" dirty="0"/>
+            </a:p>
+          </p:txBody>
+        </p:sp>
+        <p:sp>
+          <p:nvSpPr>
+            <p:cNvPr id="15" name="TextBox 14"/>
+            <p:cNvSpPr txBox="1"/>
+            <p:nvPr/>
+          </p:nvSpPr>
+          <p:spPr>
+            <a:xfrm>
+              <a:off x="9327702" y="1873699"/>
+              <a:ext cx="2718889" cy="369332"/>
+            </a:xfrm>
+            <a:prstGeom prst="rect">
+              <a:avLst/>
+            </a:prstGeom>
+            <a:noFill/>
+          </p:spPr>
+          <p:txBody>
+            <a:bodyPr wrap="square" rtlCol="0">
+              <a:spAutoFit/>
+            </a:bodyPr>
+            <a:lstStyle/>
+            <a:p>
+              <a:r>
+                <a:rPr lang="en-US" altLang="ko-KR" b="1" dirty="0" smtClean="0"/>
+                <a:t>CLAHE</a:t>
+              </a:r>
+              <a:endParaRPr lang="ko-KR" altLang="en-US" b="1" dirty="0"/>
+            </a:p>
+          </p:txBody>
+        </p:sp>
+      </p:grpSp>
+    </p:spTree>
+    <p:extLst>
+      <p:ext uri="{BB962C8B-B14F-4D97-AF65-F5344CB8AC3E}">
+        <p14:creationId xmlns:p14="http://schemas.microsoft.com/office/powerpoint/2010/main" val="3604327961"/>
+      </p:ext>
+    </p:extLst>
+  </p:cSld>
+  <p:clrMapOvr>
+    <a:masterClrMapping/>
+  </p:clrMapOvr>
+</p:sld>
+</file>
+
+<file path=ppt/slides/slide24.xml><?xml version="1.0" encoding="utf-8"?>
+<p:sld xmlns:a="http://schemas.openxmlformats.org/drawingml/2006/main" xmlns:r="http://schemas.openxmlformats.org/officeDocument/2006/relationships" xmlns:p="http://schemas.openxmlformats.org/presentationml/2006/main">
+  <p:cSld>
+    <p:spTree>
+      <p:nvGrpSpPr>
+        <p:cNvPr id="1" name=""/>
+        <p:cNvGrpSpPr/>
+        <p:nvPr/>
+      </p:nvGrpSpPr>
+      <p:grpSpPr>
+        <a:xfrm>
+          <a:off x="0" y="0"/>
+          <a:ext cx="0" cy="0"/>
+          <a:chOff x="0" y="0"/>
+          <a:chExt cx="0" cy="0"/>
+        </a:xfrm>
+      </p:grpSpPr>
+      <p:sp>
+        <p:nvSpPr>
+          <p:cNvPr id="2" name="제목 1"/>
+          <p:cNvSpPr>
+            <a:spLocks noGrp="1"/>
+          </p:cNvSpPr>
+          <p:nvPr>
+            <p:ph type="title"/>
+          </p:nvPr>
+        </p:nvSpPr>
+        <p:spPr/>
+        <p:txBody>
+          <a:bodyPr/>
+          <a:lstStyle/>
+          <a:p>
+            <a:r>
+              <a:rPr lang="ko-KR" altLang="en-US" dirty="0"/>
+              <a:t>향후 </a:t>
+            </a:r>
+            <a:r>
+              <a:rPr lang="ko-KR" altLang="en-US" dirty="0" smtClean="0"/>
+              <a:t>계획</a:t>
+            </a:r>
+            <a:r>
+              <a:rPr lang="en-US" altLang="ko-KR" dirty="0" smtClean="0"/>
+              <a:t>(</a:t>
+            </a:r>
+            <a:r>
+              <a:rPr lang="ko-KR" altLang="en-US" dirty="0" smtClean="0"/>
+              <a:t>데이터 전처리</a:t>
+            </a:r>
+            <a:r>
+              <a:rPr lang="en-US" altLang="ko-KR" dirty="0" smtClean="0"/>
+              <a:t>)</a:t>
+            </a:r>
+            <a:endParaRPr lang="ko-KR" altLang="en-US" dirty="0"/>
+          </a:p>
+        </p:txBody>
+      </p:sp>
+      <p:sp>
+        <p:nvSpPr>
+          <p:cNvPr id="7" name="TextBox 6"/>
+          <p:cNvSpPr txBox="1"/>
+          <p:nvPr/>
+        </p:nvSpPr>
+        <p:spPr>
+          <a:xfrm>
+            <a:off x="892249" y="1459528"/>
+            <a:ext cx="4434760" cy="461665"/>
+          </a:xfrm>
+          <a:prstGeom prst="rect">
+            <a:avLst/>
+          </a:prstGeom>
+          <a:noFill/>
+        </p:spPr>
+        <p:txBody>
+          <a:bodyPr wrap="square" rtlCol="0">
+            <a:spAutoFit/>
+          </a:bodyPr>
+          <a:lstStyle/>
+          <a:p>
+            <a:r>
+              <a:rPr lang="en-US" altLang="ko-KR" sz="2400" dirty="0" err="1" smtClean="0"/>
+              <a:t>Hsv_color_mask</a:t>
+            </a:r>
+            <a:endParaRPr lang="ko-KR" altLang="en-US" sz="2400" dirty="0"/>
+          </a:p>
+        </p:txBody>
+      </p:sp>
+      <p:pic>
+        <p:nvPicPr>
+          <p:cNvPr id="3" name="그림 2"/>
+          <p:cNvPicPr>
+            <a:picLocks noChangeAspect="1"/>
+          </p:cNvPicPr>
+          <p:nvPr/>
+        </p:nvPicPr>
+        <p:blipFill rotWithShape="1">
+          <a:blip r:embed="rId2">
+            <a:extLst>
+              <a:ext uri="{28A0092B-C50C-407E-A947-70E740481C1C}">
+                <a14:useLocalDpi xmlns:a14="http://schemas.microsoft.com/office/drawing/2010/main" val="0"/>
+              </a:ext>
+            </a:extLst>
+          </a:blip>
+          <a:srcRect t="489" b="66728"/>
+          <a:stretch/>
+        </p:blipFill>
+        <p:spPr>
+          <a:xfrm>
+            <a:off x="892249" y="3062090"/>
+            <a:ext cx="4026049" cy="2248250"/>
+          </a:xfrm>
+          <a:prstGeom prst="rect">
+            <a:avLst/>
+          </a:prstGeom>
+        </p:spPr>
+      </p:pic>
+      <p:pic>
+        <p:nvPicPr>
+          <p:cNvPr id="5" name="그림 4"/>
+          <p:cNvPicPr>
+            <a:picLocks noChangeAspect="1"/>
+          </p:cNvPicPr>
+          <p:nvPr/>
+        </p:nvPicPr>
+        <p:blipFill rotWithShape="1">
+          <a:blip r:embed="rId2">
+            <a:extLst>
+              <a:ext uri="{28A0092B-C50C-407E-A947-70E740481C1C}">
+                <a14:useLocalDpi xmlns:a14="http://schemas.microsoft.com/office/drawing/2010/main" val="0"/>
+              </a:ext>
+            </a:extLst>
+          </a:blip>
+          <a:srcRect l="208" t="33884" r="-208" b="33333"/>
+          <a:stretch/>
+        </p:blipFill>
+        <p:spPr>
+          <a:xfrm>
+            <a:off x="5080047" y="1794986"/>
+            <a:ext cx="4026049" cy="2248250"/>
+          </a:xfrm>
+          <a:prstGeom prst="rect">
+            <a:avLst/>
+          </a:prstGeom>
+        </p:spPr>
+      </p:pic>
+      <p:pic>
+        <p:nvPicPr>
+          <p:cNvPr id="6" name="그림 5"/>
+          <p:cNvPicPr>
+            <a:picLocks noChangeAspect="1"/>
+          </p:cNvPicPr>
+          <p:nvPr/>
+        </p:nvPicPr>
+        <p:blipFill rotWithShape="1">
+          <a:blip r:embed="rId2">
+            <a:extLst>
+              <a:ext uri="{28A0092B-C50C-407E-A947-70E740481C1C}">
+                <a14:useLocalDpi xmlns:a14="http://schemas.microsoft.com/office/drawing/2010/main" val="0"/>
+              </a:ext>
+            </a:extLst>
+          </a:blip>
+          <a:srcRect l="-209" t="67279" r="209" b="-62"/>
+          <a:stretch/>
+        </p:blipFill>
+        <p:spPr>
+          <a:xfrm>
+            <a:off x="5080048" y="4269786"/>
+            <a:ext cx="4026049" cy="2248250"/>
+          </a:xfrm>
+          <a:prstGeom prst="rect">
+            <a:avLst/>
+          </a:prstGeom>
+        </p:spPr>
+      </p:pic>
+      <p:sp>
+        <p:nvSpPr>
+          <p:cNvPr id="8" name="TextBox 7"/>
+          <p:cNvSpPr txBox="1"/>
+          <p:nvPr/>
+        </p:nvSpPr>
+        <p:spPr>
+          <a:xfrm>
+            <a:off x="9185089" y="3724550"/>
+            <a:ext cx="2651777" cy="923330"/>
+          </a:xfrm>
+          <a:prstGeom prst="rect">
+            <a:avLst/>
+          </a:prstGeom>
+          <a:noFill/>
+        </p:spPr>
+        <p:txBody>
+          <a:bodyPr wrap="square" rtlCol="0">
+            <a:spAutoFit/>
+          </a:bodyPr>
+          <a:lstStyle/>
+          <a:p>
+            <a:r>
+              <a:rPr lang="ko-KR" altLang="en-US" dirty="0"/>
+              <a:t>색상</a:t>
+            </a:r>
+            <a:r>
+              <a:rPr lang="en-US" altLang="ko-KR" dirty="0"/>
+              <a:t>(Hue</a:t>
+            </a:r>
+            <a:r>
+              <a:rPr lang="en-US" altLang="ko-KR" dirty="0" smtClean="0"/>
+              <a:t>) </a:t>
+            </a:r>
+          </a:p>
+          <a:p>
+            <a:r>
+              <a:rPr lang="ko-KR" altLang="en-US" dirty="0" smtClean="0"/>
+              <a:t>채도</a:t>
+            </a:r>
+            <a:r>
+              <a:rPr lang="en-US" altLang="ko-KR" dirty="0"/>
+              <a:t>(Saturation</a:t>
+            </a:r>
+            <a:r>
+              <a:rPr lang="en-US" altLang="ko-KR" dirty="0" smtClean="0"/>
+              <a:t>)</a:t>
+            </a:r>
+          </a:p>
+          <a:p>
+            <a:r>
+              <a:rPr lang="ko-KR" altLang="en-US" dirty="0" smtClean="0"/>
+              <a:t>명도</a:t>
+            </a:r>
+            <a:r>
+              <a:rPr lang="en-US" altLang="ko-KR" dirty="0"/>
+              <a:t>(Value)</a:t>
+            </a:r>
+            <a:endParaRPr lang="ko-KR" altLang="en-US" dirty="0"/>
+          </a:p>
+        </p:txBody>
+      </p:sp>
+    </p:spTree>
+    <p:extLst>
+      <p:ext uri="{BB962C8B-B14F-4D97-AF65-F5344CB8AC3E}">
+        <p14:creationId xmlns:p14="http://schemas.microsoft.com/office/powerpoint/2010/main" val="729096580"/>
+      </p:ext>
+    </p:extLst>
+  </p:cSld>
+  <p:clrMapOvr>
+    <a:masterClrMapping/>
+  </p:clrMapOvr>
+</p:sld>
+</file>
+
+<file path=ppt/slides/slide25.xml><?xml version="1.0" encoding="utf-8"?>
+<p:sld xmlns:a="http://schemas.openxmlformats.org/drawingml/2006/main" xmlns:r="http://schemas.openxmlformats.org/officeDocument/2006/relationships" xmlns:p="http://schemas.openxmlformats.org/presentationml/2006/main">
+  <p:cSld>
+    <p:spTree>
+      <p:nvGrpSpPr>
+        <p:cNvPr id="1" name=""/>
+        <p:cNvGrpSpPr/>
+        <p:nvPr/>
+      </p:nvGrpSpPr>
+      <p:grpSpPr>
+        <a:xfrm>
+          <a:off x="0" y="0"/>
+          <a:ext cx="0" cy="0"/>
+          <a:chOff x="0" y="0"/>
+          <a:chExt cx="0" cy="0"/>
+        </a:xfrm>
+      </p:grpSpPr>
+      <p:sp>
+        <p:nvSpPr>
+          <p:cNvPr id="2" name="제목 1"/>
+          <p:cNvSpPr>
+            <a:spLocks noGrp="1"/>
+          </p:cNvSpPr>
+          <p:nvPr>
+            <p:ph type="title"/>
+          </p:nvPr>
+        </p:nvSpPr>
+        <p:spPr/>
+        <p:txBody>
+          <a:bodyPr/>
+          <a:lstStyle/>
+          <a:p>
+            <a:r>
+              <a:rPr lang="ko-KR" altLang="en-US" dirty="0"/>
+              <a:t>향후 </a:t>
+            </a:r>
+            <a:r>
+              <a:rPr lang="ko-KR" altLang="en-US" dirty="0" smtClean="0"/>
+              <a:t>계획</a:t>
+            </a:r>
+            <a:r>
+              <a:rPr lang="en-US" altLang="ko-KR" dirty="0" smtClean="0"/>
+              <a:t>(</a:t>
+            </a:r>
+            <a:r>
+              <a:rPr lang="ko-KR" altLang="en-US" dirty="0" smtClean="0"/>
+              <a:t>데이터 전처리</a:t>
+            </a:r>
+            <a:r>
+              <a:rPr lang="en-US" altLang="ko-KR" dirty="0" smtClean="0"/>
+              <a:t>)</a:t>
+            </a:r>
+            <a:endParaRPr lang="ko-KR" altLang="en-US" dirty="0"/>
+          </a:p>
+        </p:txBody>
+      </p:sp>
+      <p:sp>
+        <p:nvSpPr>
+          <p:cNvPr id="7" name="TextBox 6"/>
+          <p:cNvSpPr txBox="1"/>
+          <p:nvPr/>
+        </p:nvSpPr>
+        <p:spPr>
+          <a:xfrm>
+            <a:off x="892249" y="1459528"/>
+            <a:ext cx="4434760" cy="461665"/>
+          </a:xfrm>
+          <a:prstGeom prst="rect">
+            <a:avLst/>
+          </a:prstGeom>
+          <a:noFill/>
+        </p:spPr>
+        <p:txBody>
+          <a:bodyPr wrap="square" rtlCol="0">
+            <a:spAutoFit/>
+          </a:bodyPr>
+          <a:lstStyle/>
+          <a:p>
+            <a:r>
+              <a:rPr lang="en-US" altLang="ko-KR" sz="2400" dirty="0" err="1" smtClean="0"/>
+              <a:t>absdiff</a:t>
+            </a:r>
+            <a:endParaRPr lang="ko-KR" altLang="en-US" sz="2400" dirty="0"/>
+          </a:p>
+        </p:txBody>
+      </p:sp>
+      <p:pic>
+        <p:nvPicPr>
+          <p:cNvPr id="3" name="그림 2"/>
+          <p:cNvPicPr>
+            <a:picLocks noChangeAspect="1"/>
+          </p:cNvPicPr>
+          <p:nvPr/>
+        </p:nvPicPr>
+        <p:blipFill>
+          <a:blip r:embed="rId2">
+            <a:extLst>
+              <a:ext uri="{28A0092B-C50C-407E-A947-70E740481C1C}">
+                <a14:useLocalDpi xmlns:a14="http://schemas.microsoft.com/office/drawing/2010/main" val="0"/>
+              </a:ext>
+            </a:extLst>
+          </a:blip>
+          <a:stretch>
+            <a:fillRect/>
+          </a:stretch>
+        </p:blipFill>
+        <p:spPr>
+          <a:xfrm>
+            <a:off x="892249" y="2346587"/>
+            <a:ext cx="8383817" cy="3272993"/>
+          </a:xfrm>
+          <a:prstGeom prst="rect">
+            <a:avLst/>
+          </a:prstGeom>
+        </p:spPr>
+      </p:pic>
+    </p:spTree>
+    <p:extLst>
+      <p:ext uri="{BB962C8B-B14F-4D97-AF65-F5344CB8AC3E}">
+        <p14:creationId xmlns:p14="http://schemas.microsoft.com/office/powerpoint/2010/main" val="3540842128"/>
+      </p:ext>
+    </p:extLst>
+  </p:cSld>
+  <p:clrMapOvr>
+    <a:masterClrMapping/>
+  </p:clrMapOvr>
+</p:sld>
+</file>
+
+<file path=ppt/slides/slide26.xml><?xml version="1.0" encoding="utf-8"?>
+<p:sld xmlns:a="http://schemas.openxmlformats.org/drawingml/2006/main" xmlns:r="http://schemas.openxmlformats.org/officeDocument/2006/relationships" xmlns:p="http://schemas.openxmlformats.org/presentationml/2006/main">
+  <p:cSld>
+    <p:spTree>
+      <p:nvGrpSpPr>
+        <p:cNvPr id="1" name=""/>
+        <p:cNvGrpSpPr/>
+        <p:nvPr/>
+      </p:nvGrpSpPr>
+      <p:grpSpPr>
+        <a:xfrm>
+          <a:off x="0" y="0"/>
+          <a:ext cx="0" cy="0"/>
+          <a:chOff x="0" y="0"/>
+          <a:chExt cx="0" cy="0"/>
+        </a:xfrm>
+      </p:grpSpPr>
+      <p:sp>
+        <p:nvSpPr>
+          <p:cNvPr id="2" name="제목 1"/>
+          <p:cNvSpPr>
+            <a:spLocks noGrp="1"/>
+          </p:cNvSpPr>
+          <p:nvPr>
+            <p:ph type="title"/>
+          </p:nvPr>
+        </p:nvSpPr>
+        <p:spPr/>
+        <p:txBody>
+          <a:bodyPr/>
+          <a:lstStyle/>
+          <a:p>
+            <a:r>
+              <a:rPr lang="ko-KR" altLang="en-US" dirty="0"/>
+              <a:t>향후 </a:t>
+            </a:r>
+            <a:r>
+              <a:rPr lang="ko-KR" altLang="en-US" dirty="0" smtClean="0"/>
+              <a:t>계획</a:t>
+            </a:r>
+            <a:r>
+              <a:rPr lang="en-US" altLang="ko-KR" dirty="0" smtClean="0"/>
+              <a:t>(</a:t>
+            </a:r>
+            <a:r>
+              <a:rPr lang="ko-KR" altLang="en-US" dirty="0" smtClean="0"/>
+              <a:t>데이터 전처리</a:t>
+            </a:r>
+            <a:r>
+              <a:rPr lang="en-US" altLang="ko-KR" dirty="0" smtClean="0"/>
+              <a:t>)</a:t>
+            </a:r>
+            <a:endParaRPr lang="ko-KR" altLang="en-US" dirty="0"/>
+          </a:p>
+        </p:txBody>
+      </p:sp>
+      <p:pic>
+        <p:nvPicPr>
+          <p:cNvPr id="3" name="그림 2"/>
+          <p:cNvPicPr>
+            <a:picLocks noChangeAspect="1"/>
+          </p:cNvPicPr>
+          <p:nvPr/>
+        </p:nvPicPr>
+        <p:blipFill rotWithShape="1">
+          <a:blip r:embed="rId2">
+            <a:extLst>
+              <a:ext uri="{28A0092B-C50C-407E-A947-70E740481C1C}">
+                <a14:useLocalDpi xmlns:a14="http://schemas.microsoft.com/office/drawing/2010/main" val="0"/>
+              </a:ext>
+            </a:extLst>
+          </a:blip>
+          <a:srcRect t="33272" b="33333"/>
+          <a:stretch/>
+        </p:blipFill>
+        <p:spPr>
+          <a:xfrm>
+            <a:off x="892249" y="3070479"/>
+            <a:ext cx="4061298" cy="2290193"/>
+          </a:xfrm>
+          <a:prstGeom prst="rect">
+            <a:avLst/>
+          </a:prstGeom>
+        </p:spPr>
+      </p:pic>
+      <p:pic>
+        <p:nvPicPr>
+          <p:cNvPr id="4" name="그림 3"/>
+          <p:cNvPicPr>
+            <a:picLocks noChangeAspect="1"/>
+          </p:cNvPicPr>
+          <p:nvPr/>
+        </p:nvPicPr>
+        <p:blipFill rotWithShape="1">
+          <a:blip r:embed="rId2">
+            <a:extLst>
+              <a:ext uri="{28A0092B-C50C-407E-A947-70E740481C1C}">
+                <a14:useLocalDpi xmlns:a14="http://schemas.microsoft.com/office/drawing/2010/main" val="0"/>
+              </a:ext>
+            </a:extLst>
+          </a:blip>
+          <a:srcRect l="-413" t="66544" r="413" b="-61"/>
+          <a:stretch/>
+        </p:blipFill>
+        <p:spPr>
+          <a:xfrm>
+            <a:off x="4953547" y="3062090"/>
+            <a:ext cx="4061298" cy="2298582"/>
+          </a:xfrm>
+          <a:prstGeom prst="rect">
+            <a:avLst/>
+          </a:prstGeom>
+        </p:spPr>
+      </p:pic>
+      <p:sp>
+        <p:nvSpPr>
+          <p:cNvPr id="5" name="TextBox 4"/>
+          <p:cNvSpPr txBox="1"/>
+          <p:nvPr/>
+        </p:nvSpPr>
+        <p:spPr>
+          <a:xfrm>
+            <a:off x="892249" y="1459528"/>
+            <a:ext cx="4434760" cy="461665"/>
+          </a:xfrm>
+          <a:prstGeom prst="rect">
+            <a:avLst/>
+          </a:prstGeom>
+          <a:noFill/>
+        </p:spPr>
+        <p:txBody>
+          <a:bodyPr wrap="square" rtlCol="0">
+            <a:spAutoFit/>
+          </a:bodyPr>
+          <a:lstStyle/>
+          <a:p>
+            <a:r>
+              <a:rPr lang="en-US" altLang="ko-KR" sz="2400" dirty="0"/>
+              <a:t>Sobel Edge </a:t>
+            </a:r>
+            <a:r>
+              <a:rPr lang="en-US" altLang="ko-KR" sz="2400" dirty="0" smtClean="0"/>
+              <a:t>Detection</a:t>
+            </a:r>
+            <a:endParaRPr lang="ko-KR" altLang="en-US" sz="2400" dirty="0"/>
+          </a:p>
+        </p:txBody>
+      </p:sp>
+      <p:sp>
+        <p:nvSpPr>
+          <p:cNvPr id="6" name="TextBox 5"/>
+          <p:cNvSpPr txBox="1"/>
+          <p:nvPr/>
+        </p:nvSpPr>
+        <p:spPr>
+          <a:xfrm>
+            <a:off x="9185089" y="3815387"/>
+            <a:ext cx="2651777" cy="923330"/>
+          </a:xfrm>
+          <a:prstGeom prst="rect">
+            <a:avLst/>
+          </a:prstGeom>
+          <a:noFill/>
+        </p:spPr>
+        <p:txBody>
+          <a:bodyPr wrap="square" rtlCol="0">
+            <a:spAutoFit/>
+          </a:bodyPr>
+          <a:lstStyle/>
+          <a:p>
+            <a:r>
+              <a:rPr lang="ko-KR" altLang="en-US" dirty="0"/>
+              <a:t>이미지에서 가장자리를 감지하는 데 사용되는 알고리즘</a:t>
+            </a:r>
+            <a:endParaRPr lang="ko-KR" altLang="en-US" dirty="0"/>
+          </a:p>
+        </p:txBody>
+      </p:sp>
+    </p:spTree>
+    <p:extLst>
+      <p:ext uri="{BB962C8B-B14F-4D97-AF65-F5344CB8AC3E}">
+        <p14:creationId xmlns:p14="http://schemas.microsoft.com/office/powerpoint/2010/main" val="2923243253"/>
+      </p:ext>
+    </p:extLst>
+  </p:cSld>
+  <p:clrMapOvr>
+    <a:masterClrMapping/>
+  </p:clrMapOvr>
+</p:sld>
+</file>
+
+<file path=ppt/slides/slide27.xml><?xml version="1.0" encoding="utf-8"?>
+<p:sld xmlns:a="http://schemas.openxmlformats.org/drawingml/2006/main" xmlns:r="http://schemas.openxmlformats.org/officeDocument/2006/relationships" xmlns:p="http://schemas.openxmlformats.org/presentationml/2006/main">
+  <p:cSld>
+    <p:spTree>
+      <p:nvGrpSpPr>
+        <p:cNvPr id="1" name=""/>
+        <p:cNvGrpSpPr/>
+        <p:nvPr/>
+      </p:nvGrpSpPr>
+      <p:grpSpPr>
+        <a:xfrm>
+          <a:off x="0" y="0"/>
+          <a:ext cx="0" cy="0"/>
+          <a:chOff x="0" y="0"/>
+          <a:chExt cx="0" cy="0"/>
+        </a:xfrm>
+      </p:grpSpPr>
+      <p:sp>
+        <p:nvSpPr>
+          <p:cNvPr id="2" name="제목 1"/>
+          <p:cNvSpPr>
+            <a:spLocks noGrp="1"/>
+          </p:cNvSpPr>
+          <p:nvPr>
+            <p:ph type="title"/>
+          </p:nvPr>
+        </p:nvSpPr>
+        <p:spPr/>
+        <p:txBody>
+          <a:bodyPr/>
+          <a:lstStyle/>
+          <a:p>
+            <a:r>
+              <a:rPr lang="ko-KR" altLang="en-US" dirty="0"/>
+              <a:t>향후 </a:t>
+            </a:r>
+            <a:r>
+              <a:rPr lang="ko-KR" altLang="en-US" dirty="0" smtClean="0"/>
+              <a:t>계획</a:t>
+            </a:r>
+            <a:r>
+              <a:rPr lang="en-US" altLang="ko-KR" dirty="0" smtClean="0"/>
+              <a:t>(</a:t>
+            </a:r>
+            <a:r>
+              <a:rPr lang="ko-KR" altLang="en-US" dirty="0" smtClean="0"/>
+              <a:t>데이터 전처리</a:t>
+            </a:r>
+            <a:r>
+              <a:rPr lang="en-US" altLang="ko-KR" dirty="0" smtClean="0"/>
+              <a:t>)</a:t>
+            </a:r>
+            <a:endParaRPr lang="ko-KR" altLang="en-US" dirty="0"/>
+          </a:p>
+        </p:txBody>
+      </p:sp>
+      <p:pic>
+        <p:nvPicPr>
+          <p:cNvPr id="4" name="그림 3"/>
+          <p:cNvPicPr>
+            <a:picLocks noChangeAspect="1"/>
+          </p:cNvPicPr>
+          <p:nvPr/>
+        </p:nvPicPr>
+        <p:blipFill>
+          <a:blip r:embed="rId2">
+            <a:extLst>
+              <a:ext uri="{28A0092B-C50C-407E-A947-70E740481C1C}">
+                <a14:useLocalDpi xmlns:a14="http://schemas.microsoft.com/office/drawing/2010/main" val="0"/>
+              </a:ext>
+            </a:extLst>
+          </a:blip>
+          <a:stretch>
+            <a:fillRect/>
+          </a:stretch>
+        </p:blipFill>
+        <p:spPr>
+          <a:xfrm>
+            <a:off x="892249" y="2102744"/>
+            <a:ext cx="8011450" cy="4348617"/>
+          </a:xfrm>
+          <a:prstGeom prst="rect">
+            <a:avLst/>
+          </a:prstGeom>
+        </p:spPr>
+      </p:pic>
+      <p:sp>
+        <p:nvSpPr>
+          <p:cNvPr id="5" name="TextBox 4"/>
+          <p:cNvSpPr txBox="1"/>
+          <p:nvPr/>
+        </p:nvSpPr>
+        <p:spPr>
+          <a:xfrm>
+            <a:off x="892249" y="1459528"/>
+            <a:ext cx="4434760" cy="461665"/>
+          </a:xfrm>
+          <a:prstGeom prst="rect">
+            <a:avLst/>
+          </a:prstGeom>
+          <a:noFill/>
+        </p:spPr>
+        <p:txBody>
+          <a:bodyPr wrap="square" rtlCol="0">
+            <a:spAutoFit/>
+          </a:bodyPr>
+          <a:lstStyle/>
+          <a:p>
+            <a:r>
+              <a:rPr lang="en-US" altLang="ko-KR" sz="2400" dirty="0"/>
+              <a:t>Canny Edge Detection</a:t>
+            </a:r>
+            <a:endParaRPr lang="ko-KR" altLang="en-US" sz="2400" dirty="0"/>
+          </a:p>
+        </p:txBody>
+      </p:sp>
+      <p:sp>
+        <p:nvSpPr>
+          <p:cNvPr id="6" name="TextBox 5"/>
+          <p:cNvSpPr txBox="1"/>
+          <p:nvPr/>
+        </p:nvSpPr>
+        <p:spPr>
+          <a:xfrm>
+            <a:off x="9185089" y="3815387"/>
+            <a:ext cx="2651777" cy="923330"/>
+          </a:xfrm>
+          <a:prstGeom prst="rect">
+            <a:avLst/>
+          </a:prstGeom>
+          <a:noFill/>
+        </p:spPr>
+        <p:txBody>
+          <a:bodyPr wrap="square" rtlCol="0">
+            <a:spAutoFit/>
+          </a:bodyPr>
+          <a:lstStyle/>
+          <a:p>
+            <a:r>
+              <a:rPr lang="ko-KR" altLang="en-US" dirty="0"/>
+              <a:t>이미지에서 가장자리를 감지하는 데 사용되는 알고리즘</a:t>
+            </a:r>
+            <a:endParaRPr lang="ko-KR" altLang="en-US" dirty="0"/>
+          </a:p>
+        </p:txBody>
+      </p:sp>
+    </p:spTree>
+    <p:extLst>
+      <p:ext uri="{BB962C8B-B14F-4D97-AF65-F5344CB8AC3E}">
+        <p14:creationId xmlns:p14="http://schemas.microsoft.com/office/powerpoint/2010/main" val="2375197408"/>
+      </p:ext>
+    </p:extLst>
+  </p:cSld>
+  <p:clrMapOvr>
+    <a:masterClrMapping/>
+  </p:clrMapOvr>
+</p:sld>
+</file>
+
+<file path=ppt/slides/slide28.xml><?xml version="1.0" encoding="utf-8"?>
+<p:sld xmlns:a="http://schemas.openxmlformats.org/drawingml/2006/main" xmlns:r="http://schemas.openxmlformats.org/officeDocument/2006/relationships" xmlns:p="http://schemas.openxmlformats.org/presentationml/2006/main">
+  <p:cSld>
+    <p:spTree>
+      <p:nvGrpSpPr>
+        <p:cNvPr id="1" name=""/>
+        <p:cNvGrpSpPr/>
+        <p:nvPr/>
+      </p:nvGrpSpPr>
+      <p:grpSpPr>
+        <a:xfrm>
+          <a:off x="0" y="0"/>
+          <a:ext cx="0" cy="0"/>
+          <a:chOff x="0" y="0"/>
+          <a:chExt cx="0" cy="0"/>
+        </a:xfrm>
+      </p:grpSpPr>
+      <p:sp>
+        <p:nvSpPr>
+          <p:cNvPr id="3" name="제목 2"/>
+          <p:cNvSpPr>
+            <a:spLocks noGrp="1"/>
+          </p:cNvSpPr>
+          <p:nvPr>
+            <p:ph type="title"/>
+          </p:nvPr>
+        </p:nvSpPr>
+        <p:spPr/>
+        <p:txBody>
+          <a:bodyPr/>
+          <a:lstStyle/>
+          <a:p>
+            <a:r>
+              <a:rPr lang="ko-KR" altLang="en-US" dirty="0" smtClean="0"/>
+              <a:t>감사합니다</a:t>
+            </a:r>
+            <a:endParaRPr lang="ko-KR" altLang="en-US" dirty="0"/>
+          </a:p>
+        </p:txBody>
+      </p:sp>
+    </p:spTree>
+    <p:extLst>
+      <p:ext uri="{BB962C8B-B14F-4D97-AF65-F5344CB8AC3E}">
+        <p14:creationId xmlns:p14="http://schemas.microsoft.com/office/powerpoint/2010/main" val="2935082792"/>
+      </p:ext>
+    </p:extLst>
+  </p:cSld>
+  <p:clrMapOvr>
+    <a:masterClrMapping/>
+  </p:clrMapOvr>
+</p:sld>
+</file>
+
 <file path=ppt/slides/slide3.xml><?xml version="1.0" encoding="utf-8"?>
 <p:sld xmlns:a="http://schemas.openxmlformats.org/drawingml/2006/main" xmlns:r="http://schemas.openxmlformats.org/officeDocument/2006/relationships" xmlns:p="http://schemas.openxmlformats.org/presentationml/2006/main">
   <p:cSld>
@@ -4738,8 +7755,8 @@
         </p:nvSpPr>
         <p:spPr>
           <a:xfrm>
-            <a:off x="2941988" y="5812065"/>
-            <a:ext cx="6308024" cy="584775"/>
+            <a:off x="2160290" y="5812065"/>
+            <a:ext cx="7871421" cy="584775"/>
           </a:xfrm>
           <a:prstGeom prst="rect">
             <a:avLst/>
@@ -4770,7 +7787,7 @@
             </a:r>
             <a:r>
               <a:rPr lang="ko-KR" altLang="en-US" sz="3200" dirty="0" smtClean="0"/>
-              <a:t>와의 차이</a:t>
+              <a:t>와의 차이를 시각화</a:t>
             </a:r>
             <a:endParaRPr lang="ko-KR" altLang="en-US" sz="3200" dirty="0"/>
           </a:p>
@@ -4868,6 +7885,585 @@
       </p:grpSpPr>
       <p:sp>
         <p:nvSpPr>
+          <p:cNvPr id="2" name="제목 1"/>
+          <p:cNvSpPr>
+            <a:spLocks noGrp="1"/>
+          </p:cNvSpPr>
+          <p:nvPr>
+            <p:ph type="title"/>
+          </p:nvPr>
+        </p:nvSpPr>
+        <p:spPr/>
+        <p:txBody>
+          <a:bodyPr/>
+          <a:lstStyle/>
+          <a:p>
+            <a:r>
+              <a:rPr lang="ko-KR" altLang="en-US" dirty="0" smtClean="0"/>
+              <a:t>데이터 전처리</a:t>
+            </a:r>
+            <a:endParaRPr lang="ko-KR" altLang="en-US" dirty="0"/>
+          </a:p>
+        </p:txBody>
+      </p:sp>
+      <p:pic>
+        <p:nvPicPr>
+          <p:cNvPr id="3" name="그림 2"/>
+          <p:cNvPicPr>
+            <a:picLocks noChangeAspect="1"/>
+          </p:cNvPicPr>
+          <p:nvPr/>
+        </p:nvPicPr>
+        <p:blipFill>
+          <a:blip r:embed="rId2">
+            <a:extLst>
+              <a:ext uri="{28A0092B-C50C-407E-A947-70E740481C1C}">
+                <a14:useLocalDpi xmlns:a14="http://schemas.microsoft.com/office/drawing/2010/main" val="0"/>
+              </a:ext>
+            </a:extLst>
+          </a:blip>
+          <a:stretch>
+            <a:fillRect/>
+          </a:stretch>
+        </p:blipFill>
+        <p:spPr>
+          <a:xfrm>
+            <a:off x="1782305" y="2367123"/>
+            <a:ext cx="3240000" cy="3240000"/>
+          </a:xfrm>
+          <a:prstGeom prst="rect">
+            <a:avLst/>
+          </a:prstGeom>
+        </p:spPr>
+      </p:pic>
+      <p:sp>
+        <p:nvSpPr>
+          <p:cNvPr id="4" name="TextBox 3"/>
+          <p:cNvSpPr txBox="1"/>
+          <p:nvPr/>
+        </p:nvSpPr>
+        <p:spPr>
+          <a:xfrm>
+            <a:off x="893970" y="1459528"/>
+            <a:ext cx="2214552" cy="369332"/>
+          </a:xfrm>
+          <a:prstGeom prst="rect">
+            <a:avLst/>
+          </a:prstGeom>
+          <a:noFill/>
+        </p:spPr>
+        <p:txBody>
+          <a:bodyPr wrap="square" rtlCol="0">
+            <a:spAutoFit/>
+          </a:bodyPr>
+          <a:lstStyle/>
+          <a:p>
+            <a:r>
+              <a:rPr lang="en-US" altLang="ko-KR" dirty="0"/>
+              <a:t>D</a:t>
+            </a:r>
+            <a:r>
+              <a:rPr lang="en-US" altLang="ko-KR" dirty="0" smtClean="0"/>
+              <a:t>ata</a:t>
+            </a:r>
+            <a:r>
+              <a:rPr lang="ko-KR" altLang="en-US" dirty="0" smtClean="0"/>
+              <a:t> </a:t>
+            </a:r>
+            <a:r>
+              <a:rPr lang="en-US" altLang="ko-KR" dirty="0"/>
+              <a:t>S</a:t>
+            </a:r>
+            <a:r>
+              <a:rPr lang="en-US" altLang="ko-KR" dirty="0" smtClean="0"/>
+              <a:t>licing</a:t>
+            </a:r>
+            <a:endParaRPr lang="ko-KR" altLang="en-US" dirty="0"/>
+          </a:p>
+        </p:txBody>
+      </p:sp>
+      <p:sp>
+        <p:nvSpPr>
+          <p:cNvPr id="5" name="액자 4"/>
+          <p:cNvSpPr/>
+          <p:nvPr/>
+        </p:nvSpPr>
+        <p:spPr>
+          <a:xfrm>
+            <a:off x="3277034" y="3450372"/>
+            <a:ext cx="536751" cy="536751"/>
+          </a:xfrm>
+          <a:prstGeom prst="frame">
+            <a:avLst/>
+          </a:prstGeom>
+          <a:solidFill>
+            <a:srgbClr val="FF0000"/>
+          </a:solidFill>
+          <a:ln>
+            <a:noFill/>
+          </a:ln>
+        </p:spPr>
+        <p:style>
+          <a:lnRef idx="2">
+            <a:schemeClr val="accent1">
+              <a:shade val="50000"/>
+            </a:schemeClr>
+          </a:lnRef>
+          <a:fillRef idx="1">
+            <a:schemeClr val="accent1"/>
+          </a:fillRef>
+          <a:effectRef idx="0">
+            <a:schemeClr val="accent1"/>
+          </a:effectRef>
+          <a:fontRef idx="minor">
+            <a:schemeClr val="lt1"/>
+          </a:fontRef>
+        </p:style>
+        <p:txBody>
+          <a:bodyPr rtlCol="0" anchor="ctr"/>
+          <a:lstStyle/>
+          <a:p>
+            <a:pPr algn="ctr"/>
+            <a:endParaRPr lang="ko-KR" altLang="en-US">
+              <a:solidFill>
+                <a:schemeClr val="tx1"/>
+              </a:solidFill>
+            </a:endParaRPr>
+          </a:p>
+        </p:txBody>
+      </p:sp>
+      <p:sp>
+        <p:nvSpPr>
+          <p:cNvPr id="6" name="액자 5"/>
+          <p:cNvSpPr/>
+          <p:nvPr/>
+        </p:nvSpPr>
+        <p:spPr>
+          <a:xfrm>
+            <a:off x="3827759" y="2398873"/>
+            <a:ext cx="335311" cy="335311"/>
+          </a:xfrm>
+          <a:prstGeom prst="frame">
+            <a:avLst/>
+          </a:prstGeom>
+          <a:solidFill>
+            <a:srgbClr val="FF0000"/>
+          </a:solidFill>
+          <a:ln>
+            <a:noFill/>
+          </a:ln>
+        </p:spPr>
+        <p:style>
+          <a:lnRef idx="2">
+            <a:schemeClr val="accent1">
+              <a:shade val="50000"/>
+            </a:schemeClr>
+          </a:lnRef>
+          <a:fillRef idx="1">
+            <a:schemeClr val="accent1"/>
+          </a:fillRef>
+          <a:effectRef idx="0">
+            <a:schemeClr val="accent1"/>
+          </a:effectRef>
+          <a:fontRef idx="minor">
+            <a:schemeClr val="lt1"/>
+          </a:fontRef>
+        </p:style>
+        <p:txBody>
+          <a:bodyPr rtlCol="0" anchor="ctr"/>
+          <a:lstStyle/>
+          <a:p>
+            <a:pPr algn="ctr"/>
+            <a:endParaRPr lang="ko-KR" altLang="en-US">
+              <a:solidFill>
+                <a:schemeClr val="tx1"/>
+              </a:solidFill>
+            </a:endParaRPr>
+          </a:p>
+        </p:txBody>
+      </p:sp>
+      <p:sp>
+        <p:nvSpPr>
+          <p:cNvPr id="7" name="액자 6"/>
+          <p:cNvSpPr/>
+          <p:nvPr/>
+        </p:nvSpPr>
+        <p:spPr>
+          <a:xfrm>
+            <a:off x="4192239" y="2373473"/>
+            <a:ext cx="335311" cy="335311"/>
+          </a:xfrm>
+          <a:prstGeom prst="frame">
+            <a:avLst/>
+          </a:prstGeom>
+          <a:solidFill>
+            <a:srgbClr val="FF0000"/>
+          </a:solidFill>
+          <a:ln>
+            <a:noFill/>
+          </a:ln>
+        </p:spPr>
+        <p:style>
+          <a:lnRef idx="2">
+            <a:schemeClr val="accent1">
+              <a:shade val="50000"/>
+            </a:schemeClr>
+          </a:lnRef>
+          <a:fillRef idx="1">
+            <a:schemeClr val="accent1"/>
+          </a:fillRef>
+          <a:effectRef idx="0">
+            <a:schemeClr val="accent1"/>
+          </a:effectRef>
+          <a:fontRef idx="minor">
+            <a:schemeClr val="lt1"/>
+          </a:fontRef>
+        </p:style>
+        <p:txBody>
+          <a:bodyPr rtlCol="0" anchor="ctr"/>
+          <a:lstStyle/>
+          <a:p>
+            <a:pPr algn="ctr"/>
+            <a:endParaRPr lang="ko-KR" altLang="en-US">
+              <a:solidFill>
+                <a:schemeClr val="tx1"/>
+              </a:solidFill>
+            </a:endParaRPr>
+          </a:p>
+        </p:txBody>
+      </p:sp>
+      <p:sp>
+        <p:nvSpPr>
+          <p:cNvPr id="8" name="액자 7"/>
+          <p:cNvSpPr/>
+          <p:nvPr/>
+        </p:nvSpPr>
+        <p:spPr>
+          <a:xfrm>
+            <a:off x="2865554" y="3890216"/>
+            <a:ext cx="536751" cy="536751"/>
+          </a:xfrm>
+          <a:prstGeom prst="frame">
+            <a:avLst/>
+          </a:prstGeom>
+          <a:solidFill>
+            <a:srgbClr val="FF0000"/>
+          </a:solidFill>
+          <a:ln>
+            <a:noFill/>
+          </a:ln>
+        </p:spPr>
+        <p:style>
+          <a:lnRef idx="2">
+            <a:schemeClr val="accent1">
+              <a:shade val="50000"/>
+            </a:schemeClr>
+          </a:lnRef>
+          <a:fillRef idx="1">
+            <a:schemeClr val="accent1"/>
+          </a:fillRef>
+          <a:effectRef idx="0">
+            <a:schemeClr val="accent1"/>
+          </a:effectRef>
+          <a:fontRef idx="minor">
+            <a:schemeClr val="lt1"/>
+          </a:fontRef>
+        </p:style>
+        <p:txBody>
+          <a:bodyPr rtlCol="0" anchor="ctr"/>
+          <a:lstStyle/>
+          <a:p>
+            <a:pPr algn="ctr"/>
+            <a:endParaRPr lang="ko-KR" altLang="en-US">
+              <a:solidFill>
+                <a:schemeClr val="tx1"/>
+              </a:solidFill>
+            </a:endParaRPr>
+          </a:p>
+        </p:txBody>
+      </p:sp>
+      <p:sp>
+        <p:nvSpPr>
+          <p:cNvPr id="9" name="액자 8"/>
+          <p:cNvSpPr/>
+          <p:nvPr/>
+        </p:nvSpPr>
+        <p:spPr>
+          <a:xfrm>
+            <a:off x="3926141" y="4424183"/>
+            <a:ext cx="536751" cy="536751"/>
+          </a:xfrm>
+          <a:prstGeom prst="frame">
+            <a:avLst/>
+          </a:prstGeom>
+          <a:solidFill>
+            <a:srgbClr val="FF0000"/>
+          </a:solidFill>
+          <a:ln>
+            <a:noFill/>
+          </a:ln>
+        </p:spPr>
+        <p:style>
+          <a:lnRef idx="2">
+            <a:schemeClr val="accent1">
+              <a:shade val="50000"/>
+            </a:schemeClr>
+          </a:lnRef>
+          <a:fillRef idx="1">
+            <a:schemeClr val="accent1"/>
+          </a:fillRef>
+          <a:effectRef idx="0">
+            <a:schemeClr val="accent1"/>
+          </a:effectRef>
+          <a:fontRef idx="minor">
+            <a:schemeClr val="lt1"/>
+          </a:fontRef>
+        </p:style>
+        <p:txBody>
+          <a:bodyPr rtlCol="0" anchor="ctr"/>
+          <a:lstStyle/>
+          <a:p>
+            <a:pPr algn="ctr"/>
+            <a:endParaRPr lang="ko-KR" altLang="en-US">
+              <a:solidFill>
+                <a:schemeClr val="tx1"/>
+              </a:solidFill>
+            </a:endParaRPr>
+          </a:p>
+        </p:txBody>
+      </p:sp>
+      <p:sp>
+        <p:nvSpPr>
+          <p:cNvPr id="10" name="액자 9"/>
+          <p:cNvSpPr/>
+          <p:nvPr/>
+        </p:nvSpPr>
+        <p:spPr>
+          <a:xfrm>
+            <a:off x="2344085" y="2934040"/>
+            <a:ext cx="536751" cy="536751"/>
+          </a:xfrm>
+          <a:prstGeom prst="frame">
+            <a:avLst/>
+          </a:prstGeom>
+          <a:solidFill>
+            <a:srgbClr val="FF0000"/>
+          </a:solidFill>
+          <a:ln>
+            <a:noFill/>
+          </a:ln>
+        </p:spPr>
+        <p:style>
+          <a:lnRef idx="2">
+            <a:schemeClr val="accent1">
+              <a:shade val="50000"/>
+            </a:schemeClr>
+          </a:lnRef>
+          <a:fillRef idx="1">
+            <a:schemeClr val="accent1"/>
+          </a:fillRef>
+          <a:effectRef idx="0">
+            <a:schemeClr val="accent1"/>
+          </a:effectRef>
+          <a:fontRef idx="minor">
+            <a:schemeClr val="lt1"/>
+          </a:fontRef>
+        </p:style>
+        <p:txBody>
+          <a:bodyPr rtlCol="0" anchor="ctr"/>
+          <a:lstStyle/>
+          <a:p>
+            <a:pPr algn="ctr"/>
+            <a:endParaRPr lang="ko-KR" altLang="en-US">
+              <a:solidFill>
+                <a:schemeClr val="tx1"/>
+              </a:solidFill>
+            </a:endParaRPr>
+          </a:p>
+        </p:txBody>
+      </p:sp>
+      <p:sp>
+        <p:nvSpPr>
+          <p:cNvPr id="11" name="액자 10"/>
+          <p:cNvSpPr/>
+          <p:nvPr/>
+        </p:nvSpPr>
+        <p:spPr>
+          <a:xfrm>
+            <a:off x="2061195" y="4539784"/>
+            <a:ext cx="536751" cy="536751"/>
+          </a:xfrm>
+          <a:prstGeom prst="frame">
+            <a:avLst/>
+          </a:prstGeom>
+          <a:solidFill>
+            <a:srgbClr val="FF0000"/>
+          </a:solidFill>
+          <a:ln>
+            <a:noFill/>
+          </a:ln>
+        </p:spPr>
+        <p:style>
+          <a:lnRef idx="2">
+            <a:schemeClr val="accent1">
+              <a:shade val="50000"/>
+            </a:schemeClr>
+          </a:lnRef>
+          <a:fillRef idx="1">
+            <a:schemeClr val="accent1"/>
+          </a:fillRef>
+          <a:effectRef idx="0">
+            <a:schemeClr val="accent1"/>
+          </a:effectRef>
+          <a:fontRef idx="minor">
+            <a:schemeClr val="lt1"/>
+          </a:fontRef>
+        </p:style>
+        <p:txBody>
+          <a:bodyPr rtlCol="0" anchor="ctr"/>
+          <a:lstStyle/>
+          <a:p>
+            <a:pPr algn="ctr"/>
+            <a:endParaRPr lang="ko-KR" altLang="en-US">
+              <a:solidFill>
+                <a:schemeClr val="tx1"/>
+              </a:solidFill>
+            </a:endParaRPr>
+          </a:p>
+        </p:txBody>
+      </p:sp>
+      <p:sp>
+        <p:nvSpPr>
+          <p:cNvPr id="12" name="액자 11"/>
+          <p:cNvSpPr/>
+          <p:nvPr/>
+        </p:nvSpPr>
+        <p:spPr>
+          <a:xfrm>
+            <a:off x="4361569" y="3582354"/>
+            <a:ext cx="536751" cy="536751"/>
+          </a:xfrm>
+          <a:prstGeom prst="frame">
+            <a:avLst/>
+          </a:prstGeom>
+          <a:solidFill>
+            <a:srgbClr val="FF0000"/>
+          </a:solidFill>
+          <a:ln>
+            <a:noFill/>
+          </a:ln>
+        </p:spPr>
+        <p:style>
+          <a:lnRef idx="2">
+            <a:schemeClr val="accent1">
+              <a:shade val="50000"/>
+            </a:schemeClr>
+          </a:lnRef>
+          <a:fillRef idx="1">
+            <a:schemeClr val="accent1"/>
+          </a:fillRef>
+          <a:effectRef idx="0">
+            <a:schemeClr val="accent1"/>
+          </a:effectRef>
+          <a:fontRef idx="minor">
+            <a:schemeClr val="lt1"/>
+          </a:fontRef>
+        </p:style>
+        <p:txBody>
+          <a:bodyPr rtlCol="0" anchor="ctr"/>
+          <a:lstStyle/>
+          <a:p>
+            <a:pPr algn="ctr"/>
+            <a:endParaRPr lang="ko-KR" altLang="en-US">
+              <a:solidFill>
+                <a:schemeClr val="tx1"/>
+              </a:solidFill>
+            </a:endParaRPr>
+          </a:p>
+        </p:txBody>
+      </p:sp>
+      <p:sp>
+        <p:nvSpPr>
+          <p:cNvPr id="13" name="액자 12"/>
+          <p:cNvSpPr/>
+          <p:nvPr/>
+        </p:nvSpPr>
+        <p:spPr>
+          <a:xfrm>
+            <a:off x="3913894" y="3782379"/>
+            <a:ext cx="534281" cy="751521"/>
+          </a:xfrm>
+          <a:prstGeom prst="frame">
+            <a:avLst/>
+          </a:prstGeom>
+          <a:solidFill>
+            <a:srgbClr val="FF0000"/>
+          </a:solidFill>
+          <a:ln>
+            <a:noFill/>
+          </a:ln>
+        </p:spPr>
+        <p:style>
+          <a:lnRef idx="2">
+            <a:schemeClr val="accent1">
+              <a:shade val="50000"/>
+            </a:schemeClr>
+          </a:lnRef>
+          <a:fillRef idx="1">
+            <a:schemeClr val="accent1"/>
+          </a:fillRef>
+          <a:effectRef idx="0">
+            <a:schemeClr val="accent1"/>
+          </a:effectRef>
+          <a:fontRef idx="minor">
+            <a:schemeClr val="lt1"/>
+          </a:fontRef>
+        </p:style>
+        <p:txBody>
+          <a:bodyPr rtlCol="0" anchor="ctr"/>
+          <a:lstStyle/>
+          <a:p>
+            <a:pPr algn="ctr"/>
+            <a:endParaRPr lang="ko-KR" altLang="en-US">
+              <a:solidFill>
+                <a:schemeClr val="tx1"/>
+              </a:solidFill>
+            </a:endParaRPr>
+          </a:p>
+        </p:txBody>
+      </p:sp>
+    </p:spTree>
+    <p:extLst>
+      <p:ext uri="{BB962C8B-B14F-4D97-AF65-F5344CB8AC3E}">
+        <p14:creationId xmlns:p14="http://schemas.microsoft.com/office/powerpoint/2010/main" val="1602254624"/>
+      </p:ext>
+    </p:extLst>
+  </p:cSld>
+  <p:clrMapOvr>
+    <a:masterClrMapping/>
+  </p:clrMapOvr>
+</p:sld>
+</file>
+
+<file path=ppt/slides/slide5.xml><?xml version="1.0" encoding="utf-8"?>
+<p:sld xmlns:a="http://schemas.openxmlformats.org/drawingml/2006/main" xmlns:r="http://schemas.openxmlformats.org/officeDocument/2006/relationships" xmlns:p="http://schemas.openxmlformats.org/presentationml/2006/main">
+  <p:cSld>
+    <p:spTree>
+      <p:nvGrpSpPr>
+        <p:cNvPr id="1" name=""/>
+        <p:cNvGrpSpPr/>
+        <p:nvPr/>
+      </p:nvGrpSpPr>
+      <p:grpSpPr>
+        <a:xfrm>
+          <a:off x="0" y="0"/>
+          <a:ext cx="0" cy="0"/>
+          <a:chOff x="0" y="0"/>
+          <a:chExt cx="0" cy="0"/>
+        </a:xfrm>
+      </p:grpSpPr>
+      <p:sp>
+        <p:nvSpPr>
           <p:cNvPr id="4" name="제목 3"/>
           <p:cNvSpPr>
             <a:spLocks noGrp="1"/>
@@ -5259,7 +8855,7 @@
 </p:sld>
 </file>
 
-<file path=ppt/slides/slide5.xml><?xml version="1.0" encoding="utf-8"?>
+<file path=ppt/slides/slide6.xml><?xml version="1.0" encoding="utf-8"?>
 <p:sld xmlns:a="http://schemas.openxmlformats.org/drawingml/2006/main" xmlns:r="http://schemas.openxmlformats.org/officeDocument/2006/relationships" xmlns:p="http://schemas.openxmlformats.org/presentationml/2006/main">
   <p:cSld>
     <p:spTree>
@@ -5592,7 +9188,7 @@
 </p:sld>
 </file>
 
-<file path=ppt/slides/slide6.xml><?xml version="1.0" encoding="utf-8"?>
+<file path=ppt/slides/slide7.xml><?xml version="1.0" encoding="utf-8"?>
 <p:sld xmlns:a="http://schemas.openxmlformats.org/drawingml/2006/main" xmlns:r="http://schemas.openxmlformats.org/officeDocument/2006/relationships" xmlns:p="http://schemas.openxmlformats.org/presentationml/2006/main">
   <p:cSld>
     <p:spTree>
@@ -5926,7 +9522,7 @@
 </p:sld>
 </file>
 
-<file path=ppt/slides/slide7.xml><?xml version="1.0" encoding="utf-8"?>
+<file path=ppt/slides/slide8.xml><?xml version="1.0" encoding="utf-8"?>
 <p:sld xmlns:a="http://schemas.openxmlformats.org/drawingml/2006/main" xmlns:r="http://schemas.openxmlformats.org/officeDocument/2006/relationships" xmlns:p="http://schemas.openxmlformats.org/presentationml/2006/main">
   <p:cSld>
     <p:spTree>
@@ -6310,7 +9906,7 @@
 </p:sld>
 </file>
 
-<file path=ppt/slides/slide8.xml><?xml version="1.0" encoding="utf-8"?>
+<file path=ppt/slides/slide9.xml><?xml version="1.0" encoding="utf-8"?>
 <p:sld xmlns:a="http://schemas.openxmlformats.org/drawingml/2006/main" xmlns:r="http://schemas.openxmlformats.org/officeDocument/2006/relationships" xmlns:p="http://schemas.openxmlformats.org/presentationml/2006/main">
   <p:cSld>
     <p:spTree>
@@ -6642,436 +10238,6 @@
     <p:extLst>
       <p:ext uri="{BB962C8B-B14F-4D97-AF65-F5344CB8AC3E}">
         <p14:creationId xmlns:p14="http://schemas.microsoft.com/office/powerpoint/2010/main" val="813194774"/>
-      </p:ext>
-    </p:extLst>
-  </p:cSld>
-  <p:clrMapOvr>
-    <a:masterClrMapping/>
-  </p:clrMapOvr>
-</p:sld>
-</file>
-
-<file path=ppt/slides/slide9.xml><?xml version="1.0" encoding="utf-8"?>
-<p:sld xmlns:a="http://schemas.openxmlformats.org/drawingml/2006/main" xmlns:r="http://schemas.openxmlformats.org/officeDocument/2006/relationships" xmlns:p="http://schemas.openxmlformats.org/presentationml/2006/main">
-  <p:cSld>
-    <p:spTree>
-      <p:nvGrpSpPr>
-        <p:cNvPr id="1" name=""/>
-        <p:cNvGrpSpPr/>
-        <p:nvPr/>
-      </p:nvGrpSpPr>
-      <p:grpSpPr>
-        <a:xfrm>
-          <a:off x="0" y="0"/>
-          <a:ext cx="0" cy="0"/>
-          <a:chOff x="0" y="0"/>
-          <a:chExt cx="0" cy="0"/>
-        </a:xfrm>
-      </p:grpSpPr>
-      <p:sp>
-        <p:nvSpPr>
-          <p:cNvPr id="4" name="제목 3"/>
-          <p:cNvSpPr>
-            <a:spLocks noGrp="1"/>
-          </p:cNvSpPr>
-          <p:nvPr>
-            <p:ph type="title"/>
-          </p:nvPr>
-        </p:nvSpPr>
-        <p:spPr/>
-        <p:txBody>
-          <a:bodyPr/>
-          <a:lstStyle/>
-          <a:p>
-            <a:r>
-              <a:rPr lang="ko-KR" altLang="en-US" dirty="0" smtClean="0"/>
-              <a:t>학습시킨</a:t>
-            </a:r>
-            <a:r>
-              <a:rPr lang="en-US" altLang="ko-KR" dirty="0" smtClean="0"/>
-              <a:t> PCB </a:t>
-            </a:r>
-            <a:r>
-              <a:rPr lang="ko-KR" altLang="en-US" dirty="0" smtClean="0"/>
-              <a:t>결함 종류</a:t>
-            </a:r>
-            <a:endParaRPr lang="ko-KR" altLang="en-US" dirty="0"/>
-          </a:p>
-        </p:txBody>
-      </p:sp>
-      <p:sp>
-        <p:nvSpPr>
-          <p:cNvPr id="5" name="TextBox 4"/>
-          <p:cNvSpPr txBox="1"/>
-          <p:nvPr/>
-        </p:nvSpPr>
-        <p:spPr>
-          <a:xfrm>
-            <a:off x="1115878" y="1690688"/>
-            <a:ext cx="8338088" cy="369332"/>
-          </a:xfrm>
-          <a:prstGeom prst="rect">
-            <a:avLst/>
-          </a:prstGeom>
-          <a:noFill/>
-        </p:spPr>
-        <p:txBody>
-          <a:bodyPr wrap="square" rtlCol="0">
-            <a:spAutoFit/>
-          </a:bodyPr>
-          <a:lstStyle/>
-          <a:p>
-            <a:r>
-              <a:rPr lang="en-US" altLang="ko-KR" b="1" dirty="0" smtClean="0">
-                <a:solidFill>
-                  <a:srgbClr val="FF0000"/>
-                </a:solidFill>
-              </a:rPr>
-              <a:t>Pin-hole</a:t>
-            </a:r>
-            <a:r>
-              <a:rPr lang="en-US" altLang="ko-KR" dirty="0" smtClean="0"/>
-              <a:t>(</a:t>
-            </a:r>
-            <a:r>
-              <a:rPr lang="ko-KR" altLang="en-US" dirty="0" smtClean="0"/>
-              <a:t>핀 홀</a:t>
-            </a:r>
-            <a:r>
-              <a:rPr lang="en-US" altLang="ko-KR" dirty="0" smtClean="0"/>
-              <a:t>) : </a:t>
-            </a:r>
-            <a:r>
-              <a:rPr lang="ko-KR" altLang="en-US" dirty="0" err="1" smtClean="0"/>
-              <a:t>금속층에</a:t>
-            </a:r>
-            <a:r>
-              <a:rPr lang="ko-KR" altLang="en-US" dirty="0" smtClean="0"/>
-              <a:t> 미세한 구멍이 생기는 것</a:t>
-            </a:r>
-            <a:endParaRPr lang="ko-KR" altLang="en-US" dirty="0"/>
-          </a:p>
-        </p:txBody>
-      </p:sp>
-      <p:pic>
-        <p:nvPicPr>
-          <p:cNvPr id="6" name="그림 5"/>
-          <p:cNvPicPr>
-            <a:picLocks noChangeAspect="1"/>
-          </p:cNvPicPr>
-          <p:nvPr/>
-        </p:nvPicPr>
-        <p:blipFill>
-          <a:blip r:embed="rId2">
-            <a:extLst>
-              <a:ext uri="{28A0092B-C50C-407E-A947-70E740481C1C}">
-                <a14:useLocalDpi xmlns:a14="http://schemas.microsoft.com/office/drawing/2010/main" val="0"/>
-              </a:ext>
-            </a:extLst>
-          </a:blip>
-          <a:stretch>
-            <a:fillRect/>
-          </a:stretch>
-        </p:blipFill>
-        <p:spPr>
-          <a:xfrm>
-            <a:off x="1782305" y="2367123"/>
-            <a:ext cx="3240000" cy="3240000"/>
-          </a:xfrm>
-          <a:prstGeom prst="rect">
-            <a:avLst/>
-          </a:prstGeom>
-        </p:spPr>
-      </p:pic>
-      <p:sp>
-        <p:nvSpPr>
-          <p:cNvPr id="7" name="액자 6"/>
-          <p:cNvSpPr/>
-          <p:nvPr/>
-        </p:nvSpPr>
-        <p:spPr>
-          <a:xfrm>
-            <a:off x="3827759" y="2398873"/>
-            <a:ext cx="335311" cy="335311"/>
-          </a:xfrm>
-          <a:prstGeom prst="frame">
-            <a:avLst/>
-          </a:prstGeom>
-          <a:solidFill>
-            <a:srgbClr val="FF0000"/>
-          </a:solidFill>
-          <a:ln>
-            <a:noFill/>
-          </a:ln>
-        </p:spPr>
-        <p:style>
-          <a:lnRef idx="2">
-            <a:schemeClr val="accent1">
-              <a:shade val="50000"/>
-            </a:schemeClr>
-          </a:lnRef>
-          <a:fillRef idx="1">
-            <a:schemeClr val="accent1"/>
-          </a:fillRef>
-          <a:effectRef idx="0">
-            <a:schemeClr val="accent1"/>
-          </a:effectRef>
-          <a:fontRef idx="minor">
-            <a:schemeClr val="lt1"/>
-          </a:fontRef>
-        </p:style>
-        <p:txBody>
-          <a:bodyPr rtlCol="0" anchor="ctr"/>
-          <a:lstStyle/>
-          <a:p>
-            <a:pPr algn="ctr"/>
-            <a:endParaRPr lang="ko-KR" altLang="en-US">
-              <a:solidFill>
-                <a:schemeClr val="tx1"/>
-              </a:solidFill>
-            </a:endParaRPr>
-          </a:p>
-        </p:txBody>
-      </p:sp>
-      <p:sp>
-        <p:nvSpPr>
-          <p:cNvPr id="8" name="액자 7"/>
-          <p:cNvSpPr/>
-          <p:nvPr/>
-        </p:nvSpPr>
-        <p:spPr>
-          <a:xfrm>
-            <a:off x="4192239" y="2373473"/>
-            <a:ext cx="335311" cy="335311"/>
-          </a:xfrm>
-          <a:prstGeom prst="frame">
-            <a:avLst/>
-          </a:prstGeom>
-          <a:solidFill>
-            <a:srgbClr val="FF0000"/>
-          </a:solidFill>
-          <a:ln>
-            <a:noFill/>
-          </a:ln>
-        </p:spPr>
-        <p:style>
-          <a:lnRef idx="2">
-            <a:schemeClr val="accent1">
-              <a:shade val="50000"/>
-            </a:schemeClr>
-          </a:lnRef>
-          <a:fillRef idx="1">
-            <a:schemeClr val="accent1"/>
-          </a:fillRef>
-          <a:effectRef idx="0">
-            <a:schemeClr val="accent1"/>
-          </a:effectRef>
-          <a:fontRef idx="minor">
-            <a:schemeClr val="lt1"/>
-          </a:fontRef>
-        </p:style>
-        <p:txBody>
-          <a:bodyPr rtlCol="0" anchor="ctr"/>
-          <a:lstStyle/>
-          <a:p>
-            <a:pPr algn="ctr"/>
-            <a:endParaRPr lang="ko-KR" altLang="en-US">
-              <a:solidFill>
-                <a:schemeClr val="tx1"/>
-              </a:solidFill>
-            </a:endParaRPr>
-          </a:p>
-        </p:txBody>
-      </p:sp>
-      <p:sp>
-        <p:nvSpPr>
-          <p:cNvPr id="9" name="액자 8"/>
-          <p:cNvSpPr/>
-          <p:nvPr/>
-        </p:nvSpPr>
-        <p:spPr>
-          <a:xfrm>
-            <a:off x="2865554" y="3890216"/>
-            <a:ext cx="536751" cy="536751"/>
-          </a:xfrm>
-          <a:prstGeom prst="frame">
-            <a:avLst/>
-          </a:prstGeom>
-          <a:solidFill>
-            <a:srgbClr val="FF0000"/>
-          </a:solidFill>
-          <a:ln>
-            <a:noFill/>
-          </a:ln>
-        </p:spPr>
-        <p:style>
-          <a:lnRef idx="2">
-            <a:schemeClr val="accent1">
-              <a:shade val="50000"/>
-            </a:schemeClr>
-          </a:lnRef>
-          <a:fillRef idx="1">
-            <a:schemeClr val="accent1"/>
-          </a:fillRef>
-          <a:effectRef idx="0">
-            <a:schemeClr val="accent1"/>
-          </a:effectRef>
-          <a:fontRef idx="minor">
-            <a:schemeClr val="lt1"/>
-          </a:fontRef>
-        </p:style>
-        <p:txBody>
-          <a:bodyPr rtlCol="0" anchor="ctr"/>
-          <a:lstStyle/>
-          <a:p>
-            <a:pPr algn="ctr"/>
-            <a:endParaRPr lang="ko-KR" altLang="en-US">
-              <a:solidFill>
-                <a:schemeClr val="tx1"/>
-              </a:solidFill>
-            </a:endParaRPr>
-          </a:p>
-        </p:txBody>
-      </p:sp>
-      <p:grpSp>
-        <p:nvGrpSpPr>
-          <p:cNvPr id="12" name="그룹 11"/>
-          <p:cNvGrpSpPr/>
-          <p:nvPr/>
-        </p:nvGrpSpPr>
-        <p:grpSpPr>
-          <a:xfrm>
-            <a:off x="6946419" y="2398873"/>
-            <a:ext cx="2917425" cy="2806271"/>
-            <a:chOff x="6946419" y="2398873"/>
-            <a:chExt cx="2917425" cy="2806271"/>
-          </a:xfrm>
-        </p:grpSpPr>
-        <p:pic>
-          <p:nvPicPr>
-            <p:cNvPr id="2" name="그림 1"/>
-            <p:cNvPicPr>
-              <a:picLocks noChangeAspect="1"/>
-            </p:cNvPicPr>
-            <p:nvPr/>
-          </p:nvPicPr>
-          <p:blipFill>
-            <a:blip r:embed="rId3">
-              <a:extLst>
-                <a:ext uri="{28A0092B-C50C-407E-A947-70E740481C1C}">
-                  <a14:useLocalDpi xmlns:a14="http://schemas.microsoft.com/office/drawing/2010/main" val="0"/>
-                </a:ext>
-              </a:extLst>
-            </a:blip>
-            <a:stretch>
-              <a:fillRect/>
-            </a:stretch>
-          </p:blipFill>
-          <p:spPr>
-            <a:xfrm>
-              <a:off x="7029304" y="4100244"/>
-              <a:ext cx="1147972" cy="899762"/>
-            </a:xfrm>
-            <a:prstGeom prst="rect">
-              <a:avLst/>
-            </a:prstGeom>
-          </p:spPr>
-        </p:pic>
-        <p:pic>
-          <p:nvPicPr>
-            <p:cNvPr id="3" name="그림 2"/>
-            <p:cNvPicPr>
-              <a:picLocks noChangeAspect="1"/>
-            </p:cNvPicPr>
-            <p:nvPr/>
-          </p:nvPicPr>
-          <p:blipFill>
-            <a:blip r:embed="rId4">
-              <a:extLst>
-                <a:ext uri="{28A0092B-C50C-407E-A947-70E740481C1C}">
-                  <a14:useLocalDpi xmlns:a14="http://schemas.microsoft.com/office/drawing/2010/main" val="0"/>
-                </a:ext>
-              </a:extLst>
-            </a:blip>
-            <a:stretch>
-              <a:fillRect/>
-            </a:stretch>
-          </p:blipFill>
-          <p:spPr>
-            <a:xfrm>
-              <a:off x="8758944" y="4100244"/>
-              <a:ext cx="1104900" cy="1104900"/>
-            </a:xfrm>
-            <a:prstGeom prst="rect">
-              <a:avLst/>
-            </a:prstGeom>
-          </p:spPr>
-        </p:pic>
-        <p:pic>
-          <p:nvPicPr>
-            <p:cNvPr id="10" name="그림 9"/>
-            <p:cNvPicPr>
-              <a:picLocks noChangeAspect="1"/>
-            </p:cNvPicPr>
-            <p:nvPr/>
-          </p:nvPicPr>
-          <p:blipFill>
-            <a:blip r:embed="rId5">
-              <a:extLst>
-                <a:ext uri="{28A0092B-C50C-407E-A947-70E740481C1C}">
-                  <a14:useLocalDpi xmlns:a14="http://schemas.microsoft.com/office/drawing/2010/main" val="0"/>
-                </a:ext>
-              </a:extLst>
-            </a:blip>
-            <a:stretch>
-              <a:fillRect/>
-            </a:stretch>
-          </p:blipFill>
-          <p:spPr>
-            <a:xfrm>
-              <a:off x="6946419" y="2578439"/>
-              <a:ext cx="1230857" cy="1081662"/>
-            </a:xfrm>
-            <a:prstGeom prst="rect">
-              <a:avLst/>
-            </a:prstGeom>
-          </p:spPr>
-        </p:pic>
-        <p:pic>
-          <p:nvPicPr>
-            <p:cNvPr id="11" name="그림 10"/>
-            <p:cNvPicPr>
-              <a:picLocks noChangeAspect="1"/>
-            </p:cNvPicPr>
-            <p:nvPr/>
-          </p:nvPicPr>
-          <p:blipFill>
-            <a:blip r:embed="rId6">
-              <a:extLst>
-                <a:ext uri="{28A0092B-C50C-407E-A947-70E740481C1C}">
-                  <a14:useLocalDpi xmlns:a14="http://schemas.microsoft.com/office/drawing/2010/main" val="0"/>
-                </a:ext>
-              </a:extLst>
-            </a:blip>
-            <a:stretch>
-              <a:fillRect/>
-            </a:stretch>
-          </p:blipFill>
-          <p:spPr>
-            <a:xfrm>
-              <a:off x="8758944" y="2398873"/>
-              <a:ext cx="1003300" cy="1003300"/>
-            </a:xfrm>
-            <a:prstGeom prst="rect">
-              <a:avLst/>
-            </a:prstGeom>
-          </p:spPr>
-        </p:pic>
-      </p:grpSp>
-    </p:spTree>
-    <p:extLst>
-      <p:ext uri="{BB962C8B-B14F-4D97-AF65-F5344CB8AC3E}">
-        <p14:creationId xmlns:p14="http://schemas.microsoft.com/office/powerpoint/2010/main" val="1940623521"/>
       </p:ext>
     </p:extLst>
   </p:cSld>
